--- a/17-worldbank-co2-visualization/Exploring & Visualizing of World bank Co2 Emission dataset.pptx
+++ b/17-worldbank-co2-visualization/Exploring & Visualizing of World bank Co2 Emission dataset.pptx
@@ -1,40 +1,40 @@
 
 <file path=ppt/presentation.xml><?xml version="1.0" encoding="utf-8"?>
-<p:presentation xmlns:a="http://schemas.openxmlformats.org/drawingml/2006/main" xmlns:r="http://schemas.openxmlformats.org/officeDocument/2006/relationships" xmlns:mc="http://schemas.openxmlformats.org/markup-compatibility/2006" xmlns:mv="urn:schemas-microsoft-com:mac:vml" xmlns:p="http://schemas.openxmlformats.org/presentationml/2006/main" xmlns:c="http://schemas.openxmlformats.org/drawingml/2006/chart" xmlns:dgm="http://schemas.openxmlformats.org/drawingml/2006/diagram" xmlns:o="urn:schemas-microsoft-com:office:office" xmlns:v="urn:schemas-microsoft-com:vml" xmlns:pvml="urn:schemas-microsoft-com:office:powerpoint" xmlns:com="http://schemas.openxmlformats.org/drawingml/2006/compatibility" xmlns:p14="http://schemas.microsoft.com/office/powerpoint/2010/main" xmlns:p15="http://schemas.microsoft.com/office/powerpoint/2012/main" xmlns:ahyp="http://schemas.microsoft.com/office/drawing/2018/hyperlinkcolor" autoCompressPictures="0" embedTrueTypeFonts="1" strictFirstAndLastChars="0" saveSubsetFonts="1">
+<p:presentation xmlns:a="http://schemas.openxmlformats.org/drawingml/2006/main" xmlns:r="http://schemas.openxmlformats.org/officeDocument/2006/relationships" xmlns:p="http://schemas.openxmlformats.org/presentationml/2006/main" strictFirstAndLastChars="0" embedTrueTypeFonts="1" saveSubsetFonts="1" autoCompressPictures="0">
   <p:sldMasterIdLst>
-    <p:sldMasterId id="2147483659" r:id="rId4"/>
+    <p:sldMasterId id="2147483659" r:id="rId1"/>
   </p:sldMasterIdLst>
   <p:notesMasterIdLst>
-    <p:notesMasterId r:id="rId5"/>
+    <p:notesMasterId r:id="rId8"/>
   </p:notesMasterIdLst>
   <p:sldIdLst>
-    <p:sldId id="256" r:id="rId6"/>
-    <p:sldId id="257" r:id="rId7"/>
-    <p:sldId id="258" r:id="rId8"/>
-    <p:sldId id="259" r:id="rId9"/>
-    <p:sldId id="260" r:id="rId10"/>
-    <p:sldId id="261" r:id="rId11"/>
+    <p:sldId id="256" r:id="rId2"/>
+    <p:sldId id="257" r:id="rId3"/>
+    <p:sldId id="258" r:id="rId4"/>
+    <p:sldId id="259" r:id="rId5"/>
+    <p:sldId id="260" r:id="rId6"/>
+    <p:sldId id="261" r:id="rId7"/>
   </p:sldIdLst>
-  <p:sldSz cy="5143500" cx="9144000"/>
+  <p:sldSz cx="9144000" cy="5143500" type="screen16x9"/>
   <p:notesSz cx="6858000" cy="9144000"/>
   <p:embeddedFontLst>
     <p:embeddedFont>
-      <p:font typeface="Raleway"/>
-      <p:regular r:id="rId12"/>
-      <p:bold r:id="rId13"/>
-      <p:italic r:id="rId14"/>
-      <p:boldItalic r:id="rId15"/>
+      <p:font typeface="Lato" panose="020F0502020204030203" pitchFamily="34" charset="0"/>
+      <p:regular r:id="rId9"/>
+      <p:bold r:id="rId10"/>
+      <p:italic r:id="rId11"/>
+      <p:boldItalic r:id="rId12"/>
     </p:embeddedFont>
     <p:embeddedFont>
-      <p:font typeface="Lato"/>
-      <p:regular r:id="rId16"/>
-      <p:bold r:id="rId17"/>
-      <p:italic r:id="rId18"/>
-      <p:boldItalic r:id="rId19"/>
+      <p:font typeface="Raleway" pitchFamily="2" charset="0"/>
+      <p:regular r:id="rId13"/>
+      <p:bold r:id="rId14"/>
+      <p:italic r:id="rId15"/>
+      <p:boldItalic r:id="rId16"/>
     </p:embeddedFont>
   </p:embeddedFontLst>
   <p:defaultTextStyle>
-    <a:defPPr lvl="0" marR="0" rtl="0" algn="l">
+    <a:defPPr marR="0" lvl="0" algn="l" rtl="0">
       <a:lnSpc>
         <a:spcPct val="100000"/>
       </a:lnSpc>
@@ -45,7 +45,7 @@
         <a:spcPts val="0"/>
       </a:spcAft>
     </a:defPPr>
-    <a:lvl1pPr lvl="0" marR="0" rtl="0" algn="l">
+    <a:lvl1pPr marR="0" lvl="0" algn="l" rtl="0">
       <a:lnSpc>
         <a:spcPct val="100000"/>
       </a:lnSpc>
@@ -59,7 +59,7 @@
         <a:srgbClr val="000000"/>
       </a:buClr>
       <a:buFont typeface="Arial"/>
-      <a:defRPr b="0" i="0" sz="1400" u="none" cap="none" strike="noStrike">
+      <a:defRPr sz="1400" b="0" i="0" u="none" strike="noStrike" cap="none">
         <a:solidFill>
           <a:srgbClr val="000000"/>
         </a:solidFill>
@@ -69,7 +69,7 @@
         <a:sym typeface="Arial"/>
       </a:defRPr>
     </a:lvl1pPr>
-    <a:lvl2pPr lvl="1" marR="0" rtl="0" algn="l">
+    <a:lvl2pPr marR="0" lvl="1" algn="l" rtl="0">
       <a:lnSpc>
         <a:spcPct val="100000"/>
       </a:lnSpc>
@@ -83,7 +83,7 @@
         <a:srgbClr val="000000"/>
       </a:buClr>
       <a:buFont typeface="Arial"/>
-      <a:defRPr b="0" i="0" sz="1400" u="none" cap="none" strike="noStrike">
+      <a:defRPr sz="1400" b="0" i="0" u="none" strike="noStrike" cap="none">
         <a:solidFill>
           <a:srgbClr val="000000"/>
         </a:solidFill>
@@ -93,7 +93,7 @@
         <a:sym typeface="Arial"/>
       </a:defRPr>
     </a:lvl2pPr>
-    <a:lvl3pPr lvl="2" marR="0" rtl="0" algn="l">
+    <a:lvl3pPr marR="0" lvl="2" algn="l" rtl="0">
       <a:lnSpc>
         <a:spcPct val="100000"/>
       </a:lnSpc>
@@ -107,7 +107,7 @@
         <a:srgbClr val="000000"/>
       </a:buClr>
       <a:buFont typeface="Arial"/>
-      <a:defRPr b="0" i="0" sz="1400" u="none" cap="none" strike="noStrike">
+      <a:defRPr sz="1400" b="0" i="0" u="none" strike="noStrike" cap="none">
         <a:solidFill>
           <a:srgbClr val="000000"/>
         </a:solidFill>
@@ -117,7 +117,7 @@
         <a:sym typeface="Arial"/>
       </a:defRPr>
     </a:lvl3pPr>
-    <a:lvl4pPr lvl="3" marR="0" rtl="0" algn="l">
+    <a:lvl4pPr marR="0" lvl="3" algn="l" rtl="0">
       <a:lnSpc>
         <a:spcPct val="100000"/>
       </a:lnSpc>
@@ -131,7 +131,7 @@
         <a:srgbClr val="000000"/>
       </a:buClr>
       <a:buFont typeface="Arial"/>
-      <a:defRPr b="0" i="0" sz="1400" u="none" cap="none" strike="noStrike">
+      <a:defRPr sz="1400" b="0" i="0" u="none" strike="noStrike" cap="none">
         <a:solidFill>
           <a:srgbClr val="000000"/>
         </a:solidFill>
@@ -141,7 +141,7 @@
         <a:sym typeface="Arial"/>
       </a:defRPr>
     </a:lvl4pPr>
-    <a:lvl5pPr lvl="4" marR="0" rtl="0" algn="l">
+    <a:lvl5pPr marR="0" lvl="4" algn="l" rtl="0">
       <a:lnSpc>
         <a:spcPct val="100000"/>
       </a:lnSpc>
@@ -155,7 +155,7 @@
         <a:srgbClr val="000000"/>
       </a:buClr>
       <a:buFont typeface="Arial"/>
-      <a:defRPr b="0" i="0" sz="1400" u="none" cap="none" strike="noStrike">
+      <a:defRPr sz="1400" b="0" i="0" u="none" strike="noStrike" cap="none">
         <a:solidFill>
           <a:srgbClr val="000000"/>
         </a:solidFill>
@@ -165,7 +165,7 @@
         <a:sym typeface="Arial"/>
       </a:defRPr>
     </a:lvl5pPr>
-    <a:lvl6pPr lvl="5" marR="0" rtl="0" algn="l">
+    <a:lvl6pPr marR="0" lvl="5" algn="l" rtl="0">
       <a:lnSpc>
         <a:spcPct val="100000"/>
       </a:lnSpc>
@@ -179,7 +179,7 @@
         <a:srgbClr val="000000"/>
       </a:buClr>
       <a:buFont typeface="Arial"/>
-      <a:defRPr b="0" i="0" sz="1400" u="none" cap="none" strike="noStrike">
+      <a:defRPr sz="1400" b="0" i="0" u="none" strike="noStrike" cap="none">
         <a:solidFill>
           <a:srgbClr val="000000"/>
         </a:solidFill>
@@ -189,7 +189,7 @@
         <a:sym typeface="Arial"/>
       </a:defRPr>
     </a:lvl6pPr>
-    <a:lvl7pPr lvl="6" marR="0" rtl="0" algn="l">
+    <a:lvl7pPr marR="0" lvl="6" algn="l" rtl="0">
       <a:lnSpc>
         <a:spcPct val="100000"/>
       </a:lnSpc>
@@ -203,7 +203,7 @@
         <a:srgbClr val="000000"/>
       </a:buClr>
       <a:buFont typeface="Arial"/>
-      <a:defRPr b="0" i="0" sz="1400" u="none" cap="none" strike="noStrike">
+      <a:defRPr sz="1400" b="0" i="0" u="none" strike="noStrike" cap="none">
         <a:solidFill>
           <a:srgbClr val="000000"/>
         </a:solidFill>
@@ -213,7 +213,7 @@
         <a:sym typeface="Arial"/>
       </a:defRPr>
     </a:lvl7pPr>
-    <a:lvl8pPr lvl="7" marR="0" rtl="0" algn="l">
+    <a:lvl8pPr marR="0" lvl="7" algn="l" rtl="0">
       <a:lnSpc>
         <a:spcPct val="100000"/>
       </a:lnSpc>
@@ -227,7 +227,7 @@
         <a:srgbClr val="000000"/>
       </a:buClr>
       <a:buFont typeface="Arial"/>
-      <a:defRPr b="0" i="0" sz="1400" u="none" cap="none" strike="noStrike">
+      <a:defRPr sz="1400" b="0" i="0" u="none" strike="noStrike" cap="none">
         <a:solidFill>
           <a:srgbClr val="000000"/>
         </a:solidFill>
@@ -237,7 +237,7 @@
         <a:sym typeface="Arial"/>
       </a:defRPr>
     </a:lvl8pPr>
-    <a:lvl9pPr lvl="8" marR="0" rtl="0" algn="l">
+    <a:lvl9pPr marR="0" lvl="8" algn="l" rtl="0">
       <a:lnSpc>
         <a:spcPct val="100000"/>
       </a:lnSpc>
@@ -251,7 +251,7 @@
         <a:srgbClr val="000000"/>
       </a:buClr>
       <a:buFont typeface="Arial"/>
-      <a:defRPr b="0" i="0" sz="1400" u="none" cap="none" strike="noStrike">
+      <a:defRPr sz="1400" b="0" i="0" u="none" strike="noStrike" cap="none">
         <a:solidFill>
           <a:srgbClr val="000000"/>
         </a:solidFill>
@@ -264,7 +264,7 @@
   </p:defaultTextStyle>
   <p:extLst>
     <p:ext uri="{EFAFB233-063F-42B5-8137-9DF3F51BA10A}">
-      <p15:sldGuideLst>
+      <p15:sldGuideLst xmlns:p15="http://schemas.microsoft.com/office/powerpoint/2012/main">
         <p15:guide id="1" orient="horz" pos="1620">
           <p15:clr>
             <a:srgbClr val="A4A3A4"/>
@@ -282,11 +282,16 @@
 </file>
 
 <file path=ppt/notesMasters/notesMaster1.xml><?xml version="1.0" encoding="utf-8"?>
-<p:notesMaster xmlns:a="http://schemas.openxmlformats.org/drawingml/2006/main" xmlns:r="http://schemas.openxmlformats.org/officeDocument/2006/relationships" xmlns:mc="http://schemas.openxmlformats.org/markup-compatibility/2006" xmlns:mv="urn:schemas-microsoft-com:mac:vml" xmlns:p="http://schemas.openxmlformats.org/presentationml/2006/main" xmlns:c="http://schemas.openxmlformats.org/drawingml/2006/chart" xmlns:dgm="http://schemas.openxmlformats.org/drawingml/2006/diagram" xmlns:o="urn:schemas-microsoft-com:office:office" xmlns:v="urn:schemas-microsoft-com:vml" xmlns:pvml="urn:schemas-microsoft-com:office:powerpoint" xmlns:com="http://schemas.openxmlformats.org/drawingml/2006/compatibility" xmlns:p14="http://schemas.microsoft.com/office/powerpoint/2010/main" xmlns:p15="http://schemas.microsoft.com/office/powerpoint/2012/main" xmlns:ahyp="http://schemas.microsoft.com/office/drawing/2018/hyperlinkcolor">
+<p:notesMaster xmlns:a="http://schemas.openxmlformats.org/drawingml/2006/main" xmlns:r="http://schemas.openxmlformats.org/officeDocument/2006/relationships" xmlns:p="http://schemas.openxmlformats.org/presentationml/2006/main">
   <p:cSld>
+    <p:bg>
+      <p:bgRef idx="1001">
+        <a:schemeClr val="bg1"/>
+      </p:bgRef>
+    </p:bg>
     <p:spTree>
       <p:nvGrpSpPr>
-        <p:cNvPr id="2" name="Shape 2"/>
+        <p:cNvPr id="1" name="Shape 2"/>
         <p:cNvGrpSpPr/>
         <p:nvPr/>
       </p:nvGrpSpPr>
@@ -301,9 +306,11 @@
       <p:sp>
         <p:nvSpPr>
           <p:cNvPr id="3" name="Google Shape;3;n"/>
-          <p:cNvSpPr/>
+          <p:cNvSpPr>
+            <a:spLocks noGrp="1" noRot="1" noChangeAspect="1"/>
+          </p:cNvSpPr>
           <p:nvPr>
-            <p:ph idx="2" type="sldImg"/>
+            <p:ph type="sldImg" idx="2"/>
           </p:nvPr>
         </p:nvSpPr>
         <p:spPr>
@@ -312,9 +319,13 @@
             <a:ext cx="6096075" cy="3429000"/>
           </a:xfrm>
           <a:custGeom>
-            <a:rect b="b" l="l" r="r" t="t"/>
+            <a:avLst/>
+            <a:gdLst/>
+            <a:ahLst/>
+            <a:cxnLst/>
+            <a:rect l="l" t="t" r="r" b="b"/>
             <a:pathLst>
-              <a:path extrusionOk="0" h="120000" w="120000">
+              <a:path w="120000" h="120000" extrusionOk="0">
                 <a:moveTo>
                   <a:pt x="0" y="0"/>
                 </a:moveTo>
@@ -332,23 +343,25 @@
             </a:pathLst>
           </a:custGeom>
           <a:noFill/>
-          <a:ln cap="flat" cmpd="sng" w="9525">
+          <a:ln w="9525" cap="flat" cmpd="sng">
             <a:solidFill>
               <a:srgbClr val="000000"/>
             </a:solidFill>
             <a:prstDash val="solid"/>
             <a:round/>
-            <a:headEnd len="sm" w="sm" type="none"/>
-            <a:tailEnd len="sm" w="sm" type="none"/>
+            <a:headEnd type="none" w="sm" len="sm"/>
+            <a:tailEnd type="none" w="sm" len="sm"/>
           </a:ln>
         </p:spPr>
       </p:sp>
       <p:sp>
         <p:nvSpPr>
           <p:cNvPr id="4" name="Google Shape;4;n"/>
-          <p:cNvSpPr txBox="1"/>
+          <p:cNvSpPr txBox="1">
+            <a:spLocks noGrp="1"/>
+          </p:cNvSpPr>
           <p:nvPr>
-            <p:ph idx="1" type="body"/>
+            <p:ph type="body" idx="1"/>
           </p:nvPr>
         </p:nvSpPr>
         <p:spPr>
@@ -365,11 +378,11 @@
           </a:ln>
         </p:spPr>
         <p:txBody>
-          <a:bodyPr anchorCtr="0" anchor="t" bIns="91425" lIns="91425" spcFirstLastPara="1" rIns="91425" wrap="square" tIns="91425">
+          <a:bodyPr spcFirstLastPara="1" wrap="square" lIns="91425" tIns="91425" rIns="91425" bIns="91425" anchor="t" anchorCtr="0">
             <a:noAutofit/>
           </a:bodyPr>
           <a:lstStyle>
-            <a:lvl1pPr indent="-298450" lvl="0" marL="457200">
+            <a:lvl1pPr marL="457200" lvl="0" indent="-298450">
               <a:spcBef>
                 <a:spcPts val="0"/>
               </a:spcBef>
@@ -380,7 +393,7 @@
               <a:buChar char="●"/>
               <a:defRPr sz="1100"/>
             </a:lvl1pPr>
-            <a:lvl2pPr indent="-298450" lvl="1" marL="914400">
+            <a:lvl2pPr marL="914400" lvl="1" indent="-298450">
               <a:spcBef>
                 <a:spcPts val="0"/>
               </a:spcBef>
@@ -391,7 +404,7 @@
               <a:buChar char="○"/>
               <a:defRPr sz="1100"/>
             </a:lvl2pPr>
-            <a:lvl3pPr indent="-298450" lvl="2" marL="1371600">
+            <a:lvl3pPr marL="1371600" lvl="2" indent="-298450">
               <a:spcBef>
                 <a:spcPts val="0"/>
               </a:spcBef>
@@ -402,7 +415,7 @@
               <a:buChar char="■"/>
               <a:defRPr sz="1100"/>
             </a:lvl3pPr>
-            <a:lvl4pPr indent="-298450" lvl="3" marL="1828800">
+            <a:lvl4pPr marL="1828800" lvl="3" indent="-298450">
               <a:spcBef>
                 <a:spcPts val="0"/>
               </a:spcBef>
@@ -413,7 +426,7 @@
               <a:buChar char="●"/>
               <a:defRPr sz="1100"/>
             </a:lvl4pPr>
-            <a:lvl5pPr indent="-298450" lvl="4" marL="2286000">
+            <a:lvl5pPr marL="2286000" lvl="4" indent="-298450">
               <a:spcBef>
                 <a:spcPts val="0"/>
               </a:spcBef>
@@ -424,7 +437,7 @@
               <a:buChar char="○"/>
               <a:defRPr sz="1100"/>
             </a:lvl5pPr>
-            <a:lvl6pPr indent="-298450" lvl="5" marL="2743200">
+            <a:lvl6pPr marL="2743200" lvl="5" indent="-298450">
               <a:spcBef>
                 <a:spcPts val="0"/>
               </a:spcBef>
@@ -435,7 +448,7 @@
               <a:buChar char="■"/>
               <a:defRPr sz="1100"/>
             </a:lvl6pPr>
-            <a:lvl7pPr indent="-298450" lvl="6" marL="3200400">
+            <a:lvl7pPr marL="3200400" lvl="6" indent="-298450">
               <a:spcBef>
                 <a:spcPts val="0"/>
               </a:spcBef>
@@ -446,7 +459,7 @@
               <a:buChar char="●"/>
               <a:defRPr sz="1100"/>
             </a:lvl7pPr>
-            <a:lvl8pPr indent="-298450" lvl="7" marL="3657600">
+            <a:lvl8pPr marL="3657600" lvl="7" indent="-298450">
               <a:spcBef>
                 <a:spcPts val="0"/>
               </a:spcBef>
@@ -457,7 +470,7 @@
               <a:buChar char="○"/>
               <a:defRPr sz="1100"/>
             </a:lvl8pPr>
-            <a:lvl9pPr indent="-298450" lvl="8" marL="4114800">
+            <a:lvl9pPr marL="4114800" lvl="8" indent="-298450">
               <a:spcBef>
                 <a:spcPts val="0"/>
               </a:spcBef>
@@ -469,14 +482,16 @@
               <a:defRPr sz="1100"/>
             </a:lvl9pPr>
           </a:lstStyle>
-          <a:p/>
+          <a:p>
+            <a:endParaRPr/>
+          </a:p>
         </p:txBody>
       </p:sp>
     </p:spTree>
   </p:cSld>
-  <p:clrMap accent1="accent1" accent2="accent2" accent3="accent3" accent4="accent4" accent5="accent5" accent6="accent6" bg1="lt1" bg2="dk2" tx1="dk1" tx2="lt2" folHlink="folHlink" hlink="hlink"/>
+  <p:clrMap bg1="lt1" tx1="dk1" bg2="dk2" tx2="lt2" accent1="accent1" accent2="accent2" accent3="accent3" accent4="accent4" accent5="accent5" accent6="accent6" hlink="hlink" folHlink="folHlink"/>
   <p:notesStyle>
-    <a:defPPr lvl="0" marR="0" rtl="0" algn="l">
+    <a:defPPr marR="0" lvl="0" algn="l" rtl="0">
       <a:lnSpc>
         <a:spcPct val="100000"/>
       </a:lnSpc>
@@ -487,7 +502,7 @@
         <a:spcPts val="0"/>
       </a:spcAft>
     </a:defPPr>
-    <a:lvl1pPr lvl="0" marR="0" rtl="0" algn="l">
+    <a:lvl1pPr marR="0" lvl="0" algn="l" rtl="0">
       <a:lnSpc>
         <a:spcPct val="100000"/>
       </a:lnSpc>
@@ -501,7 +516,7 @@
         <a:srgbClr val="000000"/>
       </a:buClr>
       <a:buFont typeface="Arial"/>
-      <a:defRPr b="0" i="0" sz="1400" u="none" cap="none" strike="noStrike">
+      <a:defRPr sz="1400" b="0" i="0" u="none" strike="noStrike" cap="none">
         <a:solidFill>
           <a:srgbClr val="000000"/>
         </a:solidFill>
@@ -511,7 +526,7 @@
         <a:sym typeface="Arial"/>
       </a:defRPr>
     </a:lvl1pPr>
-    <a:lvl2pPr lvl="1" marR="0" rtl="0" algn="l">
+    <a:lvl2pPr marR="0" lvl="1" algn="l" rtl="0">
       <a:lnSpc>
         <a:spcPct val="100000"/>
       </a:lnSpc>
@@ -525,7 +540,7 @@
         <a:srgbClr val="000000"/>
       </a:buClr>
       <a:buFont typeface="Arial"/>
-      <a:defRPr b="0" i="0" sz="1400" u="none" cap="none" strike="noStrike">
+      <a:defRPr sz="1400" b="0" i="0" u="none" strike="noStrike" cap="none">
         <a:solidFill>
           <a:srgbClr val="000000"/>
         </a:solidFill>
@@ -535,7 +550,7 @@
         <a:sym typeface="Arial"/>
       </a:defRPr>
     </a:lvl2pPr>
-    <a:lvl3pPr lvl="2" marR="0" rtl="0" algn="l">
+    <a:lvl3pPr marR="0" lvl="2" algn="l" rtl="0">
       <a:lnSpc>
         <a:spcPct val="100000"/>
       </a:lnSpc>
@@ -549,7 +564,7 @@
         <a:srgbClr val="000000"/>
       </a:buClr>
       <a:buFont typeface="Arial"/>
-      <a:defRPr b="0" i="0" sz="1400" u="none" cap="none" strike="noStrike">
+      <a:defRPr sz="1400" b="0" i="0" u="none" strike="noStrike" cap="none">
         <a:solidFill>
           <a:srgbClr val="000000"/>
         </a:solidFill>
@@ -559,7 +574,7 @@
         <a:sym typeface="Arial"/>
       </a:defRPr>
     </a:lvl3pPr>
-    <a:lvl4pPr lvl="3" marR="0" rtl="0" algn="l">
+    <a:lvl4pPr marR="0" lvl="3" algn="l" rtl="0">
       <a:lnSpc>
         <a:spcPct val="100000"/>
       </a:lnSpc>
@@ -573,7 +588,7 @@
         <a:srgbClr val="000000"/>
       </a:buClr>
       <a:buFont typeface="Arial"/>
-      <a:defRPr b="0" i="0" sz="1400" u="none" cap="none" strike="noStrike">
+      <a:defRPr sz="1400" b="0" i="0" u="none" strike="noStrike" cap="none">
         <a:solidFill>
           <a:srgbClr val="000000"/>
         </a:solidFill>
@@ -583,7 +598,7 @@
         <a:sym typeface="Arial"/>
       </a:defRPr>
     </a:lvl4pPr>
-    <a:lvl5pPr lvl="4" marR="0" rtl="0" algn="l">
+    <a:lvl5pPr marR="0" lvl="4" algn="l" rtl="0">
       <a:lnSpc>
         <a:spcPct val="100000"/>
       </a:lnSpc>
@@ -597,7 +612,7 @@
         <a:srgbClr val="000000"/>
       </a:buClr>
       <a:buFont typeface="Arial"/>
-      <a:defRPr b="0" i="0" sz="1400" u="none" cap="none" strike="noStrike">
+      <a:defRPr sz="1400" b="0" i="0" u="none" strike="noStrike" cap="none">
         <a:solidFill>
           <a:srgbClr val="000000"/>
         </a:solidFill>
@@ -607,7 +622,7 @@
         <a:sym typeface="Arial"/>
       </a:defRPr>
     </a:lvl5pPr>
-    <a:lvl6pPr lvl="5" marR="0" rtl="0" algn="l">
+    <a:lvl6pPr marR="0" lvl="5" algn="l" rtl="0">
       <a:lnSpc>
         <a:spcPct val="100000"/>
       </a:lnSpc>
@@ -621,7 +636,7 @@
         <a:srgbClr val="000000"/>
       </a:buClr>
       <a:buFont typeface="Arial"/>
-      <a:defRPr b="0" i="0" sz="1400" u="none" cap="none" strike="noStrike">
+      <a:defRPr sz="1400" b="0" i="0" u="none" strike="noStrike" cap="none">
         <a:solidFill>
           <a:srgbClr val="000000"/>
         </a:solidFill>
@@ -631,7 +646,7 @@
         <a:sym typeface="Arial"/>
       </a:defRPr>
     </a:lvl6pPr>
-    <a:lvl7pPr lvl="6" marR="0" rtl="0" algn="l">
+    <a:lvl7pPr marR="0" lvl="6" algn="l" rtl="0">
       <a:lnSpc>
         <a:spcPct val="100000"/>
       </a:lnSpc>
@@ -645,7 +660,7 @@
         <a:srgbClr val="000000"/>
       </a:buClr>
       <a:buFont typeface="Arial"/>
-      <a:defRPr b="0" i="0" sz="1400" u="none" cap="none" strike="noStrike">
+      <a:defRPr sz="1400" b="0" i="0" u="none" strike="noStrike" cap="none">
         <a:solidFill>
           <a:srgbClr val="000000"/>
         </a:solidFill>
@@ -655,7 +670,7 @@
         <a:sym typeface="Arial"/>
       </a:defRPr>
     </a:lvl7pPr>
-    <a:lvl8pPr lvl="7" marR="0" rtl="0" algn="l">
+    <a:lvl8pPr marR="0" lvl="7" algn="l" rtl="0">
       <a:lnSpc>
         <a:spcPct val="100000"/>
       </a:lnSpc>
@@ -669,7 +684,7 @@
         <a:srgbClr val="000000"/>
       </a:buClr>
       <a:buFont typeface="Arial"/>
-      <a:defRPr b="0" i="0" sz="1400" u="none" cap="none" strike="noStrike">
+      <a:defRPr sz="1400" b="0" i="0" u="none" strike="noStrike" cap="none">
         <a:solidFill>
           <a:srgbClr val="000000"/>
         </a:solidFill>
@@ -679,7 +694,7 @@
         <a:sym typeface="Arial"/>
       </a:defRPr>
     </a:lvl8pPr>
-    <a:lvl9pPr lvl="8" marR="0" rtl="0" algn="l">
+    <a:lvl9pPr marR="0" lvl="8" algn="l" rtl="0">
       <a:lnSpc>
         <a:spcPct val="100000"/>
       </a:lnSpc>
@@ -693,7 +708,7 @@
         <a:srgbClr val="000000"/>
       </a:buClr>
       <a:buFont typeface="Arial"/>
-      <a:defRPr b="0" i="0" sz="1400" u="none" cap="none" strike="noStrike">
+      <a:defRPr sz="1400" b="0" i="0" u="none" strike="noStrike" cap="none">
         <a:solidFill>
           <a:srgbClr val="000000"/>
         </a:solidFill>
@@ -708,11 +723,11 @@
 </file>
 
 <file path=ppt/notesSlides/notesSlide1.xml><?xml version="1.0" encoding="utf-8"?>
-<p:notes xmlns:a="http://schemas.openxmlformats.org/drawingml/2006/main" xmlns:r="http://schemas.openxmlformats.org/officeDocument/2006/relationships" xmlns:mc="http://schemas.openxmlformats.org/markup-compatibility/2006" xmlns:mv="urn:schemas-microsoft-com:mac:vml" xmlns:p="http://schemas.openxmlformats.org/presentationml/2006/main" xmlns:c="http://schemas.openxmlformats.org/drawingml/2006/chart" xmlns:dgm="http://schemas.openxmlformats.org/drawingml/2006/diagram" xmlns:o="urn:schemas-microsoft-com:office:office" xmlns:v="urn:schemas-microsoft-com:vml" xmlns:pvml="urn:schemas-microsoft-com:office:powerpoint" xmlns:com="http://schemas.openxmlformats.org/drawingml/2006/compatibility" xmlns:p14="http://schemas.microsoft.com/office/powerpoint/2010/main" xmlns:p15="http://schemas.microsoft.com/office/powerpoint/2012/main" xmlns:ahyp="http://schemas.microsoft.com/office/drawing/2018/hyperlinkcolor" showMasterPhAnim="0" showMasterSp="0">
+<p:notes xmlns:a="http://schemas.openxmlformats.org/drawingml/2006/main" xmlns:r="http://schemas.openxmlformats.org/officeDocument/2006/relationships" xmlns:p="http://schemas.openxmlformats.org/presentationml/2006/main" showMasterSp="0" showMasterPhAnim="0">
   <p:cSld>
     <p:spTree>
       <p:nvGrpSpPr>
-        <p:cNvPr id="82" name="Shape 82"/>
+        <p:cNvPr id="1" name="Shape 82"/>
         <p:cNvGrpSpPr/>
         <p:nvPr/>
       </p:nvGrpSpPr>
@@ -727,20 +742,26 @@
       <p:sp>
         <p:nvSpPr>
           <p:cNvPr id="83" name="Google Shape;83;p:notes"/>
-          <p:cNvSpPr/>
+          <p:cNvSpPr>
+            <a:spLocks noGrp="1" noRot="1" noChangeAspect="1"/>
+          </p:cNvSpPr>
           <p:nvPr>
-            <p:ph idx="2" type="sldImg"/>
+            <p:ph type="sldImg" idx="2"/>
           </p:nvPr>
         </p:nvSpPr>
         <p:spPr>
           <a:xfrm>
-            <a:off x="381300" y="685800"/>
-            <a:ext cx="6096075" cy="3429000"/>
+            <a:off x="381000" y="685800"/>
+            <a:ext cx="6096000" cy="3429000"/>
           </a:xfrm>
           <a:custGeom>
-            <a:rect b="b" l="l" r="r" t="t"/>
+            <a:avLst/>
+            <a:gdLst/>
+            <a:ahLst/>
+            <a:cxnLst/>
+            <a:rect l="l" t="t" r="r" b="b"/>
             <a:pathLst>
-              <a:path extrusionOk="0" h="120000" w="120000">
+              <a:path w="120000" h="120000" extrusionOk="0">
                 <a:moveTo>
                   <a:pt x="0" y="0"/>
                 </a:moveTo>
@@ -762,9 +783,11 @@
       <p:sp>
         <p:nvSpPr>
           <p:cNvPr id="84" name="Google Shape;84;p:notes"/>
-          <p:cNvSpPr txBox="1"/>
+          <p:cNvSpPr txBox="1">
+            <a:spLocks noGrp="1"/>
+          </p:cNvSpPr>
           <p:nvPr>
-            <p:ph idx="1" type="body"/>
+            <p:ph type="body" idx="1"/>
           </p:nvPr>
         </p:nvSpPr>
         <p:spPr>
@@ -777,12 +800,12 @@
           </a:prstGeom>
         </p:spPr>
         <p:txBody>
-          <a:bodyPr anchorCtr="0" anchor="t" bIns="91425" lIns="91425" spcFirstLastPara="1" rIns="91425" wrap="square" tIns="91425">
+          <a:bodyPr spcFirstLastPara="1" wrap="square" lIns="91425" tIns="91425" rIns="91425" bIns="91425" anchor="t" anchorCtr="0">
             <a:noAutofit/>
           </a:bodyPr>
           <a:lstStyle/>
           <a:p>
-            <a:pPr indent="0" lvl="0" marL="0" rtl="0" algn="l">
+            <a:pPr marL="0" lvl="0" indent="0" algn="l" rtl="0">
               <a:spcBef>
                 <a:spcPts val="0"/>
               </a:spcBef>
@@ -791,9 +814,6 @@
               </a:spcAft>
               <a:buNone/>
             </a:pPr>
-            <a:r>
-              <a:t/>
-            </a:r>
             <a:endParaRPr/>
           </a:p>
         </p:txBody>
@@ -807,11 +827,11 @@
 </file>
 
 <file path=ppt/notesSlides/notesSlide2.xml><?xml version="1.0" encoding="utf-8"?>
-<p:notes xmlns:a="http://schemas.openxmlformats.org/drawingml/2006/main" xmlns:r="http://schemas.openxmlformats.org/officeDocument/2006/relationships" xmlns:mc="http://schemas.openxmlformats.org/markup-compatibility/2006" xmlns:mv="urn:schemas-microsoft-com:mac:vml" xmlns:p="http://schemas.openxmlformats.org/presentationml/2006/main" xmlns:c="http://schemas.openxmlformats.org/drawingml/2006/chart" xmlns:dgm="http://schemas.openxmlformats.org/drawingml/2006/diagram" xmlns:o="urn:schemas-microsoft-com:office:office" xmlns:v="urn:schemas-microsoft-com:vml" xmlns:pvml="urn:schemas-microsoft-com:office:powerpoint" xmlns:com="http://schemas.openxmlformats.org/drawingml/2006/compatibility" xmlns:p14="http://schemas.microsoft.com/office/powerpoint/2010/main" xmlns:p15="http://schemas.microsoft.com/office/powerpoint/2012/main" xmlns:ahyp="http://schemas.microsoft.com/office/drawing/2018/hyperlinkcolor" showMasterPhAnim="0" showMasterSp="0">
+<p:notes xmlns:a="http://schemas.openxmlformats.org/drawingml/2006/main" xmlns:r="http://schemas.openxmlformats.org/officeDocument/2006/relationships" xmlns:p="http://schemas.openxmlformats.org/presentationml/2006/main" showMasterSp="0" showMasterPhAnim="0">
   <p:cSld>
     <p:spTree>
       <p:nvGrpSpPr>
-        <p:cNvPr id="88" name="Shape 88"/>
+        <p:cNvPr id="1" name="Shape 88"/>
         <p:cNvGrpSpPr/>
         <p:nvPr/>
       </p:nvGrpSpPr>
@@ -826,9 +846,11 @@
       <p:sp>
         <p:nvSpPr>
           <p:cNvPr id="89" name="Google Shape;89;gfcb4da0d67_0_137:notes"/>
-          <p:cNvSpPr/>
+          <p:cNvSpPr>
+            <a:spLocks noGrp="1" noRot="1" noChangeAspect="1"/>
+          </p:cNvSpPr>
           <p:nvPr>
-            <p:ph idx="2" type="sldImg"/>
+            <p:ph type="sldImg" idx="2"/>
           </p:nvPr>
         </p:nvSpPr>
         <p:spPr>
@@ -837,9 +859,13 @@
             <a:ext cx="6096000" cy="3429000"/>
           </a:xfrm>
           <a:custGeom>
-            <a:rect b="b" l="l" r="r" t="t"/>
+            <a:avLst/>
+            <a:gdLst/>
+            <a:ahLst/>
+            <a:cxnLst/>
+            <a:rect l="l" t="t" r="r" b="b"/>
             <a:pathLst>
-              <a:path extrusionOk="0" h="120000" w="120000">
+              <a:path w="120000" h="120000" extrusionOk="0">
                 <a:moveTo>
                   <a:pt x="0" y="0"/>
                 </a:moveTo>
@@ -861,9 +887,11 @@
       <p:sp>
         <p:nvSpPr>
           <p:cNvPr id="90" name="Google Shape;90;gfcb4da0d67_0_137:notes"/>
-          <p:cNvSpPr txBox="1"/>
+          <p:cNvSpPr txBox="1">
+            <a:spLocks noGrp="1"/>
+          </p:cNvSpPr>
           <p:nvPr>
-            <p:ph idx="1" type="body"/>
+            <p:ph type="body" idx="1"/>
           </p:nvPr>
         </p:nvSpPr>
         <p:spPr>
@@ -876,12 +904,12 @@
           </a:prstGeom>
         </p:spPr>
         <p:txBody>
-          <a:bodyPr anchorCtr="0" anchor="t" bIns="91425" lIns="91425" spcFirstLastPara="1" rIns="91425" wrap="square" tIns="91425">
+          <a:bodyPr spcFirstLastPara="1" wrap="square" lIns="91425" tIns="91425" rIns="91425" bIns="91425" anchor="t" anchorCtr="0">
             <a:noAutofit/>
           </a:bodyPr>
           <a:lstStyle/>
           <a:p>
-            <a:pPr indent="0" lvl="0" marL="0" rtl="0" algn="l">
+            <a:pPr marL="0" lvl="0" indent="0" algn="l" rtl="0">
               <a:spcBef>
                 <a:spcPts val="0"/>
               </a:spcBef>
@@ -890,9 +918,6 @@
               </a:spcAft>
               <a:buNone/>
             </a:pPr>
-            <a:r>
-              <a:t/>
-            </a:r>
             <a:endParaRPr/>
           </a:p>
         </p:txBody>
@@ -906,11 +931,11 @@
 </file>
 
 <file path=ppt/notesSlides/notesSlide3.xml><?xml version="1.0" encoding="utf-8"?>
-<p:notes xmlns:a="http://schemas.openxmlformats.org/drawingml/2006/main" xmlns:r="http://schemas.openxmlformats.org/officeDocument/2006/relationships" xmlns:mc="http://schemas.openxmlformats.org/markup-compatibility/2006" xmlns:mv="urn:schemas-microsoft-com:mac:vml" xmlns:p="http://schemas.openxmlformats.org/presentationml/2006/main" xmlns:c="http://schemas.openxmlformats.org/drawingml/2006/chart" xmlns:dgm="http://schemas.openxmlformats.org/drawingml/2006/diagram" xmlns:o="urn:schemas-microsoft-com:office:office" xmlns:v="urn:schemas-microsoft-com:vml" xmlns:pvml="urn:schemas-microsoft-com:office:powerpoint" xmlns:com="http://schemas.openxmlformats.org/drawingml/2006/compatibility" xmlns:p14="http://schemas.microsoft.com/office/powerpoint/2010/main" xmlns:p15="http://schemas.microsoft.com/office/powerpoint/2012/main" xmlns:ahyp="http://schemas.microsoft.com/office/drawing/2018/hyperlinkcolor" showMasterPhAnim="0" showMasterSp="0">
+<p:notes xmlns:a="http://schemas.openxmlformats.org/drawingml/2006/main" xmlns:r="http://schemas.openxmlformats.org/officeDocument/2006/relationships" xmlns:p="http://schemas.openxmlformats.org/presentationml/2006/main" showMasterSp="0" showMasterPhAnim="0">
   <p:cSld>
     <p:spTree>
       <p:nvGrpSpPr>
-        <p:cNvPr id="94" name="Shape 94"/>
+        <p:cNvPr id="1" name="Shape 94"/>
         <p:cNvGrpSpPr/>
         <p:nvPr/>
       </p:nvGrpSpPr>
@@ -925,20 +950,26 @@
       <p:sp>
         <p:nvSpPr>
           <p:cNvPr id="95" name="Google Shape;95;gfcb4da0d67_0_142:notes"/>
-          <p:cNvSpPr/>
+          <p:cNvSpPr>
+            <a:spLocks noGrp="1" noRot="1" noChangeAspect="1"/>
+          </p:cNvSpPr>
           <p:nvPr>
-            <p:ph idx="2" type="sldImg"/>
+            <p:ph type="sldImg" idx="2"/>
           </p:nvPr>
         </p:nvSpPr>
         <p:spPr>
           <a:xfrm>
-            <a:off x="381300" y="685800"/>
+            <a:off x="381000" y="685800"/>
             <a:ext cx="6096000" cy="3429000"/>
           </a:xfrm>
           <a:custGeom>
-            <a:rect b="b" l="l" r="r" t="t"/>
+            <a:avLst/>
+            <a:gdLst/>
+            <a:ahLst/>
+            <a:cxnLst/>
+            <a:rect l="l" t="t" r="r" b="b"/>
             <a:pathLst>
-              <a:path extrusionOk="0" h="120000" w="120000">
+              <a:path w="120000" h="120000" extrusionOk="0">
                 <a:moveTo>
                   <a:pt x="0" y="0"/>
                 </a:moveTo>
@@ -960,9 +991,11 @@
       <p:sp>
         <p:nvSpPr>
           <p:cNvPr id="96" name="Google Shape;96;gfcb4da0d67_0_142:notes"/>
-          <p:cNvSpPr txBox="1"/>
+          <p:cNvSpPr txBox="1">
+            <a:spLocks noGrp="1"/>
+          </p:cNvSpPr>
           <p:nvPr>
-            <p:ph idx="1" type="body"/>
+            <p:ph type="body" idx="1"/>
           </p:nvPr>
         </p:nvSpPr>
         <p:spPr>
@@ -975,12 +1008,12 @@
           </a:prstGeom>
         </p:spPr>
         <p:txBody>
-          <a:bodyPr anchorCtr="0" anchor="t" bIns="91425" lIns="91425" spcFirstLastPara="1" rIns="91425" wrap="square" tIns="91425">
+          <a:bodyPr spcFirstLastPara="1" wrap="square" lIns="91425" tIns="91425" rIns="91425" bIns="91425" anchor="t" anchorCtr="0">
             <a:noAutofit/>
           </a:bodyPr>
           <a:lstStyle/>
           <a:p>
-            <a:pPr indent="0" lvl="0" marL="0" rtl="0" algn="l">
+            <a:pPr marL="0" lvl="0" indent="0" algn="l" rtl="0">
               <a:spcBef>
                 <a:spcPts val="0"/>
               </a:spcBef>
@@ -989,9 +1022,6 @@
               </a:spcAft>
               <a:buNone/>
             </a:pPr>
-            <a:r>
-              <a:t/>
-            </a:r>
             <a:endParaRPr/>
           </a:p>
         </p:txBody>
@@ -1005,11 +1035,11 @@
 </file>
 
 <file path=ppt/notesSlides/notesSlide4.xml><?xml version="1.0" encoding="utf-8"?>
-<p:notes xmlns:a="http://schemas.openxmlformats.org/drawingml/2006/main" xmlns:r="http://schemas.openxmlformats.org/officeDocument/2006/relationships" xmlns:mc="http://schemas.openxmlformats.org/markup-compatibility/2006" xmlns:mv="urn:schemas-microsoft-com:mac:vml" xmlns:p="http://schemas.openxmlformats.org/presentationml/2006/main" xmlns:c="http://schemas.openxmlformats.org/drawingml/2006/chart" xmlns:dgm="http://schemas.openxmlformats.org/drawingml/2006/diagram" xmlns:o="urn:schemas-microsoft-com:office:office" xmlns:v="urn:schemas-microsoft-com:vml" xmlns:pvml="urn:schemas-microsoft-com:office:powerpoint" xmlns:com="http://schemas.openxmlformats.org/drawingml/2006/compatibility" xmlns:p14="http://schemas.microsoft.com/office/powerpoint/2010/main" xmlns:p15="http://schemas.microsoft.com/office/powerpoint/2012/main" xmlns:ahyp="http://schemas.microsoft.com/office/drawing/2018/hyperlinkcolor" showMasterPhAnim="0" showMasterSp="0">
+<p:notes xmlns:a="http://schemas.openxmlformats.org/drawingml/2006/main" xmlns:r="http://schemas.openxmlformats.org/officeDocument/2006/relationships" xmlns:p="http://schemas.openxmlformats.org/presentationml/2006/main" showMasterSp="0" showMasterPhAnim="0">
   <p:cSld>
     <p:spTree>
       <p:nvGrpSpPr>
-        <p:cNvPr id="101" name="Shape 101"/>
+        <p:cNvPr id="1" name="Shape 101"/>
         <p:cNvGrpSpPr/>
         <p:nvPr/>
       </p:nvGrpSpPr>
@@ -1024,20 +1054,26 @@
       <p:sp>
         <p:nvSpPr>
           <p:cNvPr id="102" name="Google Shape;102;gfcb4da0d67_0_147:notes"/>
-          <p:cNvSpPr/>
+          <p:cNvSpPr>
+            <a:spLocks noGrp="1" noRot="1" noChangeAspect="1"/>
+          </p:cNvSpPr>
           <p:nvPr>
-            <p:ph idx="2" type="sldImg"/>
+            <p:ph type="sldImg" idx="2"/>
           </p:nvPr>
         </p:nvSpPr>
         <p:spPr>
           <a:xfrm>
-            <a:off x="381300" y="685800"/>
+            <a:off x="381000" y="685800"/>
             <a:ext cx="6096000" cy="3429000"/>
           </a:xfrm>
           <a:custGeom>
-            <a:rect b="b" l="l" r="r" t="t"/>
+            <a:avLst/>
+            <a:gdLst/>
+            <a:ahLst/>
+            <a:cxnLst/>
+            <a:rect l="l" t="t" r="r" b="b"/>
             <a:pathLst>
-              <a:path extrusionOk="0" h="120000" w="120000">
+              <a:path w="120000" h="120000" extrusionOk="0">
                 <a:moveTo>
                   <a:pt x="0" y="0"/>
                 </a:moveTo>
@@ -1059,9 +1095,11 @@
       <p:sp>
         <p:nvSpPr>
           <p:cNvPr id="103" name="Google Shape;103;gfcb4da0d67_0_147:notes"/>
-          <p:cNvSpPr txBox="1"/>
+          <p:cNvSpPr txBox="1">
+            <a:spLocks noGrp="1"/>
+          </p:cNvSpPr>
           <p:nvPr>
-            <p:ph idx="1" type="body"/>
+            <p:ph type="body" idx="1"/>
           </p:nvPr>
         </p:nvSpPr>
         <p:spPr>
@@ -1074,12 +1112,12 @@
           </a:prstGeom>
         </p:spPr>
         <p:txBody>
-          <a:bodyPr anchorCtr="0" anchor="t" bIns="91425" lIns="91425" spcFirstLastPara="1" rIns="91425" wrap="square" tIns="91425">
+          <a:bodyPr spcFirstLastPara="1" wrap="square" lIns="91425" tIns="91425" rIns="91425" bIns="91425" anchor="t" anchorCtr="0">
             <a:noAutofit/>
           </a:bodyPr>
           <a:lstStyle/>
           <a:p>
-            <a:pPr indent="0" lvl="0" marL="0" rtl="0" algn="l">
+            <a:pPr marL="0" lvl="0" indent="0" algn="l" rtl="0">
               <a:spcBef>
                 <a:spcPts val="0"/>
               </a:spcBef>
@@ -1088,9 +1126,6 @@
               </a:spcAft>
               <a:buNone/>
             </a:pPr>
-            <a:r>
-              <a:t/>
-            </a:r>
             <a:endParaRPr/>
           </a:p>
         </p:txBody>
@@ -1104,11 +1139,11 @@
 </file>
 
 <file path=ppt/notesSlides/notesSlide5.xml><?xml version="1.0" encoding="utf-8"?>
-<p:notes xmlns:a="http://schemas.openxmlformats.org/drawingml/2006/main" xmlns:r="http://schemas.openxmlformats.org/officeDocument/2006/relationships" xmlns:mc="http://schemas.openxmlformats.org/markup-compatibility/2006" xmlns:mv="urn:schemas-microsoft-com:mac:vml" xmlns:p="http://schemas.openxmlformats.org/presentationml/2006/main" xmlns:c="http://schemas.openxmlformats.org/drawingml/2006/chart" xmlns:dgm="http://schemas.openxmlformats.org/drawingml/2006/diagram" xmlns:o="urn:schemas-microsoft-com:office:office" xmlns:v="urn:schemas-microsoft-com:vml" xmlns:pvml="urn:schemas-microsoft-com:office:powerpoint" xmlns:com="http://schemas.openxmlformats.org/drawingml/2006/compatibility" xmlns:p14="http://schemas.microsoft.com/office/powerpoint/2010/main" xmlns:p15="http://schemas.microsoft.com/office/powerpoint/2012/main" xmlns:ahyp="http://schemas.microsoft.com/office/drawing/2018/hyperlinkcolor" showMasterPhAnim="0" showMasterSp="0">
+<p:notes xmlns:a="http://schemas.openxmlformats.org/drawingml/2006/main" xmlns:r="http://schemas.openxmlformats.org/officeDocument/2006/relationships" xmlns:p="http://schemas.openxmlformats.org/presentationml/2006/main" showMasterSp="0" showMasterPhAnim="0">
   <p:cSld>
     <p:spTree>
       <p:nvGrpSpPr>
-        <p:cNvPr id="108" name="Shape 108"/>
+        <p:cNvPr id="1" name="Shape 108"/>
         <p:cNvGrpSpPr/>
         <p:nvPr/>
       </p:nvGrpSpPr>
@@ -1123,20 +1158,26 @@
       <p:sp>
         <p:nvSpPr>
           <p:cNvPr id="109" name="Google Shape;109;gfcb4da0d67_0_157:notes"/>
-          <p:cNvSpPr/>
+          <p:cNvSpPr>
+            <a:spLocks noGrp="1" noRot="1" noChangeAspect="1"/>
+          </p:cNvSpPr>
           <p:nvPr>
-            <p:ph idx="2" type="sldImg"/>
+            <p:ph type="sldImg" idx="2"/>
           </p:nvPr>
         </p:nvSpPr>
         <p:spPr>
           <a:xfrm>
-            <a:off x="381300" y="685800"/>
+            <a:off x="381000" y="685800"/>
             <a:ext cx="6096000" cy="3429000"/>
           </a:xfrm>
           <a:custGeom>
-            <a:rect b="b" l="l" r="r" t="t"/>
+            <a:avLst/>
+            <a:gdLst/>
+            <a:ahLst/>
+            <a:cxnLst/>
+            <a:rect l="l" t="t" r="r" b="b"/>
             <a:pathLst>
-              <a:path extrusionOk="0" h="120000" w="120000">
+              <a:path w="120000" h="120000" extrusionOk="0">
                 <a:moveTo>
                   <a:pt x="0" y="0"/>
                 </a:moveTo>
@@ -1158,9 +1199,11 @@
       <p:sp>
         <p:nvSpPr>
           <p:cNvPr id="110" name="Google Shape;110;gfcb4da0d67_0_157:notes"/>
-          <p:cNvSpPr txBox="1"/>
+          <p:cNvSpPr txBox="1">
+            <a:spLocks noGrp="1"/>
+          </p:cNvSpPr>
           <p:nvPr>
-            <p:ph idx="1" type="body"/>
+            <p:ph type="body" idx="1"/>
           </p:nvPr>
         </p:nvSpPr>
         <p:spPr>
@@ -1173,12 +1216,12 @@
           </a:prstGeom>
         </p:spPr>
         <p:txBody>
-          <a:bodyPr anchorCtr="0" anchor="t" bIns="91425" lIns="91425" spcFirstLastPara="1" rIns="91425" wrap="square" tIns="91425">
+          <a:bodyPr spcFirstLastPara="1" wrap="square" lIns="91425" tIns="91425" rIns="91425" bIns="91425" anchor="t" anchorCtr="0">
             <a:noAutofit/>
           </a:bodyPr>
           <a:lstStyle/>
           <a:p>
-            <a:pPr indent="0" lvl="0" marL="0" rtl="0" algn="l">
+            <a:pPr marL="0" lvl="0" indent="0" algn="l" rtl="0">
               <a:spcBef>
                 <a:spcPts val="0"/>
               </a:spcBef>
@@ -1187,9 +1230,6 @@
               </a:spcAft>
               <a:buNone/>
             </a:pPr>
-            <a:r>
-              <a:t/>
-            </a:r>
             <a:endParaRPr/>
           </a:p>
         </p:txBody>
@@ -1203,11 +1243,11 @@
 </file>
 
 <file path=ppt/notesSlides/notesSlide6.xml><?xml version="1.0" encoding="utf-8"?>
-<p:notes xmlns:a="http://schemas.openxmlformats.org/drawingml/2006/main" xmlns:r="http://schemas.openxmlformats.org/officeDocument/2006/relationships" xmlns:mc="http://schemas.openxmlformats.org/markup-compatibility/2006" xmlns:mv="urn:schemas-microsoft-com:mac:vml" xmlns:p="http://schemas.openxmlformats.org/presentationml/2006/main" xmlns:c="http://schemas.openxmlformats.org/drawingml/2006/chart" xmlns:dgm="http://schemas.openxmlformats.org/drawingml/2006/diagram" xmlns:o="urn:schemas-microsoft-com:office:office" xmlns:v="urn:schemas-microsoft-com:vml" xmlns:pvml="urn:schemas-microsoft-com:office:powerpoint" xmlns:com="http://schemas.openxmlformats.org/drawingml/2006/compatibility" xmlns:p14="http://schemas.microsoft.com/office/powerpoint/2010/main" xmlns:p15="http://schemas.microsoft.com/office/powerpoint/2012/main" xmlns:ahyp="http://schemas.microsoft.com/office/drawing/2018/hyperlinkcolor" showMasterPhAnim="0" showMasterSp="0">
+<p:notes xmlns:a="http://schemas.openxmlformats.org/drawingml/2006/main" xmlns:r="http://schemas.openxmlformats.org/officeDocument/2006/relationships" xmlns:p="http://schemas.openxmlformats.org/presentationml/2006/main" showMasterSp="0" showMasterPhAnim="0">
   <p:cSld>
     <p:spTree>
       <p:nvGrpSpPr>
-        <p:cNvPr id="115" name="Shape 115"/>
+        <p:cNvPr id="1" name="Shape 115"/>
         <p:cNvGrpSpPr/>
         <p:nvPr/>
       </p:nvGrpSpPr>
@@ -1222,20 +1262,26 @@
       <p:sp>
         <p:nvSpPr>
           <p:cNvPr id="116" name="Google Shape;116;gfcb4da0d67_0_162:notes"/>
-          <p:cNvSpPr/>
+          <p:cNvSpPr>
+            <a:spLocks noGrp="1" noRot="1" noChangeAspect="1"/>
+          </p:cNvSpPr>
           <p:nvPr>
-            <p:ph idx="2" type="sldImg"/>
+            <p:ph type="sldImg" idx="2"/>
           </p:nvPr>
         </p:nvSpPr>
         <p:spPr>
           <a:xfrm>
-            <a:off x="381300" y="685800"/>
+            <a:off x="381000" y="685800"/>
             <a:ext cx="6096000" cy="3429000"/>
           </a:xfrm>
           <a:custGeom>
-            <a:rect b="b" l="l" r="r" t="t"/>
+            <a:avLst/>
+            <a:gdLst/>
+            <a:ahLst/>
+            <a:cxnLst/>
+            <a:rect l="l" t="t" r="r" b="b"/>
             <a:pathLst>
-              <a:path extrusionOk="0" h="120000" w="120000">
+              <a:path w="120000" h="120000" extrusionOk="0">
                 <a:moveTo>
                   <a:pt x="0" y="0"/>
                 </a:moveTo>
@@ -1257,9 +1303,11 @@
       <p:sp>
         <p:nvSpPr>
           <p:cNvPr id="117" name="Google Shape;117;gfcb4da0d67_0_162:notes"/>
-          <p:cNvSpPr txBox="1"/>
+          <p:cNvSpPr txBox="1">
+            <a:spLocks noGrp="1"/>
+          </p:cNvSpPr>
           <p:nvPr>
-            <p:ph idx="1" type="body"/>
+            <p:ph type="body" idx="1"/>
           </p:nvPr>
         </p:nvSpPr>
         <p:spPr>
@@ -1272,12 +1320,12 @@
           </a:prstGeom>
         </p:spPr>
         <p:txBody>
-          <a:bodyPr anchorCtr="0" anchor="t" bIns="91425" lIns="91425" spcFirstLastPara="1" rIns="91425" wrap="square" tIns="91425">
+          <a:bodyPr spcFirstLastPara="1" wrap="square" lIns="91425" tIns="91425" rIns="91425" bIns="91425" anchor="t" anchorCtr="0">
             <a:noAutofit/>
           </a:bodyPr>
           <a:lstStyle/>
           <a:p>
-            <a:pPr indent="0" lvl="0" marL="0" rtl="0" algn="l">
+            <a:pPr marL="0" lvl="0" indent="0" algn="l" rtl="0">
               <a:spcBef>
                 <a:spcPts val="0"/>
               </a:spcBef>
@@ -1286,9 +1334,6 @@
               </a:spcAft>
               <a:buNone/>
             </a:pPr>
-            <a:r>
-              <a:t/>
-            </a:r>
             <a:endParaRPr/>
           </a:p>
         </p:txBody>
@@ -1302,18 +1347,19 @@
 </file>
 
 <file path=ppt/slideLayouts/slideLayout1.xml><?xml version="1.0" encoding="utf-8"?>
-<p:sldLayout xmlns:a="http://schemas.openxmlformats.org/drawingml/2006/main" xmlns:r="http://schemas.openxmlformats.org/officeDocument/2006/relationships" xmlns:mc="http://schemas.openxmlformats.org/markup-compatibility/2006" xmlns:mv="urn:schemas-microsoft-com:mac:vml" xmlns:p="http://schemas.openxmlformats.org/presentationml/2006/main" xmlns:c="http://schemas.openxmlformats.org/drawingml/2006/chart" xmlns:dgm="http://schemas.openxmlformats.org/drawingml/2006/diagram" xmlns:o="urn:schemas-microsoft-com:office:office" xmlns:v="urn:schemas-microsoft-com:vml" xmlns:pvml="urn:schemas-microsoft-com:office:powerpoint" xmlns:com="http://schemas.openxmlformats.org/drawingml/2006/compatibility" xmlns:p14="http://schemas.microsoft.com/office/powerpoint/2010/main" xmlns:p15="http://schemas.microsoft.com/office/powerpoint/2012/main" xmlns:ahyp="http://schemas.microsoft.com/office/drawing/2018/hyperlinkcolor" matchingName="Title slide" type="title">
+<p:sldLayout xmlns:a="http://schemas.openxmlformats.org/drawingml/2006/main" xmlns:r="http://schemas.openxmlformats.org/officeDocument/2006/relationships" xmlns:p="http://schemas.openxmlformats.org/presentationml/2006/main" matchingName="Title slide" type="title">
   <p:cSld name="TITLE">
     <p:bg>
       <p:bgPr>
         <a:solidFill>
           <a:schemeClr val="lt2"/>
         </a:solidFill>
+        <a:effectLst/>
       </p:bgPr>
     </p:bg>
     <p:spTree>
       <p:nvGrpSpPr>
-        <p:cNvPr id="9" name="Shape 9"/>
+        <p:cNvPr id="1" name="Shape 9"/>
         <p:cNvGrpSpPr/>
         <p:nvPr/>
       </p:nvGrpSpPr>
@@ -1347,12 +1393,12 @@
           </a:ln>
         </p:spPr>
         <p:txBody>
-          <a:bodyPr anchorCtr="0" anchor="ctr" bIns="91425" lIns="91425" spcFirstLastPara="1" rIns="91425" wrap="square" tIns="91425">
+          <a:bodyPr spcFirstLastPara="1" wrap="square" lIns="91425" tIns="91425" rIns="91425" bIns="91425" anchor="ctr" anchorCtr="0">
             <a:noAutofit/>
           </a:bodyPr>
           <a:lstStyle/>
           <a:p>
-            <a:pPr indent="0" lvl="0" marL="0" rtl="0" algn="l">
+            <a:pPr marL="0" lvl="0" indent="0" algn="l" rtl="0">
               <a:spcBef>
                 <a:spcPts val="0"/>
               </a:spcBef>
@@ -1361,9 +1407,6 @@
               </a:spcAft>
               <a:buNone/>
             </a:pPr>
-            <a:r>
-              <a:t/>
-            </a:r>
             <a:endParaRPr/>
           </a:p>
         </p:txBody>
@@ -1404,12 +1447,12 @@
             </a:ln>
           </p:spPr>
           <p:txBody>
-            <a:bodyPr anchorCtr="0" anchor="ctr" bIns="91425" lIns="91425" spcFirstLastPara="1" rIns="91425" wrap="square" tIns="91425">
+            <a:bodyPr spcFirstLastPara="1" wrap="square" lIns="91425" tIns="91425" rIns="91425" bIns="91425" anchor="ctr" anchorCtr="0">
               <a:noAutofit/>
             </a:bodyPr>
             <a:lstStyle/>
             <a:p>
-              <a:pPr indent="0" lvl="0" marL="0" rtl="0" algn="l">
+              <a:pPr marL="0" lvl="0" indent="0" algn="l" rtl="0">
                 <a:spcBef>
                   <a:spcPts val="0"/>
                 </a:spcBef>
@@ -1418,9 +1461,6 @@
                 </a:spcAft>
                 <a:buNone/>
               </a:pPr>
-              <a:r>
-                <a:t/>
-              </a:r>
               <a:endParaRPr/>
             </a:p>
           </p:txBody>
@@ -1447,12 +1487,12 @@
             </a:ln>
           </p:spPr>
           <p:txBody>
-            <a:bodyPr anchorCtr="0" anchor="ctr" bIns="91425" lIns="91425" spcFirstLastPara="1" rIns="91425" wrap="square" tIns="91425">
+            <a:bodyPr spcFirstLastPara="1" wrap="square" lIns="91425" tIns="91425" rIns="91425" bIns="91425" anchor="ctr" anchorCtr="0">
               <a:noAutofit/>
             </a:bodyPr>
             <a:lstStyle/>
             <a:p>
-              <a:pPr indent="0" lvl="0" marL="0" rtl="0" algn="l">
+              <a:pPr marL="0" lvl="0" indent="0" algn="l" rtl="0">
                 <a:spcBef>
                   <a:spcPts val="0"/>
                 </a:spcBef>
@@ -1461,9 +1501,6 @@
                 </a:spcAft>
                 <a:buNone/>
               </a:pPr>
-              <a:r>
-                <a:t/>
-              </a:r>
               <a:endParaRPr/>
             </a:p>
           </p:txBody>
@@ -1472,7 +1509,9 @@
       <p:sp>
         <p:nvSpPr>
           <p:cNvPr id="14" name="Google Shape;14;p2"/>
-          <p:cNvSpPr txBox="1"/>
+          <p:cNvSpPr txBox="1">
+            <a:spLocks noGrp="1"/>
+          </p:cNvSpPr>
           <p:nvPr>
             <p:ph type="ctrTitle"/>
           </p:nvPr>
@@ -1487,7 +1526,7 @@
           </a:prstGeom>
         </p:spPr>
         <p:txBody>
-          <a:bodyPr anchorCtr="0" anchor="t" bIns="91425" lIns="91425" spcFirstLastPara="1" rIns="91425" wrap="square" tIns="91425">
+          <a:bodyPr spcFirstLastPara="1" wrap="square" lIns="91425" tIns="91425" rIns="91425" bIns="91425" anchor="t" anchorCtr="0">
             <a:normAutofit/>
           </a:bodyPr>
           <a:lstStyle>
@@ -1591,15 +1630,19 @@
               <a:defRPr sz="4200"/>
             </a:lvl9pPr>
           </a:lstStyle>
-          <a:p/>
+          <a:p>
+            <a:endParaRPr/>
+          </a:p>
         </p:txBody>
       </p:sp>
       <p:sp>
         <p:nvSpPr>
           <p:cNvPr id="15" name="Google Shape;15;p2"/>
-          <p:cNvSpPr txBox="1"/>
+          <p:cNvSpPr txBox="1">
+            <a:spLocks noGrp="1"/>
+          </p:cNvSpPr>
           <p:nvPr>
-            <p:ph idx="1" type="subTitle"/>
+            <p:ph type="subTitle" idx="1"/>
           </p:nvPr>
         </p:nvSpPr>
         <p:spPr>
@@ -1612,7 +1655,7 @@
           </a:prstGeom>
         </p:spPr>
         <p:txBody>
-          <a:bodyPr anchorCtr="0" anchor="t" bIns="91425" lIns="91425" spcFirstLastPara="1" rIns="91425" wrap="square" tIns="91425">
+          <a:bodyPr spcFirstLastPara="1" wrap="square" lIns="91425" tIns="91425" rIns="91425" bIns="91425" anchor="t" anchorCtr="0">
             <a:normAutofit/>
           </a:bodyPr>
           <a:lstStyle>
@@ -1743,15 +1786,19 @@
               <a:defRPr sz="1600"/>
             </a:lvl9pPr>
           </a:lstStyle>
-          <a:p/>
+          <a:p>
+            <a:endParaRPr/>
+          </a:p>
         </p:txBody>
       </p:sp>
       <p:sp>
         <p:nvSpPr>
           <p:cNvPr id="16" name="Google Shape;16;p2"/>
-          <p:cNvSpPr txBox="1"/>
+          <p:cNvSpPr txBox="1">
+            <a:spLocks noGrp="1"/>
+          </p:cNvSpPr>
           <p:nvPr>
-            <p:ph idx="12" type="sldNum"/>
+            <p:ph type="sldNum" idx="12"/>
           </p:nvPr>
         </p:nvSpPr>
         <p:spPr>
@@ -1764,7 +1811,7 @@
           </a:prstGeom>
         </p:spPr>
         <p:txBody>
-          <a:bodyPr anchorCtr="0" anchor="ctr" bIns="91425" lIns="91425" spcFirstLastPara="1" rIns="91425" wrap="square" tIns="91425">
+          <a:bodyPr spcFirstLastPara="1" wrap="square" lIns="91425" tIns="91425" rIns="91425" bIns="91425" anchor="ctr" anchorCtr="0">
             <a:normAutofit/>
           </a:bodyPr>
           <a:lstStyle>
@@ -1806,7 +1853,7 @@
             </a:lvl9pPr>
           </a:lstStyle>
           <a:p>
-            <a:pPr indent="0" lvl="0" marL="0" rtl="0" algn="r">
+            <a:pPr marL="0" lvl="0" indent="0" algn="r" rtl="0">
               <a:spcBef>
                 <a:spcPts val="0"/>
               </a:spcBef>
@@ -1832,18 +1879,19 @@
 </file>
 
 <file path=ppt/slideLayouts/slideLayout10.xml><?xml version="1.0" encoding="utf-8"?>
-<p:sldLayout xmlns:a="http://schemas.openxmlformats.org/drawingml/2006/main" xmlns:r="http://schemas.openxmlformats.org/officeDocument/2006/relationships" xmlns:mc="http://schemas.openxmlformats.org/markup-compatibility/2006" xmlns:mv="urn:schemas-microsoft-com:mac:vml" xmlns:p="http://schemas.openxmlformats.org/presentationml/2006/main" xmlns:c="http://schemas.openxmlformats.org/drawingml/2006/chart" xmlns:dgm="http://schemas.openxmlformats.org/drawingml/2006/diagram" xmlns:o="urn:schemas-microsoft-com:office:office" xmlns:v="urn:schemas-microsoft-com:vml" xmlns:pvml="urn:schemas-microsoft-com:office:powerpoint" xmlns:com="http://schemas.openxmlformats.org/drawingml/2006/compatibility" xmlns:p14="http://schemas.microsoft.com/office/powerpoint/2010/main" xmlns:p15="http://schemas.microsoft.com/office/powerpoint/2012/main" xmlns:ahyp="http://schemas.microsoft.com/office/drawing/2018/hyperlinkcolor" matchingName="Big number">
+<p:sldLayout xmlns:a="http://schemas.openxmlformats.org/drawingml/2006/main" xmlns:r="http://schemas.openxmlformats.org/officeDocument/2006/relationships" xmlns:p="http://schemas.openxmlformats.org/presentationml/2006/main" matchingName="Big number">
   <p:cSld name="BIG_NUMBER">
     <p:bg>
       <p:bgPr>
         <a:solidFill>
           <a:schemeClr val="dk1"/>
         </a:solidFill>
+        <a:effectLst/>
       </p:bgPr>
     </p:bg>
     <p:spTree>
       <p:nvGrpSpPr>
-        <p:cNvPr id="73" name="Shape 73"/>
+        <p:cNvPr id="1" name="Shape 73"/>
         <p:cNvGrpSpPr/>
         <p:nvPr/>
       </p:nvGrpSpPr>
@@ -1891,12 +1939,12 @@
             </a:ln>
           </p:spPr>
           <p:txBody>
-            <a:bodyPr anchorCtr="0" anchor="ctr" bIns="91425" lIns="91425" spcFirstLastPara="1" rIns="91425" wrap="square" tIns="91425">
+            <a:bodyPr spcFirstLastPara="1" wrap="square" lIns="91425" tIns="91425" rIns="91425" bIns="91425" anchor="ctr" anchorCtr="0">
               <a:noAutofit/>
             </a:bodyPr>
             <a:lstStyle/>
             <a:p>
-              <a:pPr indent="0" lvl="0" marL="0" rtl="0" algn="l">
+              <a:pPr marL="0" lvl="0" indent="0" algn="l" rtl="0">
                 <a:spcBef>
                   <a:spcPts val="0"/>
                 </a:spcBef>
@@ -1905,9 +1953,6 @@
                 </a:spcAft>
                 <a:buNone/>
               </a:pPr>
-              <a:r>
-                <a:t/>
-              </a:r>
               <a:endParaRPr/>
             </a:p>
           </p:txBody>
@@ -1934,12 +1979,12 @@
             </a:ln>
           </p:spPr>
           <p:txBody>
-            <a:bodyPr anchorCtr="0" anchor="ctr" bIns="91425" lIns="91425" spcFirstLastPara="1" rIns="91425" wrap="square" tIns="91425">
+            <a:bodyPr spcFirstLastPara="1" wrap="square" lIns="91425" tIns="91425" rIns="91425" bIns="91425" anchor="ctr" anchorCtr="0">
               <a:noAutofit/>
             </a:bodyPr>
             <a:lstStyle/>
             <a:p>
-              <a:pPr indent="0" lvl="0" marL="0" rtl="0" algn="l">
+              <a:pPr marL="0" lvl="0" indent="0" algn="l" rtl="0">
                 <a:spcBef>
                   <a:spcPts val="0"/>
                 </a:spcBef>
@@ -1948,9 +1993,6 @@
                 </a:spcAft>
                 <a:buNone/>
               </a:pPr>
-              <a:r>
-                <a:t/>
-              </a:r>
               <a:endParaRPr/>
             </a:p>
           </p:txBody>
@@ -1959,9 +2001,11 @@
       <p:sp>
         <p:nvSpPr>
           <p:cNvPr id="77" name="Google Shape;77;p11"/>
-          <p:cNvSpPr txBox="1"/>
+          <p:cNvSpPr txBox="1">
+            <a:spLocks noGrp="1"/>
+          </p:cNvSpPr>
           <p:nvPr>
-            <p:ph hasCustomPrompt="1" type="title"/>
+            <p:ph type="title" hasCustomPrompt="1"/>
           </p:nvPr>
         </p:nvSpPr>
         <p:spPr>
@@ -1974,7 +2018,7 @@
           </a:prstGeom>
         </p:spPr>
         <p:txBody>
-          <a:bodyPr anchorCtr="0" anchor="t" bIns="91425" lIns="91425" spcFirstLastPara="1" rIns="91425" wrap="square" tIns="91425">
+          <a:bodyPr spcFirstLastPara="1" wrap="square" lIns="91425" tIns="91425" rIns="91425" bIns="91425" anchor="t" anchorCtr="0">
             <a:normAutofit/>
           </a:bodyPr>
           <a:lstStyle>
@@ -2151,9 +2195,11 @@
       <p:sp>
         <p:nvSpPr>
           <p:cNvPr id="78" name="Google Shape;78;p11"/>
-          <p:cNvSpPr txBox="1"/>
+          <p:cNvSpPr txBox="1">
+            <a:spLocks noGrp="1"/>
+          </p:cNvSpPr>
           <p:nvPr>
-            <p:ph idx="1" type="body"/>
+            <p:ph type="body" idx="1"/>
           </p:nvPr>
         </p:nvSpPr>
         <p:spPr>
@@ -2166,11 +2212,11 @@
           </a:prstGeom>
         </p:spPr>
         <p:txBody>
-          <a:bodyPr anchorCtr="0" anchor="t" bIns="91425" lIns="91425" spcFirstLastPara="1" rIns="91425" wrap="square" tIns="91425">
+          <a:bodyPr spcFirstLastPara="1" wrap="square" lIns="91425" tIns="91425" rIns="91425" bIns="91425" anchor="t" anchorCtr="0">
             <a:normAutofit/>
           </a:bodyPr>
           <a:lstStyle>
-            <a:lvl1pPr indent="-311150" lvl="0" marL="457200">
+            <a:lvl1pPr marL="457200" lvl="0" indent="-311150">
               <a:spcBef>
                 <a:spcPts val="0"/>
               </a:spcBef>
@@ -2188,7 +2234,7 @@
                 </a:solidFill>
               </a:defRPr>
             </a:lvl1pPr>
-            <a:lvl2pPr indent="-298450" lvl="1" marL="914400">
+            <a:lvl2pPr marL="914400" lvl="1" indent="-298450">
               <a:spcBef>
                 <a:spcPts val="0"/>
               </a:spcBef>
@@ -2206,7 +2252,7 @@
                 </a:solidFill>
               </a:defRPr>
             </a:lvl2pPr>
-            <a:lvl3pPr indent="-298450" lvl="2" marL="1371600">
+            <a:lvl3pPr marL="1371600" lvl="2" indent="-298450">
               <a:spcBef>
                 <a:spcPts val="0"/>
               </a:spcBef>
@@ -2224,7 +2270,7 @@
                 </a:solidFill>
               </a:defRPr>
             </a:lvl3pPr>
-            <a:lvl4pPr indent="-298450" lvl="3" marL="1828800">
+            <a:lvl4pPr marL="1828800" lvl="3" indent="-298450">
               <a:spcBef>
                 <a:spcPts val="0"/>
               </a:spcBef>
@@ -2242,7 +2288,7 @@
                 </a:solidFill>
               </a:defRPr>
             </a:lvl4pPr>
-            <a:lvl5pPr indent="-298450" lvl="4" marL="2286000">
+            <a:lvl5pPr marL="2286000" lvl="4" indent="-298450">
               <a:spcBef>
                 <a:spcPts val="0"/>
               </a:spcBef>
@@ -2260,7 +2306,7 @@
                 </a:solidFill>
               </a:defRPr>
             </a:lvl5pPr>
-            <a:lvl6pPr indent="-298450" lvl="5" marL="2743200">
+            <a:lvl6pPr marL="2743200" lvl="5" indent="-298450">
               <a:spcBef>
                 <a:spcPts val="0"/>
               </a:spcBef>
@@ -2278,7 +2324,7 @@
                 </a:solidFill>
               </a:defRPr>
             </a:lvl6pPr>
-            <a:lvl7pPr indent="-298450" lvl="6" marL="3200400">
+            <a:lvl7pPr marL="3200400" lvl="6" indent="-298450">
               <a:spcBef>
                 <a:spcPts val="0"/>
               </a:spcBef>
@@ -2296,7 +2342,7 @@
                 </a:solidFill>
               </a:defRPr>
             </a:lvl7pPr>
-            <a:lvl8pPr indent="-298450" lvl="7" marL="3657600">
+            <a:lvl8pPr marL="3657600" lvl="7" indent="-298450">
               <a:spcBef>
                 <a:spcPts val="0"/>
               </a:spcBef>
@@ -2314,7 +2360,7 @@
                 </a:solidFill>
               </a:defRPr>
             </a:lvl8pPr>
-            <a:lvl9pPr indent="-298450" lvl="8" marL="4114800">
+            <a:lvl9pPr marL="4114800" lvl="8" indent="-298450">
               <a:spcBef>
                 <a:spcPts val="0"/>
               </a:spcBef>
@@ -2333,15 +2379,19 @@
               </a:defRPr>
             </a:lvl9pPr>
           </a:lstStyle>
-          <a:p/>
+          <a:p>
+            <a:endParaRPr/>
+          </a:p>
         </p:txBody>
       </p:sp>
       <p:sp>
         <p:nvSpPr>
           <p:cNvPr id="79" name="Google Shape;79;p11"/>
-          <p:cNvSpPr txBox="1"/>
+          <p:cNvSpPr txBox="1">
+            <a:spLocks noGrp="1"/>
+          </p:cNvSpPr>
           <p:nvPr>
-            <p:ph idx="12" type="sldNum"/>
+            <p:ph type="sldNum" idx="12"/>
           </p:nvPr>
         </p:nvSpPr>
         <p:spPr>
@@ -2354,7 +2404,7 @@
           </a:prstGeom>
         </p:spPr>
         <p:txBody>
-          <a:bodyPr anchorCtr="0" anchor="ctr" bIns="91425" lIns="91425" spcFirstLastPara="1" rIns="91425" wrap="square" tIns="91425">
+          <a:bodyPr spcFirstLastPara="1" wrap="square" lIns="91425" tIns="91425" rIns="91425" bIns="91425" anchor="ctr" anchorCtr="0">
             <a:normAutofit/>
           </a:bodyPr>
           <a:lstStyle>
@@ -2432,7 +2482,7 @@
             </a:lvl9pPr>
           </a:lstStyle>
           <a:p>
-            <a:pPr indent="0" lvl="0" marL="0" rtl="0" algn="r">
+            <a:pPr marL="0" lvl="0" indent="0" algn="r" rtl="0">
               <a:spcBef>
                 <a:spcPts val="0"/>
               </a:spcBef>
@@ -2458,11 +2508,11 @@
 </file>
 
 <file path=ppt/slideLayouts/slideLayout11.xml><?xml version="1.0" encoding="utf-8"?>
-<p:sldLayout xmlns:a="http://schemas.openxmlformats.org/drawingml/2006/main" xmlns:r="http://schemas.openxmlformats.org/officeDocument/2006/relationships" xmlns:mc="http://schemas.openxmlformats.org/markup-compatibility/2006" xmlns:mv="urn:schemas-microsoft-com:mac:vml" xmlns:p="http://schemas.openxmlformats.org/presentationml/2006/main" xmlns:c="http://schemas.openxmlformats.org/drawingml/2006/chart" xmlns:dgm="http://schemas.openxmlformats.org/drawingml/2006/diagram" xmlns:o="urn:schemas-microsoft-com:office:office" xmlns:v="urn:schemas-microsoft-com:vml" xmlns:pvml="urn:schemas-microsoft-com:office:powerpoint" xmlns:com="http://schemas.openxmlformats.org/drawingml/2006/compatibility" xmlns:p14="http://schemas.microsoft.com/office/powerpoint/2010/main" xmlns:p15="http://schemas.microsoft.com/office/powerpoint/2012/main" xmlns:ahyp="http://schemas.microsoft.com/office/drawing/2018/hyperlinkcolor" matchingName="Blank" type="blank">
+<p:sldLayout xmlns:a="http://schemas.openxmlformats.org/drawingml/2006/main" xmlns:r="http://schemas.openxmlformats.org/officeDocument/2006/relationships" xmlns:p="http://schemas.openxmlformats.org/presentationml/2006/main" matchingName="Blank" type="blank">
   <p:cSld name="BLANK">
     <p:spTree>
       <p:nvGrpSpPr>
-        <p:cNvPr id="80" name="Shape 80"/>
+        <p:cNvPr id="1" name="Shape 80"/>
         <p:cNvGrpSpPr/>
         <p:nvPr/>
       </p:nvGrpSpPr>
@@ -2477,9 +2527,11 @@
       <p:sp>
         <p:nvSpPr>
           <p:cNvPr id="81" name="Google Shape;81;p12"/>
-          <p:cNvSpPr txBox="1"/>
+          <p:cNvSpPr txBox="1">
+            <a:spLocks noGrp="1"/>
+          </p:cNvSpPr>
           <p:nvPr>
-            <p:ph idx="12" type="sldNum"/>
+            <p:ph type="sldNum" idx="12"/>
           </p:nvPr>
         </p:nvSpPr>
         <p:spPr>
@@ -2492,7 +2544,7 @@
           </a:prstGeom>
         </p:spPr>
         <p:txBody>
-          <a:bodyPr anchorCtr="0" anchor="ctr" bIns="91425" lIns="91425" spcFirstLastPara="1" rIns="91425" wrap="square" tIns="91425">
+          <a:bodyPr spcFirstLastPara="1" wrap="square" lIns="91425" tIns="91425" rIns="91425" bIns="91425" anchor="ctr" anchorCtr="0">
             <a:normAutofit/>
           </a:bodyPr>
           <a:lstStyle>
@@ -2534,7 +2586,7 @@
             </a:lvl9pPr>
           </a:lstStyle>
           <a:p>
-            <a:pPr indent="0" lvl="0" marL="0" rtl="0" algn="r">
+            <a:pPr marL="0" lvl="0" indent="0" algn="r" rtl="0">
               <a:spcBef>
                 <a:spcPts val="0"/>
               </a:spcBef>
@@ -2560,18 +2612,19 @@
 </file>
 
 <file path=ppt/slideLayouts/slideLayout2.xml><?xml version="1.0" encoding="utf-8"?>
-<p:sldLayout xmlns:a="http://schemas.openxmlformats.org/drawingml/2006/main" xmlns:r="http://schemas.openxmlformats.org/officeDocument/2006/relationships" xmlns:mc="http://schemas.openxmlformats.org/markup-compatibility/2006" xmlns:mv="urn:schemas-microsoft-com:mac:vml" xmlns:p="http://schemas.openxmlformats.org/presentationml/2006/main" xmlns:c="http://schemas.openxmlformats.org/drawingml/2006/chart" xmlns:dgm="http://schemas.openxmlformats.org/drawingml/2006/diagram" xmlns:o="urn:schemas-microsoft-com:office:office" xmlns:v="urn:schemas-microsoft-com:vml" xmlns:pvml="urn:schemas-microsoft-com:office:powerpoint" xmlns:com="http://schemas.openxmlformats.org/drawingml/2006/compatibility" xmlns:p14="http://schemas.microsoft.com/office/powerpoint/2010/main" xmlns:p15="http://schemas.microsoft.com/office/powerpoint/2012/main" xmlns:ahyp="http://schemas.microsoft.com/office/drawing/2018/hyperlinkcolor" matchingName="Section header" type="secHead">
+<p:sldLayout xmlns:a="http://schemas.openxmlformats.org/drawingml/2006/main" xmlns:r="http://schemas.openxmlformats.org/officeDocument/2006/relationships" xmlns:p="http://schemas.openxmlformats.org/presentationml/2006/main" matchingName="Section header" type="secHead">
   <p:cSld name="SECTION_HEADER">
     <p:bg>
       <p:bgPr>
         <a:solidFill>
           <a:schemeClr val="dk1"/>
         </a:solidFill>
+        <a:effectLst/>
       </p:bgPr>
     </p:bg>
     <p:spTree>
       <p:nvGrpSpPr>
-        <p:cNvPr id="17" name="Shape 17"/>
+        <p:cNvPr id="1" name="Shape 17"/>
         <p:cNvGrpSpPr/>
         <p:nvPr/>
       </p:nvGrpSpPr>
@@ -2619,12 +2672,12 @@
             </a:ln>
           </p:spPr>
           <p:txBody>
-            <a:bodyPr anchorCtr="0" anchor="ctr" bIns="91425" lIns="91425" spcFirstLastPara="1" rIns="91425" wrap="square" tIns="91425">
+            <a:bodyPr spcFirstLastPara="1" wrap="square" lIns="91425" tIns="91425" rIns="91425" bIns="91425" anchor="ctr" anchorCtr="0">
               <a:noAutofit/>
             </a:bodyPr>
             <a:lstStyle/>
             <a:p>
-              <a:pPr indent="0" lvl="0" marL="0" rtl="0" algn="l">
+              <a:pPr marL="0" lvl="0" indent="0" algn="l" rtl="0">
                 <a:spcBef>
                   <a:spcPts val="0"/>
                 </a:spcBef>
@@ -2633,9 +2686,6 @@
                 </a:spcAft>
                 <a:buNone/>
               </a:pPr>
-              <a:r>
-                <a:t/>
-              </a:r>
               <a:endParaRPr/>
             </a:p>
           </p:txBody>
@@ -2662,12 +2712,12 @@
             </a:ln>
           </p:spPr>
           <p:txBody>
-            <a:bodyPr anchorCtr="0" anchor="ctr" bIns="91425" lIns="91425" spcFirstLastPara="1" rIns="91425" wrap="square" tIns="91425">
+            <a:bodyPr spcFirstLastPara="1" wrap="square" lIns="91425" tIns="91425" rIns="91425" bIns="91425" anchor="ctr" anchorCtr="0">
               <a:noAutofit/>
             </a:bodyPr>
             <a:lstStyle/>
             <a:p>
-              <a:pPr indent="0" lvl="0" marL="0" rtl="0" algn="l">
+              <a:pPr marL="0" lvl="0" indent="0" algn="l" rtl="0">
                 <a:spcBef>
                   <a:spcPts val="0"/>
                 </a:spcBef>
@@ -2676,9 +2726,6 @@
                 </a:spcAft>
                 <a:buNone/>
               </a:pPr>
-              <a:r>
-                <a:t/>
-              </a:r>
               <a:endParaRPr/>
             </a:p>
           </p:txBody>
@@ -2687,7 +2734,9 @@
       <p:sp>
         <p:nvSpPr>
           <p:cNvPr id="21" name="Google Shape;21;p3"/>
-          <p:cNvSpPr txBox="1"/>
+          <p:cNvSpPr txBox="1">
+            <a:spLocks noGrp="1"/>
+          </p:cNvSpPr>
           <p:nvPr>
             <p:ph type="title"/>
           </p:nvPr>
@@ -2702,7 +2751,7 @@
           </a:prstGeom>
         </p:spPr>
         <p:txBody>
-          <a:bodyPr anchorCtr="0" anchor="t" bIns="91425" lIns="91425" spcFirstLastPara="1" rIns="91425" wrap="square" tIns="91425">
+          <a:bodyPr spcFirstLastPara="1" wrap="square" lIns="91425" tIns="91425" rIns="91425" bIns="91425" anchor="t" anchorCtr="0">
             <a:normAutofit/>
           </a:bodyPr>
           <a:lstStyle>
@@ -2869,15 +2918,19 @@
               </a:defRPr>
             </a:lvl9pPr>
           </a:lstStyle>
-          <a:p/>
+          <a:p>
+            <a:endParaRPr/>
+          </a:p>
         </p:txBody>
       </p:sp>
       <p:sp>
         <p:nvSpPr>
           <p:cNvPr id="22" name="Google Shape;22;p3"/>
-          <p:cNvSpPr txBox="1"/>
+          <p:cNvSpPr txBox="1">
+            <a:spLocks noGrp="1"/>
+          </p:cNvSpPr>
           <p:nvPr>
-            <p:ph idx="12" type="sldNum"/>
+            <p:ph type="sldNum" idx="12"/>
           </p:nvPr>
         </p:nvSpPr>
         <p:spPr>
@@ -2890,7 +2943,7 @@
           </a:prstGeom>
         </p:spPr>
         <p:txBody>
-          <a:bodyPr anchorCtr="0" anchor="ctr" bIns="91425" lIns="91425" spcFirstLastPara="1" rIns="91425" wrap="square" tIns="91425">
+          <a:bodyPr spcFirstLastPara="1" wrap="square" lIns="91425" tIns="91425" rIns="91425" bIns="91425" anchor="ctr" anchorCtr="0">
             <a:normAutofit/>
           </a:bodyPr>
           <a:lstStyle>
@@ -2968,7 +3021,7 @@
             </a:lvl9pPr>
           </a:lstStyle>
           <a:p>
-            <a:pPr indent="0" lvl="0" marL="0" rtl="0" algn="r">
+            <a:pPr marL="0" lvl="0" indent="0" algn="r" rtl="0">
               <a:spcBef>
                 <a:spcPts val="0"/>
               </a:spcBef>
@@ -2994,11 +3047,11 @@
 </file>
 
 <file path=ppt/slideLayouts/slideLayout3.xml><?xml version="1.0" encoding="utf-8"?>
-<p:sldLayout xmlns:a="http://schemas.openxmlformats.org/drawingml/2006/main" xmlns:r="http://schemas.openxmlformats.org/officeDocument/2006/relationships" xmlns:mc="http://schemas.openxmlformats.org/markup-compatibility/2006" xmlns:mv="urn:schemas-microsoft-com:mac:vml" xmlns:p="http://schemas.openxmlformats.org/presentationml/2006/main" xmlns:c="http://schemas.openxmlformats.org/drawingml/2006/chart" xmlns:dgm="http://schemas.openxmlformats.org/drawingml/2006/diagram" xmlns:o="urn:schemas-microsoft-com:office:office" xmlns:v="urn:schemas-microsoft-com:vml" xmlns:pvml="urn:schemas-microsoft-com:office:powerpoint" xmlns:com="http://schemas.openxmlformats.org/drawingml/2006/compatibility" xmlns:p14="http://schemas.microsoft.com/office/powerpoint/2010/main" xmlns:p15="http://schemas.microsoft.com/office/powerpoint/2012/main" xmlns:ahyp="http://schemas.microsoft.com/office/drawing/2018/hyperlinkcolor" matchingName="Title and body" type="tx">
+<p:sldLayout xmlns:a="http://schemas.openxmlformats.org/drawingml/2006/main" xmlns:r="http://schemas.openxmlformats.org/officeDocument/2006/relationships" xmlns:p="http://schemas.openxmlformats.org/presentationml/2006/main" matchingName="Title and body" type="tx">
   <p:cSld name="TITLE_AND_BODY">
     <p:spTree>
       <p:nvGrpSpPr>
-        <p:cNvPr id="23" name="Shape 23"/>
+        <p:cNvPr id="1" name="Shape 23"/>
         <p:cNvGrpSpPr/>
         <p:nvPr/>
       </p:nvGrpSpPr>
@@ -3032,12 +3085,12 @@
           </a:ln>
         </p:spPr>
         <p:txBody>
-          <a:bodyPr anchorCtr="0" anchor="ctr" bIns="91425" lIns="91425" spcFirstLastPara="1" rIns="91425" wrap="square" tIns="91425">
+          <a:bodyPr spcFirstLastPara="1" wrap="square" lIns="91425" tIns="91425" rIns="91425" bIns="91425" anchor="ctr" anchorCtr="0">
             <a:noAutofit/>
           </a:bodyPr>
           <a:lstStyle/>
           <a:p>
-            <a:pPr indent="0" lvl="0" marL="0" rtl="0" algn="l">
+            <a:pPr marL="0" lvl="0" indent="0" algn="l" rtl="0">
               <a:spcBef>
                 <a:spcPts val="0"/>
               </a:spcBef>
@@ -3046,9 +3099,6 @@
               </a:spcAft>
               <a:buNone/>
             </a:pPr>
-            <a:r>
-              <a:t/>
-            </a:r>
             <a:endParaRPr/>
           </a:p>
         </p:txBody>
@@ -3089,12 +3139,12 @@
             </a:ln>
           </p:spPr>
           <p:txBody>
-            <a:bodyPr anchorCtr="0" anchor="ctr" bIns="91425" lIns="91425" spcFirstLastPara="1" rIns="91425" wrap="square" tIns="91425">
+            <a:bodyPr spcFirstLastPara="1" wrap="square" lIns="91425" tIns="91425" rIns="91425" bIns="91425" anchor="ctr" anchorCtr="0">
               <a:noAutofit/>
             </a:bodyPr>
             <a:lstStyle/>
             <a:p>
-              <a:pPr indent="0" lvl="0" marL="0" rtl="0" algn="l">
+              <a:pPr marL="0" lvl="0" indent="0" algn="l" rtl="0">
                 <a:spcBef>
                   <a:spcPts val="0"/>
                 </a:spcBef>
@@ -3103,9 +3153,6 @@
                 </a:spcAft>
                 <a:buNone/>
               </a:pPr>
-              <a:r>
-                <a:t/>
-              </a:r>
               <a:endParaRPr/>
             </a:p>
           </p:txBody>
@@ -3132,12 +3179,12 @@
             </a:ln>
           </p:spPr>
           <p:txBody>
-            <a:bodyPr anchorCtr="0" anchor="ctr" bIns="91425" lIns="91425" spcFirstLastPara="1" rIns="91425" wrap="square" tIns="91425">
+            <a:bodyPr spcFirstLastPara="1" wrap="square" lIns="91425" tIns="91425" rIns="91425" bIns="91425" anchor="ctr" anchorCtr="0">
               <a:noAutofit/>
             </a:bodyPr>
             <a:lstStyle/>
             <a:p>
-              <a:pPr indent="0" lvl="0" marL="0" rtl="0" algn="l">
+              <a:pPr marL="0" lvl="0" indent="0" algn="l" rtl="0">
                 <a:spcBef>
                   <a:spcPts val="0"/>
                 </a:spcBef>
@@ -3146,9 +3193,6 @@
                 </a:spcAft>
                 <a:buNone/>
               </a:pPr>
-              <a:r>
-                <a:t/>
-              </a:r>
               <a:endParaRPr/>
             </a:p>
           </p:txBody>
@@ -3157,7 +3201,9 @@
       <p:sp>
         <p:nvSpPr>
           <p:cNvPr id="28" name="Google Shape;28;p4"/>
-          <p:cNvSpPr txBox="1"/>
+          <p:cNvSpPr txBox="1">
+            <a:spLocks noGrp="1"/>
+          </p:cNvSpPr>
           <p:nvPr>
             <p:ph type="title"/>
           </p:nvPr>
@@ -3172,7 +3218,7 @@
           </a:prstGeom>
         </p:spPr>
         <p:txBody>
-          <a:bodyPr anchorCtr="0" anchor="t" bIns="91425" lIns="91425" spcFirstLastPara="1" rIns="91425" wrap="square" tIns="91425">
+          <a:bodyPr spcFirstLastPara="1" wrap="square" lIns="91425" tIns="91425" rIns="91425" bIns="91425" anchor="t" anchorCtr="0">
             <a:normAutofit/>
           </a:bodyPr>
           <a:lstStyle>
@@ -3276,15 +3322,19 @@
               <a:defRPr sz="2600"/>
             </a:lvl9pPr>
           </a:lstStyle>
-          <a:p/>
+          <a:p>
+            <a:endParaRPr/>
+          </a:p>
         </p:txBody>
       </p:sp>
       <p:sp>
         <p:nvSpPr>
           <p:cNvPr id="29" name="Google Shape;29;p4"/>
-          <p:cNvSpPr txBox="1"/>
+          <p:cNvSpPr txBox="1">
+            <a:spLocks noGrp="1"/>
+          </p:cNvSpPr>
           <p:nvPr>
-            <p:ph idx="1" type="body"/>
+            <p:ph type="body" idx="1"/>
           </p:nvPr>
         </p:nvSpPr>
         <p:spPr>
@@ -3297,11 +3347,11 @@
           </a:prstGeom>
         </p:spPr>
         <p:txBody>
-          <a:bodyPr anchorCtr="0" anchor="t" bIns="91425" lIns="91425" spcFirstLastPara="1" rIns="91425" wrap="square" tIns="91425">
+          <a:bodyPr spcFirstLastPara="1" wrap="square" lIns="91425" tIns="91425" rIns="91425" bIns="91425" anchor="t" anchorCtr="0">
             <a:normAutofit/>
           </a:bodyPr>
           <a:lstStyle>
-            <a:lvl1pPr indent="-311150" lvl="0" marL="457200">
+            <a:lvl1pPr marL="457200" lvl="0" indent="-311150">
               <a:spcBef>
                 <a:spcPts val="0"/>
               </a:spcBef>
@@ -3312,7 +3362,7 @@
               <a:buChar char="●"/>
               <a:defRPr/>
             </a:lvl1pPr>
-            <a:lvl2pPr indent="-298450" lvl="1" marL="914400">
+            <a:lvl2pPr marL="914400" lvl="1" indent="-298450">
               <a:spcBef>
                 <a:spcPts val="0"/>
               </a:spcBef>
@@ -3323,7 +3373,7 @@
               <a:buChar char="○"/>
               <a:defRPr/>
             </a:lvl2pPr>
-            <a:lvl3pPr indent="-298450" lvl="2" marL="1371600">
+            <a:lvl3pPr marL="1371600" lvl="2" indent="-298450">
               <a:spcBef>
                 <a:spcPts val="0"/>
               </a:spcBef>
@@ -3334,7 +3384,7 @@
               <a:buChar char="■"/>
               <a:defRPr/>
             </a:lvl3pPr>
-            <a:lvl4pPr indent="-298450" lvl="3" marL="1828800">
+            <a:lvl4pPr marL="1828800" lvl="3" indent="-298450">
               <a:spcBef>
                 <a:spcPts val="0"/>
               </a:spcBef>
@@ -3345,7 +3395,7 @@
               <a:buChar char="●"/>
               <a:defRPr/>
             </a:lvl4pPr>
-            <a:lvl5pPr indent="-298450" lvl="4" marL="2286000">
+            <a:lvl5pPr marL="2286000" lvl="4" indent="-298450">
               <a:spcBef>
                 <a:spcPts val="0"/>
               </a:spcBef>
@@ -3356,7 +3406,7 @@
               <a:buChar char="○"/>
               <a:defRPr/>
             </a:lvl5pPr>
-            <a:lvl6pPr indent="-298450" lvl="5" marL="2743200">
+            <a:lvl6pPr marL="2743200" lvl="5" indent="-298450">
               <a:spcBef>
                 <a:spcPts val="0"/>
               </a:spcBef>
@@ -3367,7 +3417,7 @@
               <a:buChar char="■"/>
               <a:defRPr/>
             </a:lvl6pPr>
-            <a:lvl7pPr indent="-298450" lvl="6" marL="3200400">
+            <a:lvl7pPr marL="3200400" lvl="6" indent="-298450">
               <a:spcBef>
                 <a:spcPts val="0"/>
               </a:spcBef>
@@ -3378,7 +3428,7 @@
               <a:buChar char="●"/>
               <a:defRPr/>
             </a:lvl7pPr>
-            <a:lvl8pPr indent="-298450" lvl="7" marL="3657600">
+            <a:lvl8pPr marL="3657600" lvl="7" indent="-298450">
               <a:spcBef>
                 <a:spcPts val="0"/>
               </a:spcBef>
@@ -3389,7 +3439,7 @@
               <a:buChar char="○"/>
               <a:defRPr/>
             </a:lvl8pPr>
-            <a:lvl9pPr indent="-298450" lvl="8" marL="4114800">
+            <a:lvl9pPr marL="4114800" lvl="8" indent="-298450">
               <a:spcBef>
                 <a:spcPts val="0"/>
               </a:spcBef>
@@ -3401,15 +3451,19 @@
               <a:defRPr/>
             </a:lvl9pPr>
           </a:lstStyle>
-          <a:p/>
+          <a:p>
+            <a:endParaRPr/>
+          </a:p>
         </p:txBody>
       </p:sp>
       <p:sp>
         <p:nvSpPr>
           <p:cNvPr id="30" name="Google Shape;30;p4"/>
-          <p:cNvSpPr txBox="1"/>
+          <p:cNvSpPr txBox="1">
+            <a:spLocks noGrp="1"/>
+          </p:cNvSpPr>
           <p:nvPr>
-            <p:ph idx="12" type="sldNum"/>
+            <p:ph type="sldNum" idx="12"/>
           </p:nvPr>
         </p:nvSpPr>
         <p:spPr>
@@ -3422,7 +3476,7 @@
           </a:prstGeom>
         </p:spPr>
         <p:txBody>
-          <a:bodyPr anchorCtr="0" anchor="ctr" bIns="91425" lIns="91425" spcFirstLastPara="1" rIns="91425" wrap="square" tIns="91425">
+          <a:bodyPr spcFirstLastPara="1" wrap="square" lIns="91425" tIns="91425" rIns="91425" bIns="91425" anchor="ctr" anchorCtr="0">
             <a:normAutofit/>
           </a:bodyPr>
           <a:lstStyle>
@@ -3464,7 +3518,7 @@
             </a:lvl9pPr>
           </a:lstStyle>
           <a:p>
-            <a:pPr indent="0" lvl="0" marL="0" rtl="0" algn="r">
+            <a:pPr marL="0" lvl="0" indent="0" algn="r" rtl="0">
               <a:spcBef>
                 <a:spcPts val="0"/>
               </a:spcBef>
@@ -3490,11 +3544,11 @@
 </file>
 
 <file path=ppt/slideLayouts/slideLayout4.xml><?xml version="1.0" encoding="utf-8"?>
-<p:sldLayout xmlns:a="http://schemas.openxmlformats.org/drawingml/2006/main" xmlns:r="http://schemas.openxmlformats.org/officeDocument/2006/relationships" xmlns:mc="http://schemas.openxmlformats.org/markup-compatibility/2006" xmlns:mv="urn:schemas-microsoft-com:mac:vml" xmlns:p="http://schemas.openxmlformats.org/presentationml/2006/main" xmlns:c="http://schemas.openxmlformats.org/drawingml/2006/chart" xmlns:dgm="http://schemas.openxmlformats.org/drawingml/2006/diagram" xmlns:o="urn:schemas-microsoft-com:office:office" xmlns:v="urn:schemas-microsoft-com:vml" xmlns:pvml="urn:schemas-microsoft-com:office:powerpoint" xmlns:com="http://schemas.openxmlformats.org/drawingml/2006/compatibility" xmlns:p14="http://schemas.microsoft.com/office/powerpoint/2010/main" xmlns:p15="http://schemas.microsoft.com/office/powerpoint/2012/main" xmlns:ahyp="http://schemas.microsoft.com/office/drawing/2018/hyperlinkcolor" matchingName="Title and two columns" type="twoColTx">
+<p:sldLayout xmlns:a="http://schemas.openxmlformats.org/drawingml/2006/main" xmlns:r="http://schemas.openxmlformats.org/officeDocument/2006/relationships" xmlns:p="http://schemas.openxmlformats.org/presentationml/2006/main" matchingName="Title and two columns" type="twoColTx">
   <p:cSld name="TITLE_AND_TWO_COLUMNS">
     <p:spTree>
       <p:nvGrpSpPr>
-        <p:cNvPr id="31" name="Shape 31"/>
+        <p:cNvPr id="1" name="Shape 31"/>
         <p:cNvGrpSpPr/>
         <p:nvPr/>
       </p:nvGrpSpPr>
@@ -3528,12 +3582,12 @@
           </a:ln>
         </p:spPr>
         <p:txBody>
-          <a:bodyPr anchorCtr="0" anchor="ctr" bIns="91425" lIns="91425" spcFirstLastPara="1" rIns="91425" wrap="square" tIns="91425">
+          <a:bodyPr spcFirstLastPara="1" wrap="square" lIns="91425" tIns="91425" rIns="91425" bIns="91425" anchor="ctr" anchorCtr="0">
             <a:noAutofit/>
           </a:bodyPr>
           <a:lstStyle/>
           <a:p>
-            <a:pPr indent="0" lvl="0" marL="0" rtl="0" algn="l">
+            <a:pPr marL="0" lvl="0" indent="0" algn="l" rtl="0">
               <a:spcBef>
                 <a:spcPts val="0"/>
               </a:spcBef>
@@ -3542,9 +3596,6 @@
               </a:spcAft>
               <a:buNone/>
             </a:pPr>
-            <a:r>
-              <a:t/>
-            </a:r>
             <a:endParaRPr/>
           </a:p>
         </p:txBody>
@@ -3585,12 +3636,12 @@
             </a:ln>
           </p:spPr>
           <p:txBody>
-            <a:bodyPr anchorCtr="0" anchor="ctr" bIns="91425" lIns="91425" spcFirstLastPara="1" rIns="91425" wrap="square" tIns="91425">
+            <a:bodyPr spcFirstLastPara="1" wrap="square" lIns="91425" tIns="91425" rIns="91425" bIns="91425" anchor="ctr" anchorCtr="0">
               <a:noAutofit/>
             </a:bodyPr>
             <a:lstStyle/>
             <a:p>
-              <a:pPr indent="0" lvl="0" marL="0" rtl="0" algn="l">
+              <a:pPr marL="0" lvl="0" indent="0" algn="l" rtl="0">
                 <a:spcBef>
                   <a:spcPts val="0"/>
                 </a:spcBef>
@@ -3599,9 +3650,6 @@
                 </a:spcAft>
                 <a:buNone/>
               </a:pPr>
-              <a:r>
-                <a:t/>
-              </a:r>
               <a:endParaRPr/>
             </a:p>
           </p:txBody>
@@ -3628,12 +3676,12 @@
             </a:ln>
           </p:spPr>
           <p:txBody>
-            <a:bodyPr anchorCtr="0" anchor="ctr" bIns="91425" lIns="91425" spcFirstLastPara="1" rIns="91425" wrap="square" tIns="91425">
+            <a:bodyPr spcFirstLastPara="1" wrap="square" lIns="91425" tIns="91425" rIns="91425" bIns="91425" anchor="ctr" anchorCtr="0">
               <a:noAutofit/>
             </a:bodyPr>
             <a:lstStyle/>
             <a:p>
-              <a:pPr indent="0" lvl="0" marL="0" rtl="0" algn="l">
+              <a:pPr marL="0" lvl="0" indent="0" algn="l" rtl="0">
                 <a:spcBef>
                   <a:spcPts val="0"/>
                 </a:spcBef>
@@ -3642,9 +3690,6 @@
                 </a:spcAft>
                 <a:buNone/>
               </a:pPr>
-              <a:r>
-                <a:t/>
-              </a:r>
               <a:endParaRPr/>
             </a:p>
           </p:txBody>
@@ -3653,7 +3698,9 @@
       <p:sp>
         <p:nvSpPr>
           <p:cNvPr id="36" name="Google Shape;36;p5"/>
-          <p:cNvSpPr txBox="1"/>
+          <p:cNvSpPr txBox="1">
+            <a:spLocks noGrp="1"/>
+          </p:cNvSpPr>
           <p:nvPr>
             <p:ph type="title"/>
           </p:nvPr>
@@ -3668,7 +3715,7 @@
           </a:prstGeom>
         </p:spPr>
         <p:txBody>
-          <a:bodyPr anchorCtr="0" anchor="t" bIns="91425" lIns="91425" spcFirstLastPara="1" rIns="91425" wrap="square" tIns="91425">
+          <a:bodyPr spcFirstLastPara="1" wrap="square" lIns="91425" tIns="91425" rIns="91425" bIns="91425" anchor="t" anchorCtr="0">
             <a:normAutofit/>
           </a:bodyPr>
           <a:lstStyle>
@@ -3772,15 +3819,19 @@
               <a:defRPr sz="2600"/>
             </a:lvl9pPr>
           </a:lstStyle>
-          <a:p/>
+          <a:p>
+            <a:endParaRPr/>
+          </a:p>
         </p:txBody>
       </p:sp>
       <p:sp>
         <p:nvSpPr>
           <p:cNvPr id="37" name="Google Shape;37;p5"/>
-          <p:cNvSpPr txBox="1"/>
+          <p:cNvSpPr txBox="1">
+            <a:spLocks noGrp="1"/>
+          </p:cNvSpPr>
           <p:nvPr>
-            <p:ph idx="1" type="body"/>
+            <p:ph type="body" idx="1"/>
           </p:nvPr>
         </p:nvSpPr>
         <p:spPr>
@@ -3793,11 +3844,11 @@
           </a:prstGeom>
         </p:spPr>
         <p:txBody>
-          <a:bodyPr anchorCtr="0" anchor="t" bIns="91425" lIns="91425" spcFirstLastPara="1" rIns="91425" wrap="square" tIns="91425">
+          <a:bodyPr spcFirstLastPara="1" wrap="square" lIns="91425" tIns="91425" rIns="91425" bIns="91425" anchor="t" anchorCtr="0">
             <a:normAutofit/>
           </a:bodyPr>
           <a:lstStyle>
-            <a:lvl1pPr indent="-311150" lvl="0" marL="457200">
+            <a:lvl1pPr marL="457200" lvl="0" indent="-311150">
               <a:spcBef>
                 <a:spcPts val="0"/>
               </a:spcBef>
@@ -3808,7 +3859,7 @@
               <a:buChar char="●"/>
               <a:defRPr/>
             </a:lvl1pPr>
-            <a:lvl2pPr indent="-298450" lvl="1" marL="914400">
+            <a:lvl2pPr marL="914400" lvl="1" indent="-298450">
               <a:spcBef>
                 <a:spcPts val="0"/>
               </a:spcBef>
@@ -3819,7 +3870,7 @@
               <a:buChar char="○"/>
               <a:defRPr/>
             </a:lvl2pPr>
-            <a:lvl3pPr indent="-298450" lvl="2" marL="1371600">
+            <a:lvl3pPr marL="1371600" lvl="2" indent="-298450">
               <a:spcBef>
                 <a:spcPts val="0"/>
               </a:spcBef>
@@ -3830,7 +3881,7 @@
               <a:buChar char="■"/>
               <a:defRPr/>
             </a:lvl3pPr>
-            <a:lvl4pPr indent="-298450" lvl="3" marL="1828800">
+            <a:lvl4pPr marL="1828800" lvl="3" indent="-298450">
               <a:spcBef>
                 <a:spcPts val="0"/>
               </a:spcBef>
@@ -3841,7 +3892,7 @@
               <a:buChar char="●"/>
               <a:defRPr/>
             </a:lvl4pPr>
-            <a:lvl5pPr indent="-298450" lvl="4" marL="2286000">
+            <a:lvl5pPr marL="2286000" lvl="4" indent="-298450">
               <a:spcBef>
                 <a:spcPts val="0"/>
               </a:spcBef>
@@ -3852,7 +3903,7 @@
               <a:buChar char="○"/>
               <a:defRPr/>
             </a:lvl5pPr>
-            <a:lvl6pPr indent="-298450" lvl="5" marL="2743200">
+            <a:lvl6pPr marL="2743200" lvl="5" indent="-298450">
               <a:spcBef>
                 <a:spcPts val="0"/>
               </a:spcBef>
@@ -3863,7 +3914,7 @@
               <a:buChar char="■"/>
               <a:defRPr/>
             </a:lvl6pPr>
-            <a:lvl7pPr indent="-298450" lvl="6" marL="3200400">
+            <a:lvl7pPr marL="3200400" lvl="6" indent="-298450">
               <a:spcBef>
                 <a:spcPts val="0"/>
               </a:spcBef>
@@ -3874,7 +3925,7 @@
               <a:buChar char="●"/>
               <a:defRPr/>
             </a:lvl7pPr>
-            <a:lvl8pPr indent="-298450" lvl="7" marL="3657600">
+            <a:lvl8pPr marL="3657600" lvl="7" indent="-298450">
               <a:spcBef>
                 <a:spcPts val="0"/>
               </a:spcBef>
@@ -3885,7 +3936,7 @@
               <a:buChar char="○"/>
               <a:defRPr/>
             </a:lvl8pPr>
-            <a:lvl9pPr indent="-298450" lvl="8" marL="4114800">
+            <a:lvl9pPr marL="4114800" lvl="8" indent="-298450">
               <a:spcBef>
                 <a:spcPts val="0"/>
               </a:spcBef>
@@ -3897,15 +3948,19 @@
               <a:defRPr/>
             </a:lvl9pPr>
           </a:lstStyle>
-          <a:p/>
+          <a:p>
+            <a:endParaRPr/>
+          </a:p>
         </p:txBody>
       </p:sp>
       <p:sp>
         <p:nvSpPr>
           <p:cNvPr id="38" name="Google Shape;38;p5"/>
-          <p:cNvSpPr txBox="1"/>
+          <p:cNvSpPr txBox="1">
+            <a:spLocks noGrp="1"/>
+          </p:cNvSpPr>
           <p:nvPr>
-            <p:ph idx="2" type="body"/>
+            <p:ph type="body" idx="2"/>
           </p:nvPr>
         </p:nvSpPr>
         <p:spPr>
@@ -3918,11 +3973,11 @@
           </a:prstGeom>
         </p:spPr>
         <p:txBody>
-          <a:bodyPr anchorCtr="0" anchor="t" bIns="91425" lIns="91425" spcFirstLastPara="1" rIns="91425" wrap="square" tIns="91425">
+          <a:bodyPr spcFirstLastPara="1" wrap="square" lIns="91425" tIns="91425" rIns="91425" bIns="91425" anchor="t" anchorCtr="0">
             <a:normAutofit/>
           </a:bodyPr>
           <a:lstStyle>
-            <a:lvl1pPr indent="-311150" lvl="0" marL="457200">
+            <a:lvl1pPr marL="457200" lvl="0" indent="-311150">
               <a:spcBef>
                 <a:spcPts val="0"/>
               </a:spcBef>
@@ -3933,7 +3988,7 @@
               <a:buChar char="●"/>
               <a:defRPr/>
             </a:lvl1pPr>
-            <a:lvl2pPr indent="-298450" lvl="1" marL="914400">
+            <a:lvl2pPr marL="914400" lvl="1" indent="-298450">
               <a:spcBef>
                 <a:spcPts val="0"/>
               </a:spcBef>
@@ -3944,7 +3999,7 @@
               <a:buChar char="○"/>
               <a:defRPr/>
             </a:lvl2pPr>
-            <a:lvl3pPr indent="-298450" lvl="2" marL="1371600">
+            <a:lvl3pPr marL="1371600" lvl="2" indent="-298450">
               <a:spcBef>
                 <a:spcPts val="0"/>
               </a:spcBef>
@@ -3955,7 +4010,7 @@
               <a:buChar char="■"/>
               <a:defRPr/>
             </a:lvl3pPr>
-            <a:lvl4pPr indent="-298450" lvl="3" marL="1828800">
+            <a:lvl4pPr marL="1828800" lvl="3" indent="-298450">
               <a:spcBef>
                 <a:spcPts val="0"/>
               </a:spcBef>
@@ -3966,7 +4021,7 @@
               <a:buChar char="●"/>
               <a:defRPr/>
             </a:lvl4pPr>
-            <a:lvl5pPr indent="-298450" lvl="4" marL="2286000">
+            <a:lvl5pPr marL="2286000" lvl="4" indent="-298450">
               <a:spcBef>
                 <a:spcPts val="0"/>
               </a:spcBef>
@@ -3977,7 +4032,7 @@
               <a:buChar char="○"/>
               <a:defRPr/>
             </a:lvl5pPr>
-            <a:lvl6pPr indent="-298450" lvl="5" marL="2743200">
+            <a:lvl6pPr marL="2743200" lvl="5" indent="-298450">
               <a:spcBef>
                 <a:spcPts val="0"/>
               </a:spcBef>
@@ -3988,7 +4043,7 @@
               <a:buChar char="■"/>
               <a:defRPr/>
             </a:lvl6pPr>
-            <a:lvl7pPr indent="-298450" lvl="6" marL="3200400">
+            <a:lvl7pPr marL="3200400" lvl="6" indent="-298450">
               <a:spcBef>
                 <a:spcPts val="0"/>
               </a:spcBef>
@@ -3999,7 +4054,7 @@
               <a:buChar char="●"/>
               <a:defRPr/>
             </a:lvl7pPr>
-            <a:lvl8pPr indent="-298450" lvl="7" marL="3657600">
+            <a:lvl8pPr marL="3657600" lvl="7" indent="-298450">
               <a:spcBef>
                 <a:spcPts val="0"/>
               </a:spcBef>
@@ -4010,7 +4065,7 @@
               <a:buChar char="○"/>
               <a:defRPr/>
             </a:lvl8pPr>
-            <a:lvl9pPr indent="-298450" lvl="8" marL="4114800">
+            <a:lvl9pPr marL="4114800" lvl="8" indent="-298450">
               <a:spcBef>
                 <a:spcPts val="0"/>
               </a:spcBef>
@@ -4022,15 +4077,19 @@
               <a:defRPr/>
             </a:lvl9pPr>
           </a:lstStyle>
-          <a:p/>
+          <a:p>
+            <a:endParaRPr/>
+          </a:p>
         </p:txBody>
       </p:sp>
       <p:sp>
         <p:nvSpPr>
           <p:cNvPr id="39" name="Google Shape;39;p5"/>
-          <p:cNvSpPr txBox="1"/>
+          <p:cNvSpPr txBox="1">
+            <a:spLocks noGrp="1"/>
+          </p:cNvSpPr>
           <p:nvPr>
-            <p:ph idx="12" type="sldNum"/>
+            <p:ph type="sldNum" idx="12"/>
           </p:nvPr>
         </p:nvSpPr>
         <p:spPr>
@@ -4043,7 +4102,7 @@
           </a:prstGeom>
         </p:spPr>
         <p:txBody>
-          <a:bodyPr anchorCtr="0" anchor="ctr" bIns="91425" lIns="91425" spcFirstLastPara="1" rIns="91425" wrap="square" tIns="91425">
+          <a:bodyPr spcFirstLastPara="1" wrap="square" lIns="91425" tIns="91425" rIns="91425" bIns="91425" anchor="ctr" anchorCtr="0">
             <a:normAutofit/>
           </a:bodyPr>
           <a:lstStyle>
@@ -4085,7 +4144,7 @@
             </a:lvl9pPr>
           </a:lstStyle>
           <a:p>
-            <a:pPr indent="0" lvl="0" marL="0" rtl="0" algn="r">
+            <a:pPr marL="0" lvl="0" indent="0" algn="r" rtl="0">
               <a:spcBef>
                 <a:spcPts val="0"/>
               </a:spcBef>
@@ -4111,11 +4170,11 @@
 </file>
 
 <file path=ppt/slideLayouts/slideLayout5.xml><?xml version="1.0" encoding="utf-8"?>
-<p:sldLayout xmlns:a="http://schemas.openxmlformats.org/drawingml/2006/main" xmlns:r="http://schemas.openxmlformats.org/officeDocument/2006/relationships" xmlns:mc="http://schemas.openxmlformats.org/markup-compatibility/2006" xmlns:mv="urn:schemas-microsoft-com:mac:vml" xmlns:p="http://schemas.openxmlformats.org/presentationml/2006/main" xmlns:c="http://schemas.openxmlformats.org/drawingml/2006/chart" xmlns:dgm="http://schemas.openxmlformats.org/drawingml/2006/diagram" xmlns:o="urn:schemas-microsoft-com:office:office" xmlns:v="urn:schemas-microsoft-com:vml" xmlns:pvml="urn:schemas-microsoft-com:office:powerpoint" xmlns:com="http://schemas.openxmlformats.org/drawingml/2006/compatibility" xmlns:p14="http://schemas.microsoft.com/office/powerpoint/2010/main" xmlns:p15="http://schemas.microsoft.com/office/powerpoint/2012/main" xmlns:ahyp="http://schemas.microsoft.com/office/drawing/2018/hyperlinkcolor" matchingName="Title only" type="titleOnly">
+<p:sldLayout xmlns:a="http://schemas.openxmlformats.org/drawingml/2006/main" xmlns:r="http://schemas.openxmlformats.org/officeDocument/2006/relationships" xmlns:p="http://schemas.openxmlformats.org/presentationml/2006/main" matchingName="Title only" type="titleOnly">
   <p:cSld name="TITLE_ONLY">
     <p:spTree>
       <p:nvGrpSpPr>
-        <p:cNvPr id="40" name="Shape 40"/>
+        <p:cNvPr id="1" name="Shape 40"/>
         <p:cNvGrpSpPr/>
         <p:nvPr/>
       </p:nvGrpSpPr>
@@ -4149,12 +4208,12 @@
           </a:ln>
         </p:spPr>
         <p:txBody>
-          <a:bodyPr anchorCtr="0" anchor="ctr" bIns="91425" lIns="91425" spcFirstLastPara="1" rIns="91425" wrap="square" tIns="91425">
+          <a:bodyPr spcFirstLastPara="1" wrap="square" lIns="91425" tIns="91425" rIns="91425" bIns="91425" anchor="ctr" anchorCtr="0">
             <a:noAutofit/>
           </a:bodyPr>
           <a:lstStyle/>
           <a:p>
-            <a:pPr indent="0" lvl="0" marL="0" rtl="0" algn="l">
+            <a:pPr marL="0" lvl="0" indent="0" algn="l" rtl="0">
               <a:spcBef>
                 <a:spcPts val="0"/>
               </a:spcBef>
@@ -4163,9 +4222,6 @@
               </a:spcAft>
               <a:buNone/>
             </a:pPr>
-            <a:r>
-              <a:t/>
-            </a:r>
             <a:endParaRPr/>
           </a:p>
         </p:txBody>
@@ -4206,12 +4262,12 @@
             </a:ln>
           </p:spPr>
           <p:txBody>
-            <a:bodyPr anchorCtr="0" anchor="ctr" bIns="91425" lIns="91425" spcFirstLastPara="1" rIns="91425" wrap="square" tIns="91425">
+            <a:bodyPr spcFirstLastPara="1" wrap="square" lIns="91425" tIns="91425" rIns="91425" bIns="91425" anchor="ctr" anchorCtr="0">
               <a:noAutofit/>
             </a:bodyPr>
             <a:lstStyle/>
             <a:p>
-              <a:pPr indent="0" lvl="0" marL="0" rtl="0" algn="l">
+              <a:pPr marL="0" lvl="0" indent="0" algn="l" rtl="0">
                 <a:spcBef>
                   <a:spcPts val="0"/>
                 </a:spcBef>
@@ -4220,9 +4276,6 @@
                 </a:spcAft>
                 <a:buNone/>
               </a:pPr>
-              <a:r>
-                <a:t/>
-              </a:r>
               <a:endParaRPr/>
             </a:p>
           </p:txBody>
@@ -4249,12 +4302,12 @@
             </a:ln>
           </p:spPr>
           <p:txBody>
-            <a:bodyPr anchorCtr="0" anchor="ctr" bIns="91425" lIns="91425" spcFirstLastPara="1" rIns="91425" wrap="square" tIns="91425">
+            <a:bodyPr spcFirstLastPara="1" wrap="square" lIns="91425" tIns="91425" rIns="91425" bIns="91425" anchor="ctr" anchorCtr="0">
               <a:noAutofit/>
             </a:bodyPr>
             <a:lstStyle/>
             <a:p>
-              <a:pPr indent="0" lvl="0" marL="0" rtl="0" algn="l">
+              <a:pPr marL="0" lvl="0" indent="0" algn="l" rtl="0">
                 <a:spcBef>
                   <a:spcPts val="0"/>
                 </a:spcBef>
@@ -4263,9 +4316,6 @@
                 </a:spcAft>
                 <a:buNone/>
               </a:pPr>
-              <a:r>
-                <a:t/>
-              </a:r>
               <a:endParaRPr/>
             </a:p>
           </p:txBody>
@@ -4274,7 +4324,9 @@
       <p:sp>
         <p:nvSpPr>
           <p:cNvPr id="45" name="Google Shape;45;p6"/>
-          <p:cNvSpPr txBox="1"/>
+          <p:cNvSpPr txBox="1">
+            <a:spLocks noGrp="1"/>
+          </p:cNvSpPr>
           <p:nvPr>
             <p:ph type="title"/>
           </p:nvPr>
@@ -4289,7 +4341,7 @@
           </a:prstGeom>
         </p:spPr>
         <p:txBody>
-          <a:bodyPr anchorCtr="0" anchor="t" bIns="91425" lIns="91425" spcFirstLastPara="1" rIns="91425" wrap="square" tIns="91425">
+          <a:bodyPr spcFirstLastPara="1" wrap="square" lIns="91425" tIns="91425" rIns="91425" bIns="91425" anchor="t" anchorCtr="0">
             <a:normAutofit/>
           </a:bodyPr>
           <a:lstStyle>
@@ -4393,15 +4445,19 @@
               <a:defRPr sz="2600"/>
             </a:lvl9pPr>
           </a:lstStyle>
-          <a:p/>
+          <a:p>
+            <a:endParaRPr/>
+          </a:p>
         </p:txBody>
       </p:sp>
       <p:sp>
         <p:nvSpPr>
           <p:cNvPr id="46" name="Google Shape;46;p6"/>
-          <p:cNvSpPr txBox="1"/>
+          <p:cNvSpPr txBox="1">
+            <a:spLocks noGrp="1"/>
+          </p:cNvSpPr>
           <p:nvPr>
-            <p:ph idx="12" type="sldNum"/>
+            <p:ph type="sldNum" idx="12"/>
           </p:nvPr>
         </p:nvSpPr>
         <p:spPr>
@@ -4414,7 +4470,7 @@
           </a:prstGeom>
         </p:spPr>
         <p:txBody>
-          <a:bodyPr anchorCtr="0" anchor="ctr" bIns="91425" lIns="91425" spcFirstLastPara="1" rIns="91425" wrap="square" tIns="91425">
+          <a:bodyPr spcFirstLastPara="1" wrap="square" lIns="91425" tIns="91425" rIns="91425" bIns="91425" anchor="ctr" anchorCtr="0">
             <a:normAutofit/>
           </a:bodyPr>
           <a:lstStyle>
@@ -4456,7 +4512,7 @@
             </a:lvl9pPr>
           </a:lstStyle>
           <a:p>
-            <a:pPr indent="0" lvl="0" marL="0" rtl="0" algn="r">
+            <a:pPr marL="0" lvl="0" indent="0" algn="r" rtl="0">
               <a:spcBef>
                 <a:spcPts val="0"/>
               </a:spcBef>
@@ -4482,11 +4538,11 @@
 </file>
 
 <file path=ppt/slideLayouts/slideLayout6.xml><?xml version="1.0" encoding="utf-8"?>
-<p:sldLayout xmlns:a="http://schemas.openxmlformats.org/drawingml/2006/main" xmlns:r="http://schemas.openxmlformats.org/officeDocument/2006/relationships" xmlns:mc="http://schemas.openxmlformats.org/markup-compatibility/2006" xmlns:mv="urn:schemas-microsoft-com:mac:vml" xmlns:p="http://schemas.openxmlformats.org/presentationml/2006/main" xmlns:c="http://schemas.openxmlformats.org/drawingml/2006/chart" xmlns:dgm="http://schemas.openxmlformats.org/drawingml/2006/diagram" xmlns:o="urn:schemas-microsoft-com:office:office" xmlns:v="urn:schemas-microsoft-com:vml" xmlns:pvml="urn:schemas-microsoft-com:office:powerpoint" xmlns:com="http://schemas.openxmlformats.org/drawingml/2006/compatibility" xmlns:p14="http://schemas.microsoft.com/office/powerpoint/2010/main" xmlns:p15="http://schemas.microsoft.com/office/powerpoint/2012/main" xmlns:ahyp="http://schemas.microsoft.com/office/drawing/2018/hyperlinkcolor" matchingName="One column text">
+<p:sldLayout xmlns:a="http://schemas.openxmlformats.org/drawingml/2006/main" xmlns:r="http://schemas.openxmlformats.org/officeDocument/2006/relationships" xmlns:p="http://schemas.openxmlformats.org/presentationml/2006/main" matchingName="One column text">
   <p:cSld name="ONE_COLUMN_TEXT">
     <p:spTree>
       <p:nvGrpSpPr>
-        <p:cNvPr id="47" name="Shape 47"/>
+        <p:cNvPr id="1" name="Shape 47"/>
         <p:cNvGrpSpPr/>
         <p:nvPr/>
       </p:nvGrpSpPr>
@@ -4520,12 +4576,12 @@
           </a:ln>
         </p:spPr>
         <p:txBody>
-          <a:bodyPr anchorCtr="0" anchor="ctr" bIns="91425" lIns="91425" spcFirstLastPara="1" rIns="91425" wrap="square" tIns="91425">
+          <a:bodyPr spcFirstLastPara="1" wrap="square" lIns="91425" tIns="91425" rIns="91425" bIns="91425" anchor="ctr" anchorCtr="0">
             <a:noAutofit/>
           </a:bodyPr>
           <a:lstStyle/>
           <a:p>
-            <a:pPr indent="0" lvl="0" marL="0" rtl="0" algn="l">
+            <a:pPr marL="0" lvl="0" indent="0" algn="l" rtl="0">
               <a:spcBef>
                 <a:spcPts val="0"/>
               </a:spcBef>
@@ -4534,9 +4590,6 @@
               </a:spcAft>
               <a:buNone/>
             </a:pPr>
-            <a:r>
-              <a:t/>
-            </a:r>
             <a:endParaRPr/>
           </a:p>
         </p:txBody>
@@ -4577,12 +4630,12 @@
             </a:ln>
           </p:spPr>
           <p:txBody>
-            <a:bodyPr anchorCtr="0" anchor="ctr" bIns="91425" lIns="91425" spcFirstLastPara="1" rIns="91425" wrap="square" tIns="91425">
+            <a:bodyPr spcFirstLastPara="1" wrap="square" lIns="91425" tIns="91425" rIns="91425" bIns="91425" anchor="ctr" anchorCtr="0">
               <a:noAutofit/>
             </a:bodyPr>
             <a:lstStyle/>
             <a:p>
-              <a:pPr indent="0" lvl="0" marL="0" rtl="0" algn="l">
+              <a:pPr marL="0" lvl="0" indent="0" algn="l" rtl="0">
                 <a:spcBef>
                   <a:spcPts val="0"/>
                 </a:spcBef>
@@ -4591,9 +4644,6 @@
                 </a:spcAft>
                 <a:buNone/>
               </a:pPr>
-              <a:r>
-                <a:t/>
-              </a:r>
               <a:endParaRPr/>
             </a:p>
           </p:txBody>
@@ -4620,12 +4670,12 @@
             </a:ln>
           </p:spPr>
           <p:txBody>
-            <a:bodyPr anchorCtr="0" anchor="ctr" bIns="91425" lIns="91425" spcFirstLastPara="1" rIns="91425" wrap="square" tIns="91425">
+            <a:bodyPr spcFirstLastPara="1" wrap="square" lIns="91425" tIns="91425" rIns="91425" bIns="91425" anchor="ctr" anchorCtr="0">
               <a:noAutofit/>
             </a:bodyPr>
             <a:lstStyle/>
             <a:p>
-              <a:pPr indent="0" lvl="0" marL="0" rtl="0" algn="l">
+              <a:pPr marL="0" lvl="0" indent="0" algn="l" rtl="0">
                 <a:spcBef>
                   <a:spcPts val="0"/>
                 </a:spcBef>
@@ -4634,9 +4684,6 @@
                 </a:spcAft>
                 <a:buNone/>
               </a:pPr>
-              <a:r>
-                <a:t/>
-              </a:r>
               <a:endParaRPr/>
             </a:p>
           </p:txBody>
@@ -4645,7 +4692,9 @@
       <p:sp>
         <p:nvSpPr>
           <p:cNvPr id="52" name="Google Shape;52;p7"/>
-          <p:cNvSpPr txBox="1"/>
+          <p:cNvSpPr txBox="1">
+            <a:spLocks noGrp="1"/>
+          </p:cNvSpPr>
           <p:nvPr>
             <p:ph type="title"/>
           </p:nvPr>
@@ -4660,7 +4709,7 @@
           </a:prstGeom>
         </p:spPr>
         <p:txBody>
-          <a:bodyPr anchorCtr="0" anchor="t" bIns="91425" lIns="91425" spcFirstLastPara="1" rIns="91425" wrap="square" tIns="91425">
+          <a:bodyPr spcFirstLastPara="1" wrap="square" lIns="91425" tIns="91425" rIns="91425" bIns="91425" anchor="t" anchorCtr="0">
             <a:normAutofit/>
           </a:bodyPr>
           <a:lstStyle>
@@ -4764,15 +4813,19 @@
               <a:defRPr sz="2600"/>
             </a:lvl9pPr>
           </a:lstStyle>
-          <a:p/>
+          <a:p>
+            <a:endParaRPr/>
+          </a:p>
         </p:txBody>
       </p:sp>
       <p:sp>
         <p:nvSpPr>
           <p:cNvPr id="53" name="Google Shape;53;p7"/>
-          <p:cNvSpPr txBox="1"/>
+          <p:cNvSpPr txBox="1">
+            <a:spLocks noGrp="1"/>
+          </p:cNvSpPr>
           <p:nvPr>
-            <p:ph idx="1" type="body"/>
+            <p:ph type="body" idx="1"/>
           </p:nvPr>
         </p:nvSpPr>
         <p:spPr>
@@ -4785,11 +4838,11 @@
           </a:prstGeom>
         </p:spPr>
         <p:txBody>
-          <a:bodyPr anchorCtr="0" anchor="t" bIns="91425" lIns="91425" spcFirstLastPara="1" rIns="91425" wrap="square" tIns="91425">
+          <a:bodyPr spcFirstLastPara="1" wrap="square" lIns="91425" tIns="91425" rIns="91425" bIns="91425" anchor="t" anchorCtr="0">
             <a:normAutofit/>
           </a:bodyPr>
           <a:lstStyle>
-            <a:lvl1pPr indent="-311150" lvl="0" marL="457200">
+            <a:lvl1pPr marL="457200" lvl="0" indent="-311150">
               <a:spcBef>
                 <a:spcPts val="0"/>
               </a:spcBef>
@@ -4800,7 +4853,7 @@
               <a:buChar char="●"/>
               <a:defRPr/>
             </a:lvl1pPr>
-            <a:lvl2pPr indent="-298450" lvl="1" marL="914400">
+            <a:lvl2pPr marL="914400" lvl="1" indent="-298450">
               <a:spcBef>
                 <a:spcPts val="0"/>
               </a:spcBef>
@@ -4811,7 +4864,7 @@
               <a:buChar char="○"/>
               <a:defRPr/>
             </a:lvl2pPr>
-            <a:lvl3pPr indent="-298450" lvl="2" marL="1371600">
+            <a:lvl3pPr marL="1371600" lvl="2" indent="-298450">
               <a:spcBef>
                 <a:spcPts val="0"/>
               </a:spcBef>
@@ -4822,7 +4875,7 @@
               <a:buChar char="■"/>
               <a:defRPr/>
             </a:lvl3pPr>
-            <a:lvl4pPr indent="-298450" lvl="3" marL="1828800">
+            <a:lvl4pPr marL="1828800" lvl="3" indent="-298450">
               <a:spcBef>
                 <a:spcPts val="0"/>
               </a:spcBef>
@@ -4833,7 +4886,7 @@
               <a:buChar char="●"/>
               <a:defRPr/>
             </a:lvl4pPr>
-            <a:lvl5pPr indent="-298450" lvl="4" marL="2286000">
+            <a:lvl5pPr marL="2286000" lvl="4" indent="-298450">
               <a:spcBef>
                 <a:spcPts val="0"/>
               </a:spcBef>
@@ -4844,7 +4897,7 @@
               <a:buChar char="○"/>
               <a:defRPr/>
             </a:lvl5pPr>
-            <a:lvl6pPr indent="-298450" lvl="5" marL="2743200">
+            <a:lvl6pPr marL="2743200" lvl="5" indent="-298450">
               <a:spcBef>
                 <a:spcPts val="0"/>
               </a:spcBef>
@@ -4855,7 +4908,7 @@
               <a:buChar char="■"/>
               <a:defRPr/>
             </a:lvl6pPr>
-            <a:lvl7pPr indent="-298450" lvl="6" marL="3200400">
+            <a:lvl7pPr marL="3200400" lvl="6" indent="-298450">
               <a:spcBef>
                 <a:spcPts val="0"/>
               </a:spcBef>
@@ -4866,7 +4919,7 @@
               <a:buChar char="●"/>
               <a:defRPr/>
             </a:lvl7pPr>
-            <a:lvl8pPr indent="-298450" lvl="7" marL="3657600">
+            <a:lvl8pPr marL="3657600" lvl="7" indent="-298450">
               <a:spcBef>
                 <a:spcPts val="0"/>
               </a:spcBef>
@@ -4877,7 +4930,7 @@
               <a:buChar char="○"/>
               <a:defRPr/>
             </a:lvl8pPr>
-            <a:lvl9pPr indent="-298450" lvl="8" marL="4114800">
+            <a:lvl9pPr marL="4114800" lvl="8" indent="-298450">
               <a:spcBef>
                 <a:spcPts val="0"/>
               </a:spcBef>
@@ -4889,15 +4942,19 @@
               <a:defRPr/>
             </a:lvl9pPr>
           </a:lstStyle>
-          <a:p/>
+          <a:p>
+            <a:endParaRPr/>
+          </a:p>
         </p:txBody>
       </p:sp>
       <p:sp>
         <p:nvSpPr>
           <p:cNvPr id="54" name="Google Shape;54;p7"/>
-          <p:cNvSpPr txBox="1"/>
+          <p:cNvSpPr txBox="1">
+            <a:spLocks noGrp="1"/>
+          </p:cNvSpPr>
           <p:nvPr>
-            <p:ph idx="12" type="sldNum"/>
+            <p:ph type="sldNum" idx="12"/>
           </p:nvPr>
         </p:nvSpPr>
         <p:spPr>
@@ -4910,7 +4967,7 @@
           </a:prstGeom>
         </p:spPr>
         <p:txBody>
-          <a:bodyPr anchorCtr="0" anchor="ctr" bIns="91425" lIns="91425" spcFirstLastPara="1" rIns="91425" wrap="square" tIns="91425">
+          <a:bodyPr spcFirstLastPara="1" wrap="square" lIns="91425" tIns="91425" rIns="91425" bIns="91425" anchor="ctr" anchorCtr="0">
             <a:normAutofit/>
           </a:bodyPr>
           <a:lstStyle>
@@ -4952,7 +5009,7 @@
             </a:lvl9pPr>
           </a:lstStyle>
           <a:p>
-            <a:pPr indent="0" lvl="0" marL="0" rtl="0" algn="r">
+            <a:pPr marL="0" lvl="0" indent="0" algn="r" rtl="0">
               <a:spcBef>
                 <a:spcPts val="0"/>
               </a:spcBef>
@@ -4978,18 +5035,19 @@
 </file>
 
 <file path=ppt/slideLayouts/slideLayout7.xml><?xml version="1.0" encoding="utf-8"?>
-<p:sldLayout xmlns:a="http://schemas.openxmlformats.org/drawingml/2006/main" xmlns:r="http://schemas.openxmlformats.org/officeDocument/2006/relationships" xmlns:mc="http://schemas.openxmlformats.org/markup-compatibility/2006" xmlns:mv="urn:schemas-microsoft-com:mac:vml" xmlns:p="http://schemas.openxmlformats.org/presentationml/2006/main" xmlns:c="http://schemas.openxmlformats.org/drawingml/2006/chart" xmlns:dgm="http://schemas.openxmlformats.org/drawingml/2006/diagram" xmlns:o="urn:schemas-microsoft-com:office:office" xmlns:v="urn:schemas-microsoft-com:vml" xmlns:pvml="urn:schemas-microsoft-com:office:powerpoint" xmlns:com="http://schemas.openxmlformats.org/drawingml/2006/compatibility" xmlns:p14="http://schemas.microsoft.com/office/powerpoint/2010/main" xmlns:p15="http://schemas.microsoft.com/office/powerpoint/2012/main" xmlns:ahyp="http://schemas.microsoft.com/office/drawing/2018/hyperlinkcolor" matchingName="Main point">
+<p:sldLayout xmlns:a="http://schemas.openxmlformats.org/drawingml/2006/main" xmlns:r="http://schemas.openxmlformats.org/officeDocument/2006/relationships" xmlns:p="http://schemas.openxmlformats.org/presentationml/2006/main" matchingName="Main point">
   <p:cSld name="MAIN_POINT">
     <p:bg>
       <p:bgPr>
         <a:solidFill>
           <a:schemeClr val="accent3"/>
         </a:solidFill>
+        <a:effectLst/>
       </p:bgPr>
     </p:bg>
     <p:spTree>
       <p:nvGrpSpPr>
-        <p:cNvPr id="55" name="Shape 55"/>
+        <p:cNvPr id="1" name="Shape 55"/>
         <p:cNvGrpSpPr/>
         <p:nvPr/>
       </p:nvGrpSpPr>
@@ -5037,12 +5095,12 @@
             </a:ln>
           </p:spPr>
           <p:txBody>
-            <a:bodyPr anchorCtr="0" anchor="ctr" bIns="91425" lIns="91425" spcFirstLastPara="1" rIns="91425" wrap="square" tIns="91425">
+            <a:bodyPr spcFirstLastPara="1" wrap="square" lIns="91425" tIns="91425" rIns="91425" bIns="91425" anchor="ctr" anchorCtr="0">
               <a:noAutofit/>
             </a:bodyPr>
             <a:lstStyle/>
             <a:p>
-              <a:pPr indent="0" lvl="0" marL="0" rtl="0" algn="l">
+              <a:pPr marL="0" lvl="0" indent="0" algn="l" rtl="0">
                 <a:spcBef>
                   <a:spcPts val="0"/>
                 </a:spcBef>
@@ -5051,9 +5109,6 @@
                 </a:spcAft>
                 <a:buNone/>
               </a:pPr>
-              <a:r>
-                <a:t/>
-              </a:r>
               <a:endParaRPr/>
             </a:p>
           </p:txBody>
@@ -5080,12 +5135,12 @@
             </a:ln>
           </p:spPr>
           <p:txBody>
-            <a:bodyPr anchorCtr="0" anchor="ctr" bIns="91425" lIns="91425" spcFirstLastPara="1" rIns="91425" wrap="square" tIns="91425">
+            <a:bodyPr spcFirstLastPara="1" wrap="square" lIns="91425" tIns="91425" rIns="91425" bIns="91425" anchor="ctr" anchorCtr="0">
               <a:noAutofit/>
             </a:bodyPr>
             <a:lstStyle/>
             <a:p>
-              <a:pPr indent="0" lvl="0" marL="0" rtl="0" algn="l">
+              <a:pPr marL="0" lvl="0" indent="0" algn="l" rtl="0">
                 <a:spcBef>
                   <a:spcPts val="0"/>
                 </a:spcBef>
@@ -5094,9 +5149,6 @@
                 </a:spcAft>
                 <a:buNone/>
               </a:pPr>
-              <a:r>
-                <a:t/>
-              </a:r>
               <a:endParaRPr/>
             </a:p>
           </p:txBody>
@@ -5105,7 +5157,9 @@
       <p:sp>
         <p:nvSpPr>
           <p:cNvPr id="59" name="Google Shape;59;p8"/>
-          <p:cNvSpPr txBox="1"/>
+          <p:cNvSpPr txBox="1">
+            <a:spLocks noGrp="1"/>
+          </p:cNvSpPr>
           <p:nvPr>
             <p:ph type="title"/>
           </p:nvPr>
@@ -5120,7 +5174,7 @@
           </a:prstGeom>
         </p:spPr>
         <p:txBody>
-          <a:bodyPr anchorCtr="0" anchor="ctr" bIns="91425" lIns="91425" spcFirstLastPara="1" rIns="91425" wrap="square" tIns="91425">
+          <a:bodyPr spcFirstLastPara="1" wrap="square" lIns="91425" tIns="91425" rIns="91425" bIns="91425" anchor="ctr" anchorCtr="0">
             <a:normAutofit/>
           </a:bodyPr>
           <a:lstStyle>
@@ -5287,15 +5341,19 @@
               </a:defRPr>
             </a:lvl9pPr>
           </a:lstStyle>
-          <a:p/>
+          <a:p>
+            <a:endParaRPr/>
+          </a:p>
         </p:txBody>
       </p:sp>
       <p:sp>
         <p:nvSpPr>
           <p:cNvPr id="60" name="Google Shape;60;p8"/>
-          <p:cNvSpPr txBox="1"/>
+          <p:cNvSpPr txBox="1">
+            <a:spLocks noGrp="1"/>
+          </p:cNvSpPr>
           <p:nvPr>
-            <p:ph idx="12" type="sldNum"/>
+            <p:ph type="sldNum" idx="12"/>
           </p:nvPr>
         </p:nvSpPr>
         <p:spPr>
@@ -5308,7 +5366,7 @@
           </a:prstGeom>
         </p:spPr>
         <p:txBody>
-          <a:bodyPr anchorCtr="0" anchor="ctr" bIns="91425" lIns="91425" spcFirstLastPara="1" rIns="91425" wrap="square" tIns="91425">
+          <a:bodyPr spcFirstLastPara="1" wrap="square" lIns="91425" tIns="91425" rIns="91425" bIns="91425" anchor="ctr" anchorCtr="0">
             <a:normAutofit/>
           </a:bodyPr>
           <a:lstStyle>
@@ -5386,7 +5444,7 @@
             </a:lvl9pPr>
           </a:lstStyle>
           <a:p>
-            <a:pPr indent="0" lvl="0" marL="0" rtl="0" algn="r">
+            <a:pPr marL="0" lvl="0" indent="0" algn="r" rtl="0">
               <a:spcBef>
                 <a:spcPts val="0"/>
               </a:spcBef>
@@ -5412,11 +5470,11 @@
 </file>
 
 <file path=ppt/slideLayouts/slideLayout8.xml><?xml version="1.0" encoding="utf-8"?>
-<p:sldLayout xmlns:a="http://schemas.openxmlformats.org/drawingml/2006/main" xmlns:r="http://schemas.openxmlformats.org/officeDocument/2006/relationships" xmlns:mc="http://schemas.openxmlformats.org/markup-compatibility/2006" xmlns:mv="urn:schemas-microsoft-com:mac:vml" xmlns:p="http://schemas.openxmlformats.org/presentationml/2006/main" xmlns:c="http://schemas.openxmlformats.org/drawingml/2006/chart" xmlns:dgm="http://schemas.openxmlformats.org/drawingml/2006/diagram" xmlns:o="urn:schemas-microsoft-com:office:office" xmlns:v="urn:schemas-microsoft-com:vml" xmlns:pvml="urn:schemas-microsoft-com:office:powerpoint" xmlns:com="http://schemas.openxmlformats.org/drawingml/2006/compatibility" xmlns:p14="http://schemas.microsoft.com/office/powerpoint/2010/main" xmlns:p15="http://schemas.microsoft.com/office/powerpoint/2012/main" xmlns:ahyp="http://schemas.microsoft.com/office/drawing/2018/hyperlinkcolor" matchingName="Section title and description">
+<p:sldLayout xmlns:a="http://schemas.openxmlformats.org/drawingml/2006/main" xmlns:r="http://schemas.openxmlformats.org/officeDocument/2006/relationships" xmlns:p="http://schemas.openxmlformats.org/presentationml/2006/main" matchingName="Section title and description">
   <p:cSld name="SECTION_TITLE_AND_DESCRIPTION">
     <p:spTree>
       <p:nvGrpSpPr>
-        <p:cNvPr id="61" name="Shape 61"/>
+        <p:cNvPr id="1" name="Shape 61"/>
         <p:cNvGrpSpPr/>
         <p:nvPr/>
       </p:nvGrpSpPr>
@@ -5450,12 +5508,12 @@
           </a:ln>
         </p:spPr>
         <p:txBody>
-          <a:bodyPr anchorCtr="0" anchor="ctr" bIns="91425" lIns="91425" spcFirstLastPara="1" rIns="91425" wrap="square" tIns="91425">
+          <a:bodyPr spcFirstLastPara="1" wrap="square" lIns="91425" tIns="91425" rIns="91425" bIns="91425" anchor="ctr" anchorCtr="0">
             <a:noAutofit/>
           </a:bodyPr>
           <a:lstStyle/>
           <a:p>
-            <a:pPr indent="0" lvl="0" marL="0" rtl="0" algn="l">
+            <a:pPr marL="0" lvl="0" indent="0" algn="l" rtl="0">
               <a:spcBef>
                 <a:spcPts val="0"/>
               </a:spcBef>
@@ -5464,9 +5522,6 @@
               </a:spcAft>
               <a:buNone/>
             </a:pPr>
-            <a:r>
-              <a:t/>
-            </a:r>
             <a:endParaRPr/>
           </a:p>
         </p:txBody>
@@ -5507,12 +5562,12 @@
             </a:ln>
           </p:spPr>
           <p:txBody>
-            <a:bodyPr anchorCtr="0" anchor="ctr" bIns="91425" lIns="91425" spcFirstLastPara="1" rIns="91425" wrap="square" tIns="91425">
+            <a:bodyPr spcFirstLastPara="1" wrap="square" lIns="91425" tIns="91425" rIns="91425" bIns="91425" anchor="ctr" anchorCtr="0">
               <a:noAutofit/>
             </a:bodyPr>
             <a:lstStyle/>
             <a:p>
-              <a:pPr indent="0" lvl="0" marL="0" rtl="0" algn="l">
+              <a:pPr marL="0" lvl="0" indent="0" algn="l" rtl="0">
                 <a:spcBef>
                   <a:spcPts val="0"/>
                 </a:spcBef>
@@ -5521,9 +5576,6 @@
                 </a:spcAft>
                 <a:buNone/>
               </a:pPr>
-              <a:r>
-                <a:t/>
-              </a:r>
               <a:endParaRPr/>
             </a:p>
           </p:txBody>
@@ -5550,12 +5602,12 @@
             </a:ln>
           </p:spPr>
           <p:txBody>
-            <a:bodyPr anchorCtr="0" anchor="ctr" bIns="91425" lIns="91425" spcFirstLastPara="1" rIns="91425" wrap="square" tIns="91425">
+            <a:bodyPr spcFirstLastPara="1" wrap="square" lIns="91425" tIns="91425" rIns="91425" bIns="91425" anchor="ctr" anchorCtr="0">
               <a:noAutofit/>
             </a:bodyPr>
             <a:lstStyle/>
             <a:p>
-              <a:pPr indent="0" lvl="0" marL="0" rtl="0" algn="l">
+              <a:pPr marL="0" lvl="0" indent="0" algn="l" rtl="0">
                 <a:spcBef>
                   <a:spcPts val="0"/>
                 </a:spcBef>
@@ -5564,9 +5616,6 @@
                 </a:spcAft>
                 <a:buNone/>
               </a:pPr>
-              <a:r>
-                <a:t/>
-              </a:r>
               <a:endParaRPr/>
             </a:p>
           </p:txBody>
@@ -5575,7 +5624,9 @@
       <p:sp>
         <p:nvSpPr>
           <p:cNvPr id="66" name="Google Shape;66;p9"/>
-          <p:cNvSpPr txBox="1"/>
+          <p:cNvSpPr txBox="1">
+            <a:spLocks noGrp="1"/>
+          </p:cNvSpPr>
           <p:nvPr>
             <p:ph type="title"/>
           </p:nvPr>
@@ -5590,7 +5641,7 @@
           </a:prstGeom>
         </p:spPr>
         <p:txBody>
-          <a:bodyPr anchorCtr="0" anchor="t" bIns="91425" lIns="91425" spcFirstLastPara="1" rIns="91425" wrap="square" tIns="91425">
+          <a:bodyPr spcFirstLastPara="1" wrap="square" lIns="91425" tIns="91425" rIns="91425" bIns="91425" anchor="t" anchorCtr="0">
             <a:normAutofit/>
           </a:bodyPr>
           <a:lstStyle>
@@ -5694,15 +5745,19 @@
               <a:defRPr sz="2600"/>
             </a:lvl9pPr>
           </a:lstStyle>
-          <a:p/>
+          <a:p>
+            <a:endParaRPr/>
+          </a:p>
         </p:txBody>
       </p:sp>
       <p:sp>
         <p:nvSpPr>
           <p:cNvPr id="67" name="Google Shape;67;p9"/>
-          <p:cNvSpPr txBox="1"/>
+          <p:cNvSpPr txBox="1">
+            <a:spLocks noGrp="1"/>
+          </p:cNvSpPr>
           <p:nvPr>
-            <p:ph idx="1" type="subTitle"/>
+            <p:ph type="subTitle" idx="1"/>
           </p:nvPr>
         </p:nvSpPr>
         <p:spPr>
@@ -5715,7 +5770,7 @@
           </a:prstGeom>
         </p:spPr>
         <p:txBody>
-          <a:bodyPr anchorCtr="0" anchor="t" bIns="91425" lIns="91425" spcFirstLastPara="1" rIns="91425" wrap="square" tIns="91425">
+          <a:bodyPr spcFirstLastPara="1" wrap="square" lIns="91425" tIns="91425" rIns="91425" bIns="91425" anchor="t" anchorCtr="0">
             <a:normAutofit/>
           </a:bodyPr>
           <a:lstStyle>
@@ -5846,15 +5901,19 @@
               <a:defRPr sz="1600"/>
             </a:lvl9pPr>
           </a:lstStyle>
-          <a:p/>
+          <a:p>
+            <a:endParaRPr/>
+          </a:p>
         </p:txBody>
       </p:sp>
       <p:sp>
         <p:nvSpPr>
           <p:cNvPr id="68" name="Google Shape;68;p9"/>
-          <p:cNvSpPr txBox="1"/>
+          <p:cNvSpPr txBox="1">
+            <a:spLocks noGrp="1"/>
+          </p:cNvSpPr>
           <p:nvPr>
-            <p:ph idx="2" type="body"/>
+            <p:ph type="body" idx="2"/>
           </p:nvPr>
         </p:nvSpPr>
         <p:spPr>
@@ -5867,11 +5926,11 @@
           </a:prstGeom>
         </p:spPr>
         <p:txBody>
-          <a:bodyPr anchorCtr="0" anchor="t" bIns="91425" lIns="91425" spcFirstLastPara="1" rIns="91425" wrap="square" tIns="91425">
+          <a:bodyPr spcFirstLastPara="1" wrap="square" lIns="91425" tIns="91425" rIns="91425" bIns="91425" anchor="t" anchorCtr="0">
             <a:normAutofit/>
           </a:bodyPr>
           <a:lstStyle>
-            <a:lvl1pPr indent="-311150" lvl="0" marL="457200">
+            <a:lvl1pPr marL="457200" lvl="0" indent="-311150">
               <a:spcBef>
                 <a:spcPts val="0"/>
               </a:spcBef>
@@ -5882,7 +5941,7 @@
               <a:buChar char="●"/>
               <a:defRPr/>
             </a:lvl1pPr>
-            <a:lvl2pPr indent="-298450" lvl="1" marL="914400">
+            <a:lvl2pPr marL="914400" lvl="1" indent="-298450">
               <a:spcBef>
                 <a:spcPts val="0"/>
               </a:spcBef>
@@ -5893,7 +5952,7 @@
               <a:buChar char="○"/>
               <a:defRPr/>
             </a:lvl2pPr>
-            <a:lvl3pPr indent="-298450" lvl="2" marL="1371600">
+            <a:lvl3pPr marL="1371600" lvl="2" indent="-298450">
               <a:spcBef>
                 <a:spcPts val="0"/>
               </a:spcBef>
@@ -5904,7 +5963,7 @@
               <a:buChar char="■"/>
               <a:defRPr/>
             </a:lvl3pPr>
-            <a:lvl4pPr indent="-298450" lvl="3" marL="1828800">
+            <a:lvl4pPr marL="1828800" lvl="3" indent="-298450">
               <a:spcBef>
                 <a:spcPts val="0"/>
               </a:spcBef>
@@ -5915,7 +5974,7 @@
               <a:buChar char="●"/>
               <a:defRPr/>
             </a:lvl4pPr>
-            <a:lvl5pPr indent="-298450" lvl="4" marL="2286000">
+            <a:lvl5pPr marL="2286000" lvl="4" indent="-298450">
               <a:spcBef>
                 <a:spcPts val="0"/>
               </a:spcBef>
@@ -5926,7 +5985,7 @@
               <a:buChar char="○"/>
               <a:defRPr/>
             </a:lvl5pPr>
-            <a:lvl6pPr indent="-298450" lvl="5" marL="2743200">
+            <a:lvl6pPr marL="2743200" lvl="5" indent="-298450">
               <a:spcBef>
                 <a:spcPts val="0"/>
               </a:spcBef>
@@ -5937,7 +5996,7 @@
               <a:buChar char="■"/>
               <a:defRPr/>
             </a:lvl6pPr>
-            <a:lvl7pPr indent="-298450" lvl="6" marL="3200400">
+            <a:lvl7pPr marL="3200400" lvl="6" indent="-298450">
               <a:spcBef>
                 <a:spcPts val="0"/>
               </a:spcBef>
@@ -5948,7 +6007,7 @@
               <a:buChar char="●"/>
               <a:defRPr/>
             </a:lvl7pPr>
-            <a:lvl8pPr indent="-298450" lvl="7" marL="3657600">
+            <a:lvl8pPr marL="3657600" lvl="7" indent="-298450">
               <a:spcBef>
                 <a:spcPts val="0"/>
               </a:spcBef>
@@ -5959,7 +6018,7 @@
               <a:buChar char="○"/>
               <a:defRPr/>
             </a:lvl8pPr>
-            <a:lvl9pPr indent="-298450" lvl="8" marL="4114800">
+            <a:lvl9pPr marL="4114800" lvl="8" indent="-298450">
               <a:spcBef>
                 <a:spcPts val="0"/>
               </a:spcBef>
@@ -5971,15 +6030,19 @@
               <a:defRPr/>
             </a:lvl9pPr>
           </a:lstStyle>
-          <a:p/>
+          <a:p>
+            <a:endParaRPr/>
+          </a:p>
         </p:txBody>
       </p:sp>
       <p:sp>
         <p:nvSpPr>
           <p:cNvPr id="69" name="Google Shape;69;p9"/>
-          <p:cNvSpPr txBox="1"/>
+          <p:cNvSpPr txBox="1">
+            <a:spLocks noGrp="1"/>
+          </p:cNvSpPr>
           <p:nvPr>
-            <p:ph idx="12" type="sldNum"/>
+            <p:ph type="sldNum" idx="12"/>
           </p:nvPr>
         </p:nvSpPr>
         <p:spPr>
@@ -5992,7 +6055,7 @@
           </a:prstGeom>
         </p:spPr>
         <p:txBody>
-          <a:bodyPr anchorCtr="0" anchor="ctr" bIns="91425" lIns="91425" spcFirstLastPara="1" rIns="91425" wrap="square" tIns="91425">
+          <a:bodyPr spcFirstLastPara="1" wrap="square" lIns="91425" tIns="91425" rIns="91425" bIns="91425" anchor="ctr" anchorCtr="0">
             <a:normAutofit/>
           </a:bodyPr>
           <a:lstStyle>
@@ -6034,7 +6097,7 @@
             </a:lvl9pPr>
           </a:lstStyle>
           <a:p>
-            <a:pPr indent="0" lvl="0" marL="0" rtl="0" algn="r">
+            <a:pPr marL="0" lvl="0" indent="0" algn="r" rtl="0">
               <a:spcBef>
                 <a:spcPts val="0"/>
               </a:spcBef>
@@ -6060,11 +6123,11 @@
 </file>
 
 <file path=ppt/slideLayouts/slideLayout9.xml><?xml version="1.0" encoding="utf-8"?>
-<p:sldLayout xmlns:a="http://schemas.openxmlformats.org/drawingml/2006/main" xmlns:r="http://schemas.openxmlformats.org/officeDocument/2006/relationships" xmlns:mc="http://schemas.openxmlformats.org/markup-compatibility/2006" xmlns:mv="urn:schemas-microsoft-com:mac:vml" xmlns:p="http://schemas.openxmlformats.org/presentationml/2006/main" xmlns:c="http://schemas.openxmlformats.org/drawingml/2006/chart" xmlns:dgm="http://schemas.openxmlformats.org/drawingml/2006/diagram" xmlns:o="urn:schemas-microsoft-com:office:office" xmlns:v="urn:schemas-microsoft-com:vml" xmlns:pvml="urn:schemas-microsoft-com:office:powerpoint" xmlns:com="http://schemas.openxmlformats.org/drawingml/2006/compatibility" xmlns:p14="http://schemas.microsoft.com/office/powerpoint/2010/main" xmlns:p15="http://schemas.microsoft.com/office/powerpoint/2012/main" xmlns:ahyp="http://schemas.microsoft.com/office/drawing/2018/hyperlinkcolor" matchingName="Caption">
+<p:sldLayout xmlns:a="http://schemas.openxmlformats.org/drawingml/2006/main" xmlns:r="http://schemas.openxmlformats.org/officeDocument/2006/relationships" xmlns:p="http://schemas.openxmlformats.org/presentationml/2006/main" matchingName="Caption">
   <p:cSld name="CAPTION_ONLY">
     <p:spTree>
       <p:nvGrpSpPr>
-        <p:cNvPr id="70" name="Shape 70"/>
+        <p:cNvPr id="1" name="Shape 70"/>
         <p:cNvGrpSpPr/>
         <p:nvPr/>
       </p:nvGrpSpPr>
@@ -6079,9 +6142,11 @@
       <p:sp>
         <p:nvSpPr>
           <p:cNvPr id="71" name="Google Shape;71;p10"/>
-          <p:cNvSpPr txBox="1"/>
+          <p:cNvSpPr txBox="1">
+            <a:spLocks noGrp="1"/>
+          </p:cNvSpPr>
           <p:nvPr>
-            <p:ph idx="1" type="body"/>
+            <p:ph type="body" idx="1"/>
           </p:nvPr>
         </p:nvSpPr>
         <p:spPr>
@@ -6094,11 +6159,11 @@
           </a:prstGeom>
         </p:spPr>
         <p:txBody>
-          <a:bodyPr anchorCtr="0" anchor="ctr" bIns="91425" lIns="91425" spcFirstLastPara="1" rIns="91425" wrap="square" tIns="91425">
+          <a:bodyPr spcFirstLastPara="1" wrap="square" lIns="91425" tIns="91425" rIns="91425" bIns="91425" anchor="ctr" anchorCtr="0">
             <a:normAutofit/>
           </a:bodyPr>
           <a:lstStyle>
-            <a:lvl1pPr indent="-228600" lvl="0" marL="457200">
+            <a:lvl1pPr marL="457200" lvl="0" indent="-228600">
               <a:lnSpc>
                 <a:spcPct val="100000"/>
               </a:lnSpc>
@@ -6113,15 +6178,19 @@
               <a:defRPr/>
             </a:lvl1pPr>
           </a:lstStyle>
-          <a:p/>
+          <a:p>
+            <a:endParaRPr/>
+          </a:p>
         </p:txBody>
       </p:sp>
       <p:sp>
         <p:nvSpPr>
           <p:cNvPr id="72" name="Google Shape;72;p10"/>
-          <p:cNvSpPr txBox="1"/>
+          <p:cNvSpPr txBox="1">
+            <a:spLocks noGrp="1"/>
+          </p:cNvSpPr>
           <p:nvPr>
-            <p:ph idx="12" type="sldNum"/>
+            <p:ph type="sldNum" idx="12"/>
           </p:nvPr>
         </p:nvSpPr>
         <p:spPr>
@@ -6134,7 +6203,7 @@
           </a:prstGeom>
         </p:spPr>
         <p:txBody>
-          <a:bodyPr anchorCtr="0" anchor="ctr" bIns="91425" lIns="91425" spcFirstLastPara="1" rIns="91425" wrap="square" tIns="91425">
+          <a:bodyPr spcFirstLastPara="1" wrap="square" lIns="91425" tIns="91425" rIns="91425" bIns="91425" anchor="ctr" anchorCtr="0">
             <a:normAutofit/>
           </a:bodyPr>
           <a:lstStyle>
@@ -6176,7 +6245,7 @@
             </a:lvl9pPr>
           </a:lstStyle>
           <a:p>
-            <a:pPr indent="0" lvl="0" marL="0" rtl="0" algn="r">
+            <a:pPr marL="0" lvl="0" indent="0" algn="r" rtl="0">
               <a:spcBef>
                 <a:spcPts val="0"/>
               </a:spcBef>
@@ -6202,18 +6271,19 @@
 </file>
 
 <file path=ppt/slideMasters/slideMaster1.xml><?xml version="1.0" encoding="utf-8"?>
-<p:sldMaster xmlns:a="http://schemas.openxmlformats.org/drawingml/2006/main" xmlns:r="http://schemas.openxmlformats.org/officeDocument/2006/relationships" xmlns:mc="http://schemas.openxmlformats.org/markup-compatibility/2006" xmlns:mv="urn:schemas-microsoft-com:mac:vml" xmlns:p="http://schemas.openxmlformats.org/presentationml/2006/main" xmlns:c="http://schemas.openxmlformats.org/drawingml/2006/chart" xmlns:dgm="http://schemas.openxmlformats.org/drawingml/2006/diagram" xmlns:o="urn:schemas-microsoft-com:office:office" xmlns:v="urn:schemas-microsoft-com:vml" xmlns:pvml="urn:schemas-microsoft-com:office:powerpoint" xmlns:com="http://schemas.openxmlformats.org/drawingml/2006/compatibility" xmlns:p14="http://schemas.microsoft.com/office/powerpoint/2010/main" xmlns:p15="http://schemas.microsoft.com/office/powerpoint/2012/main" xmlns:ahyp="http://schemas.microsoft.com/office/drawing/2018/hyperlinkcolor">
+<p:sldMaster xmlns:a="http://schemas.openxmlformats.org/drawingml/2006/main" xmlns:r="http://schemas.openxmlformats.org/officeDocument/2006/relationships" xmlns:p="http://schemas.openxmlformats.org/presentationml/2006/main">
   <p:cSld name="streamline">
     <p:bg>
       <p:bgPr>
         <a:solidFill>
           <a:schemeClr val="lt1"/>
         </a:solidFill>
+        <a:effectLst/>
       </p:bgPr>
     </p:bg>
     <p:spTree>
       <p:nvGrpSpPr>
-        <p:cNvPr id="5" name="Shape 5"/>
+        <p:cNvPr id="1" name="Shape 5"/>
         <p:cNvGrpSpPr/>
         <p:nvPr/>
       </p:nvGrpSpPr>
@@ -6228,7 +6298,9 @@
       <p:sp>
         <p:nvSpPr>
           <p:cNvPr id="6" name="Google Shape;6;p1"/>
-          <p:cNvSpPr txBox="1"/>
+          <p:cNvSpPr txBox="1">
+            <a:spLocks noGrp="1"/>
+          </p:cNvSpPr>
           <p:nvPr>
             <p:ph type="title"/>
           </p:nvPr>
@@ -6247,7 +6319,7 @@
           </a:ln>
         </p:spPr>
         <p:txBody>
-          <a:bodyPr anchorCtr="0" anchor="t" bIns="91425" lIns="91425" spcFirstLastPara="1" rIns="91425" wrap="square" tIns="91425">
+          <a:bodyPr spcFirstLastPara="1" wrap="square" lIns="91425" tIns="91425" rIns="91425" bIns="91425" anchor="t" anchorCtr="0">
             <a:normAutofit/>
           </a:bodyPr>
           <a:lstStyle>
@@ -6264,7 +6336,7 @@
               <a:buSzPts val="2800"/>
               <a:buFont typeface="Raleway"/>
               <a:buNone/>
-              <a:defRPr b="1" sz="2800">
+              <a:defRPr sz="2800" b="1">
                 <a:solidFill>
                   <a:schemeClr val="dk2"/>
                 </a:solidFill>
@@ -6287,7 +6359,7 @@
               <a:buSzPts val="2800"/>
               <a:buFont typeface="Raleway"/>
               <a:buNone/>
-              <a:defRPr b="1" sz="2800">
+              <a:defRPr sz="2800" b="1">
                 <a:solidFill>
                   <a:schemeClr val="dk2"/>
                 </a:solidFill>
@@ -6310,7 +6382,7 @@
               <a:buSzPts val="2800"/>
               <a:buFont typeface="Raleway"/>
               <a:buNone/>
-              <a:defRPr b="1" sz="2800">
+              <a:defRPr sz="2800" b="1">
                 <a:solidFill>
                   <a:schemeClr val="dk2"/>
                 </a:solidFill>
@@ -6333,7 +6405,7 @@
               <a:buSzPts val="2800"/>
               <a:buFont typeface="Raleway"/>
               <a:buNone/>
-              <a:defRPr b="1" sz="2800">
+              <a:defRPr sz="2800" b="1">
                 <a:solidFill>
                   <a:schemeClr val="dk2"/>
                 </a:solidFill>
@@ -6356,7 +6428,7 @@
               <a:buSzPts val="2800"/>
               <a:buFont typeface="Raleway"/>
               <a:buNone/>
-              <a:defRPr b="1" sz="2800">
+              <a:defRPr sz="2800" b="1">
                 <a:solidFill>
                   <a:schemeClr val="dk2"/>
                 </a:solidFill>
@@ -6379,7 +6451,7 @@
               <a:buSzPts val="2800"/>
               <a:buFont typeface="Raleway"/>
               <a:buNone/>
-              <a:defRPr b="1" sz="2800">
+              <a:defRPr sz="2800" b="1">
                 <a:solidFill>
                   <a:schemeClr val="dk2"/>
                 </a:solidFill>
@@ -6402,7 +6474,7 @@
               <a:buSzPts val="2800"/>
               <a:buFont typeface="Raleway"/>
               <a:buNone/>
-              <a:defRPr b="1" sz="2800">
+              <a:defRPr sz="2800" b="1">
                 <a:solidFill>
                   <a:schemeClr val="dk2"/>
                 </a:solidFill>
@@ -6425,7 +6497,7 @@
               <a:buSzPts val="2800"/>
               <a:buFont typeface="Raleway"/>
               <a:buNone/>
-              <a:defRPr b="1" sz="2800">
+              <a:defRPr sz="2800" b="1">
                 <a:solidFill>
                   <a:schemeClr val="dk2"/>
                 </a:solidFill>
@@ -6448,7 +6520,7 @@
               <a:buSzPts val="2800"/>
               <a:buFont typeface="Raleway"/>
               <a:buNone/>
-              <a:defRPr b="1" sz="2800">
+              <a:defRPr sz="2800" b="1">
                 <a:solidFill>
                   <a:schemeClr val="dk2"/>
                 </a:solidFill>
@@ -6459,15 +6531,19 @@
               </a:defRPr>
             </a:lvl9pPr>
           </a:lstStyle>
-          <a:p/>
+          <a:p>
+            <a:endParaRPr/>
+          </a:p>
         </p:txBody>
       </p:sp>
       <p:sp>
         <p:nvSpPr>
           <p:cNvPr id="7" name="Google Shape;7;p1"/>
-          <p:cNvSpPr txBox="1"/>
+          <p:cNvSpPr txBox="1">
+            <a:spLocks noGrp="1"/>
+          </p:cNvSpPr>
           <p:nvPr>
-            <p:ph idx="1" type="body"/>
+            <p:ph type="body" idx="1"/>
           </p:nvPr>
         </p:nvSpPr>
         <p:spPr>
@@ -6484,11 +6560,11 @@
           </a:ln>
         </p:spPr>
         <p:txBody>
-          <a:bodyPr anchorCtr="0" anchor="t" bIns="91425" lIns="91425" spcFirstLastPara="1" rIns="91425" wrap="square" tIns="91425">
+          <a:bodyPr spcFirstLastPara="1" wrap="square" lIns="91425" tIns="91425" rIns="91425" bIns="91425" anchor="t" anchorCtr="0">
             <a:normAutofit/>
           </a:bodyPr>
           <a:lstStyle>
-            <a:lvl1pPr indent="-311150" lvl="0" marL="457200">
+            <a:lvl1pPr marL="457200" lvl="0" indent="-311150">
               <a:lnSpc>
                 <a:spcPct val="115000"/>
               </a:lnSpc>
@@ -6514,7 +6590,7 @@
                 <a:sym typeface="Lato"/>
               </a:defRPr>
             </a:lvl1pPr>
-            <a:lvl2pPr indent="-298450" lvl="1" marL="914400">
+            <a:lvl2pPr marL="914400" lvl="1" indent="-298450">
               <a:lnSpc>
                 <a:spcPct val="115000"/>
               </a:lnSpc>
@@ -6540,7 +6616,7 @@
                 <a:sym typeface="Lato"/>
               </a:defRPr>
             </a:lvl2pPr>
-            <a:lvl3pPr indent="-298450" lvl="2" marL="1371600">
+            <a:lvl3pPr marL="1371600" lvl="2" indent="-298450">
               <a:lnSpc>
                 <a:spcPct val="115000"/>
               </a:lnSpc>
@@ -6566,7 +6642,7 @@
                 <a:sym typeface="Lato"/>
               </a:defRPr>
             </a:lvl3pPr>
-            <a:lvl4pPr indent="-298450" lvl="3" marL="1828800">
+            <a:lvl4pPr marL="1828800" lvl="3" indent="-298450">
               <a:lnSpc>
                 <a:spcPct val="115000"/>
               </a:lnSpc>
@@ -6592,7 +6668,7 @@
                 <a:sym typeface="Lato"/>
               </a:defRPr>
             </a:lvl4pPr>
-            <a:lvl5pPr indent="-298450" lvl="4" marL="2286000">
+            <a:lvl5pPr marL="2286000" lvl="4" indent="-298450">
               <a:lnSpc>
                 <a:spcPct val="115000"/>
               </a:lnSpc>
@@ -6618,7 +6694,7 @@
                 <a:sym typeface="Lato"/>
               </a:defRPr>
             </a:lvl5pPr>
-            <a:lvl6pPr indent="-298450" lvl="5" marL="2743200">
+            <a:lvl6pPr marL="2743200" lvl="5" indent="-298450">
               <a:lnSpc>
                 <a:spcPct val="115000"/>
               </a:lnSpc>
@@ -6644,7 +6720,7 @@
                 <a:sym typeface="Lato"/>
               </a:defRPr>
             </a:lvl6pPr>
-            <a:lvl7pPr indent="-298450" lvl="6" marL="3200400">
+            <a:lvl7pPr marL="3200400" lvl="6" indent="-298450">
               <a:lnSpc>
                 <a:spcPct val="115000"/>
               </a:lnSpc>
@@ -6670,7 +6746,7 @@
                 <a:sym typeface="Lato"/>
               </a:defRPr>
             </a:lvl7pPr>
-            <a:lvl8pPr indent="-298450" lvl="7" marL="3657600">
+            <a:lvl8pPr marL="3657600" lvl="7" indent="-298450">
               <a:lnSpc>
                 <a:spcPct val="115000"/>
               </a:lnSpc>
@@ -6696,7 +6772,7 @@
                 <a:sym typeface="Lato"/>
               </a:defRPr>
             </a:lvl8pPr>
-            <a:lvl9pPr indent="-298450" lvl="8" marL="4114800">
+            <a:lvl9pPr marL="4114800" lvl="8" indent="-298450">
               <a:lnSpc>
                 <a:spcPct val="115000"/>
               </a:lnSpc>
@@ -6723,15 +6799,19 @@
               </a:defRPr>
             </a:lvl9pPr>
           </a:lstStyle>
-          <a:p/>
+          <a:p>
+            <a:endParaRPr/>
+          </a:p>
         </p:txBody>
       </p:sp>
       <p:sp>
         <p:nvSpPr>
           <p:cNvPr id="8" name="Google Shape;8;p1"/>
-          <p:cNvSpPr txBox="1"/>
+          <p:cNvSpPr txBox="1">
+            <a:spLocks noGrp="1"/>
+          </p:cNvSpPr>
           <p:nvPr>
-            <p:ph idx="12" type="sldNum"/>
+            <p:ph type="sldNum" idx="12"/>
           </p:nvPr>
         </p:nvSpPr>
         <p:spPr>
@@ -6748,7 +6828,7 @@
           </a:ln>
         </p:spPr>
         <p:txBody>
-          <a:bodyPr anchorCtr="0" anchor="ctr" bIns="91425" lIns="91425" spcFirstLastPara="1" rIns="91425" wrap="square" tIns="91425">
+          <a:bodyPr spcFirstLastPara="1" wrap="square" lIns="91425" tIns="91425" rIns="91425" bIns="91425" anchor="ctr" anchorCtr="0">
             <a:normAutofit/>
           </a:bodyPr>
           <a:lstStyle>
@@ -6862,7 +6942,7 @@
             </a:lvl9pPr>
           </a:lstStyle>
           <a:p>
-            <a:pPr indent="0" lvl="0" marL="0" rtl="0" algn="r">
+            <a:pPr marL="0" lvl="0" indent="0" algn="r" rtl="0">
               <a:spcBef>
                 <a:spcPts val="0"/>
               </a:spcBef>
@@ -6881,7 +6961,7 @@
       </p:sp>
     </p:spTree>
   </p:cSld>
-  <p:clrMap accent1="accent1" accent2="accent2" accent3="accent3" accent4="accent4" accent5="accent5" accent6="accent6" bg1="lt1" bg2="dk2" tx1="dk1" tx2="lt2" folHlink="folHlink" hlink="hlink"/>
+  <p:clrMap bg1="lt1" tx1="dk1" bg2="dk2" tx2="lt2" accent1="accent1" accent2="accent2" accent3="accent3" accent4="accent4" accent5="accent5" accent6="accent6" hlink="hlink" folHlink="folHlink"/>
   <p:sldLayoutIdLst>
     <p:sldLayoutId id="2147483648" r:id="rId1"/>
     <p:sldLayoutId id="2147483649" r:id="rId2"/>
@@ -6895,10 +6975,10 @@
     <p:sldLayoutId id="2147483657" r:id="rId10"/>
     <p:sldLayoutId id="2147483658" r:id="rId11"/>
   </p:sldLayoutIdLst>
-  <p:hf dt="0" ftr="0" hdr="0" sldNum="0"/>
+  <p:hf sldNum="0" hdr="0" ftr="0" dt="0"/>
   <p:txStyles>
     <p:titleStyle>
-      <a:defPPr lvl="0" marR="0" rtl="0" algn="l">
+      <a:defPPr marR="0" lvl="0" algn="l" rtl="0">
         <a:lnSpc>
           <a:spcPct val="100000"/>
         </a:lnSpc>
@@ -6909,7 +6989,7 @@
           <a:spcPts val="0"/>
         </a:spcAft>
       </a:defPPr>
-      <a:lvl1pPr lvl="0" marR="0" rtl="0" algn="l">
+      <a:lvl1pPr marR="0" lvl="0" algn="l" rtl="0">
         <a:lnSpc>
           <a:spcPct val="100000"/>
         </a:lnSpc>
@@ -6923,7 +7003,7 @@
           <a:srgbClr val="000000"/>
         </a:buClr>
         <a:buFont typeface="Arial"/>
-        <a:defRPr b="0" i="0" sz="1400" u="none" cap="none" strike="noStrike">
+        <a:defRPr sz="1400" b="0" i="0" u="none" strike="noStrike" cap="none">
           <a:solidFill>
             <a:srgbClr val="000000"/>
           </a:solidFill>
@@ -6933,7 +7013,7 @@
           <a:sym typeface="Arial"/>
         </a:defRPr>
       </a:lvl1pPr>
-      <a:lvl2pPr lvl="1" marR="0" rtl="0" algn="l">
+      <a:lvl2pPr marR="0" lvl="1" algn="l" rtl="0">
         <a:lnSpc>
           <a:spcPct val="100000"/>
         </a:lnSpc>
@@ -6947,7 +7027,7 @@
           <a:srgbClr val="000000"/>
         </a:buClr>
         <a:buFont typeface="Arial"/>
-        <a:defRPr b="0" i="0" sz="1400" u="none" cap="none" strike="noStrike">
+        <a:defRPr sz="1400" b="0" i="0" u="none" strike="noStrike" cap="none">
           <a:solidFill>
             <a:srgbClr val="000000"/>
           </a:solidFill>
@@ -6957,7 +7037,7 @@
           <a:sym typeface="Arial"/>
         </a:defRPr>
       </a:lvl2pPr>
-      <a:lvl3pPr lvl="2" marR="0" rtl="0" algn="l">
+      <a:lvl3pPr marR="0" lvl="2" algn="l" rtl="0">
         <a:lnSpc>
           <a:spcPct val="100000"/>
         </a:lnSpc>
@@ -6971,7 +7051,7 @@
           <a:srgbClr val="000000"/>
         </a:buClr>
         <a:buFont typeface="Arial"/>
-        <a:defRPr b="0" i="0" sz="1400" u="none" cap="none" strike="noStrike">
+        <a:defRPr sz="1400" b="0" i="0" u="none" strike="noStrike" cap="none">
           <a:solidFill>
             <a:srgbClr val="000000"/>
           </a:solidFill>
@@ -6981,7 +7061,7 @@
           <a:sym typeface="Arial"/>
         </a:defRPr>
       </a:lvl3pPr>
-      <a:lvl4pPr lvl="3" marR="0" rtl="0" algn="l">
+      <a:lvl4pPr marR="0" lvl="3" algn="l" rtl="0">
         <a:lnSpc>
           <a:spcPct val="100000"/>
         </a:lnSpc>
@@ -6995,7 +7075,7 @@
           <a:srgbClr val="000000"/>
         </a:buClr>
         <a:buFont typeface="Arial"/>
-        <a:defRPr b="0" i="0" sz="1400" u="none" cap="none" strike="noStrike">
+        <a:defRPr sz="1400" b="0" i="0" u="none" strike="noStrike" cap="none">
           <a:solidFill>
             <a:srgbClr val="000000"/>
           </a:solidFill>
@@ -7005,7 +7085,7 @@
           <a:sym typeface="Arial"/>
         </a:defRPr>
       </a:lvl4pPr>
-      <a:lvl5pPr lvl="4" marR="0" rtl="0" algn="l">
+      <a:lvl5pPr marR="0" lvl="4" algn="l" rtl="0">
         <a:lnSpc>
           <a:spcPct val="100000"/>
         </a:lnSpc>
@@ -7019,7 +7099,7 @@
           <a:srgbClr val="000000"/>
         </a:buClr>
         <a:buFont typeface="Arial"/>
-        <a:defRPr b="0" i="0" sz="1400" u="none" cap="none" strike="noStrike">
+        <a:defRPr sz="1400" b="0" i="0" u="none" strike="noStrike" cap="none">
           <a:solidFill>
             <a:srgbClr val="000000"/>
           </a:solidFill>
@@ -7029,7 +7109,7 @@
           <a:sym typeface="Arial"/>
         </a:defRPr>
       </a:lvl5pPr>
-      <a:lvl6pPr lvl="5" marR="0" rtl="0" algn="l">
+      <a:lvl6pPr marR="0" lvl="5" algn="l" rtl="0">
         <a:lnSpc>
           <a:spcPct val="100000"/>
         </a:lnSpc>
@@ -7043,7 +7123,7 @@
           <a:srgbClr val="000000"/>
         </a:buClr>
         <a:buFont typeface="Arial"/>
-        <a:defRPr b="0" i="0" sz="1400" u="none" cap="none" strike="noStrike">
+        <a:defRPr sz="1400" b="0" i="0" u="none" strike="noStrike" cap="none">
           <a:solidFill>
             <a:srgbClr val="000000"/>
           </a:solidFill>
@@ -7053,7 +7133,7 @@
           <a:sym typeface="Arial"/>
         </a:defRPr>
       </a:lvl6pPr>
-      <a:lvl7pPr lvl="6" marR="0" rtl="0" algn="l">
+      <a:lvl7pPr marR="0" lvl="6" algn="l" rtl="0">
         <a:lnSpc>
           <a:spcPct val="100000"/>
         </a:lnSpc>
@@ -7067,7 +7147,7 @@
           <a:srgbClr val="000000"/>
         </a:buClr>
         <a:buFont typeface="Arial"/>
-        <a:defRPr b="0" i="0" sz="1400" u="none" cap="none" strike="noStrike">
+        <a:defRPr sz="1400" b="0" i="0" u="none" strike="noStrike" cap="none">
           <a:solidFill>
             <a:srgbClr val="000000"/>
           </a:solidFill>
@@ -7077,7 +7157,7 @@
           <a:sym typeface="Arial"/>
         </a:defRPr>
       </a:lvl7pPr>
-      <a:lvl8pPr lvl="7" marR="0" rtl="0" algn="l">
+      <a:lvl8pPr marR="0" lvl="7" algn="l" rtl="0">
         <a:lnSpc>
           <a:spcPct val="100000"/>
         </a:lnSpc>
@@ -7091,7 +7171,7 @@
           <a:srgbClr val="000000"/>
         </a:buClr>
         <a:buFont typeface="Arial"/>
-        <a:defRPr b="0" i="0" sz="1400" u="none" cap="none" strike="noStrike">
+        <a:defRPr sz="1400" b="0" i="0" u="none" strike="noStrike" cap="none">
           <a:solidFill>
             <a:srgbClr val="000000"/>
           </a:solidFill>
@@ -7101,7 +7181,7 @@
           <a:sym typeface="Arial"/>
         </a:defRPr>
       </a:lvl8pPr>
-      <a:lvl9pPr lvl="8" marR="0" rtl="0" algn="l">
+      <a:lvl9pPr marR="0" lvl="8" algn="l" rtl="0">
         <a:lnSpc>
           <a:spcPct val="100000"/>
         </a:lnSpc>
@@ -7115,7 +7195,7 @@
           <a:srgbClr val="000000"/>
         </a:buClr>
         <a:buFont typeface="Arial"/>
-        <a:defRPr b="0" i="0" sz="1400" u="none" cap="none" strike="noStrike">
+        <a:defRPr sz="1400" b="0" i="0" u="none" strike="noStrike" cap="none">
           <a:solidFill>
             <a:srgbClr val="000000"/>
           </a:solidFill>
@@ -7127,7 +7207,7 @@
       </a:lvl9pPr>
     </p:titleStyle>
     <p:bodyStyle>
-      <a:defPPr lvl="0" marR="0" rtl="0" algn="l">
+      <a:defPPr marR="0" lvl="0" algn="l" rtl="0">
         <a:lnSpc>
           <a:spcPct val="100000"/>
         </a:lnSpc>
@@ -7138,7 +7218,7 @@
           <a:spcPts val="0"/>
         </a:spcAft>
       </a:defPPr>
-      <a:lvl1pPr lvl="0" marR="0" rtl="0" algn="l">
+      <a:lvl1pPr marR="0" lvl="0" algn="l" rtl="0">
         <a:lnSpc>
           <a:spcPct val="100000"/>
         </a:lnSpc>
@@ -7152,7 +7232,7 @@
           <a:srgbClr val="000000"/>
         </a:buClr>
         <a:buFont typeface="Arial"/>
-        <a:defRPr b="0" i="0" sz="1400" u="none" cap="none" strike="noStrike">
+        <a:defRPr sz="1400" b="0" i="0" u="none" strike="noStrike" cap="none">
           <a:solidFill>
             <a:srgbClr val="000000"/>
           </a:solidFill>
@@ -7162,7 +7242,7 @@
           <a:sym typeface="Arial"/>
         </a:defRPr>
       </a:lvl1pPr>
-      <a:lvl2pPr lvl="1" marR="0" rtl="0" algn="l">
+      <a:lvl2pPr marR="0" lvl="1" algn="l" rtl="0">
         <a:lnSpc>
           <a:spcPct val="100000"/>
         </a:lnSpc>
@@ -7176,7 +7256,7 @@
           <a:srgbClr val="000000"/>
         </a:buClr>
         <a:buFont typeface="Arial"/>
-        <a:defRPr b="0" i="0" sz="1400" u="none" cap="none" strike="noStrike">
+        <a:defRPr sz="1400" b="0" i="0" u="none" strike="noStrike" cap="none">
           <a:solidFill>
             <a:srgbClr val="000000"/>
           </a:solidFill>
@@ -7186,7 +7266,7 @@
           <a:sym typeface="Arial"/>
         </a:defRPr>
       </a:lvl2pPr>
-      <a:lvl3pPr lvl="2" marR="0" rtl="0" algn="l">
+      <a:lvl3pPr marR="0" lvl="2" algn="l" rtl="0">
         <a:lnSpc>
           <a:spcPct val="100000"/>
         </a:lnSpc>
@@ -7200,7 +7280,7 @@
           <a:srgbClr val="000000"/>
         </a:buClr>
         <a:buFont typeface="Arial"/>
-        <a:defRPr b="0" i="0" sz="1400" u="none" cap="none" strike="noStrike">
+        <a:defRPr sz="1400" b="0" i="0" u="none" strike="noStrike" cap="none">
           <a:solidFill>
             <a:srgbClr val="000000"/>
           </a:solidFill>
@@ -7210,7 +7290,7 @@
           <a:sym typeface="Arial"/>
         </a:defRPr>
       </a:lvl3pPr>
-      <a:lvl4pPr lvl="3" marR="0" rtl="0" algn="l">
+      <a:lvl4pPr marR="0" lvl="3" algn="l" rtl="0">
         <a:lnSpc>
           <a:spcPct val="100000"/>
         </a:lnSpc>
@@ -7224,7 +7304,7 @@
           <a:srgbClr val="000000"/>
         </a:buClr>
         <a:buFont typeface="Arial"/>
-        <a:defRPr b="0" i="0" sz="1400" u="none" cap="none" strike="noStrike">
+        <a:defRPr sz="1400" b="0" i="0" u="none" strike="noStrike" cap="none">
           <a:solidFill>
             <a:srgbClr val="000000"/>
           </a:solidFill>
@@ -7234,7 +7314,7 @@
           <a:sym typeface="Arial"/>
         </a:defRPr>
       </a:lvl4pPr>
-      <a:lvl5pPr lvl="4" marR="0" rtl="0" algn="l">
+      <a:lvl5pPr marR="0" lvl="4" algn="l" rtl="0">
         <a:lnSpc>
           <a:spcPct val="100000"/>
         </a:lnSpc>
@@ -7248,7 +7328,7 @@
           <a:srgbClr val="000000"/>
         </a:buClr>
         <a:buFont typeface="Arial"/>
-        <a:defRPr b="0" i="0" sz="1400" u="none" cap="none" strike="noStrike">
+        <a:defRPr sz="1400" b="0" i="0" u="none" strike="noStrike" cap="none">
           <a:solidFill>
             <a:srgbClr val="000000"/>
           </a:solidFill>
@@ -7258,7 +7338,7 @@
           <a:sym typeface="Arial"/>
         </a:defRPr>
       </a:lvl5pPr>
-      <a:lvl6pPr lvl="5" marR="0" rtl="0" algn="l">
+      <a:lvl6pPr marR="0" lvl="5" algn="l" rtl="0">
         <a:lnSpc>
           <a:spcPct val="100000"/>
         </a:lnSpc>
@@ -7272,7 +7352,7 @@
           <a:srgbClr val="000000"/>
         </a:buClr>
         <a:buFont typeface="Arial"/>
-        <a:defRPr b="0" i="0" sz="1400" u="none" cap="none" strike="noStrike">
+        <a:defRPr sz="1400" b="0" i="0" u="none" strike="noStrike" cap="none">
           <a:solidFill>
             <a:srgbClr val="000000"/>
           </a:solidFill>
@@ -7282,7 +7362,7 @@
           <a:sym typeface="Arial"/>
         </a:defRPr>
       </a:lvl6pPr>
-      <a:lvl7pPr lvl="6" marR="0" rtl="0" algn="l">
+      <a:lvl7pPr marR="0" lvl="6" algn="l" rtl="0">
         <a:lnSpc>
           <a:spcPct val="100000"/>
         </a:lnSpc>
@@ -7296,7 +7376,7 @@
           <a:srgbClr val="000000"/>
         </a:buClr>
         <a:buFont typeface="Arial"/>
-        <a:defRPr b="0" i="0" sz="1400" u="none" cap="none" strike="noStrike">
+        <a:defRPr sz="1400" b="0" i="0" u="none" strike="noStrike" cap="none">
           <a:solidFill>
             <a:srgbClr val="000000"/>
           </a:solidFill>
@@ -7306,7 +7386,7 @@
           <a:sym typeface="Arial"/>
         </a:defRPr>
       </a:lvl7pPr>
-      <a:lvl8pPr lvl="7" marR="0" rtl="0" algn="l">
+      <a:lvl8pPr marR="0" lvl="7" algn="l" rtl="0">
         <a:lnSpc>
           <a:spcPct val="100000"/>
         </a:lnSpc>
@@ -7320,7 +7400,7 @@
           <a:srgbClr val="000000"/>
         </a:buClr>
         <a:buFont typeface="Arial"/>
-        <a:defRPr b="0" i="0" sz="1400" u="none" cap="none" strike="noStrike">
+        <a:defRPr sz="1400" b="0" i="0" u="none" strike="noStrike" cap="none">
           <a:solidFill>
             <a:srgbClr val="000000"/>
           </a:solidFill>
@@ -7330,7 +7410,7 @@
           <a:sym typeface="Arial"/>
         </a:defRPr>
       </a:lvl8pPr>
-      <a:lvl9pPr lvl="8" marR="0" rtl="0" algn="l">
+      <a:lvl9pPr marR="0" lvl="8" algn="l" rtl="0">
         <a:lnSpc>
           <a:spcPct val="100000"/>
         </a:lnSpc>
@@ -7344,7 +7424,7 @@
           <a:srgbClr val="000000"/>
         </a:buClr>
         <a:buFont typeface="Arial"/>
-        <a:defRPr b="0" i="0" sz="1400" u="none" cap="none" strike="noStrike">
+        <a:defRPr sz="1400" b="0" i="0" u="none" strike="noStrike" cap="none">
           <a:solidFill>
             <a:srgbClr val="000000"/>
           </a:solidFill>
@@ -7356,7 +7436,7 @@
       </a:lvl9pPr>
     </p:bodyStyle>
     <p:otherStyle>
-      <a:defPPr lvl="0" marR="0" rtl="0" algn="l">
+      <a:defPPr marR="0" lvl="0" algn="l" rtl="0">
         <a:lnSpc>
           <a:spcPct val="100000"/>
         </a:lnSpc>
@@ -7367,7 +7447,7 @@
           <a:spcPts val="0"/>
         </a:spcAft>
       </a:defPPr>
-      <a:lvl1pPr lvl="0" marR="0" rtl="0" algn="l">
+      <a:lvl1pPr marR="0" lvl="0" algn="l" rtl="0">
         <a:lnSpc>
           <a:spcPct val="100000"/>
         </a:lnSpc>
@@ -7381,7 +7461,7 @@
           <a:srgbClr val="000000"/>
         </a:buClr>
         <a:buFont typeface="Arial"/>
-        <a:defRPr b="0" i="0" sz="1400" u="none" cap="none" strike="noStrike">
+        <a:defRPr sz="1400" b="0" i="0" u="none" strike="noStrike" cap="none">
           <a:solidFill>
             <a:srgbClr val="000000"/>
           </a:solidFill>
@@ -7391,7 +7471,7 @@
           <a:sym typeface="Arial"/>
         </a:defRPr>
       </a:lvl1pPr>
-      <a:lvl2pPr lvl="1" marR="0" rtl="0" algn="l">
+      <a:lvl2pPr marR="0" lvl="1" algn="l" rtl="0">
         <a:lnSpc>
           <a:spcPct val="100000"/>
         </a:lnSpc>
@@ -7405,7 +7485,7 @@
           <a:srgbClr val="000000"/>
         </a:buClr>
         <a:buFont typeface="Arial"/>
-        <a:defRPr b="0" i="0" sz="1400" u="none" cap="none" strike="noStrike">
+        <a:defRPr sz="1400" b="0" i="0" u="none" strike="noStrike" cap="none">
           <a:solidFill>
             <a:srgbClr val="000000"/>
           </a:solidFill>
@@ -7415,7 +7495,7 @@
           <a:sym typeface="Arial"/>
         </a:defRPr>
       </a:lvl2pPr>
-      <a:lvl3pPr lvl="2" marR="0" rtl="0" algn="l">
+      <a:lvl3pPr marR="0" lvl="2" algn="l" rtl="0">
         <a:lnSpc>
           <a:spcPct val="100000"/>
         </a:lnSpc>
@@ -7429,7 +7509,7 @@
           <a:srgbClr val="000000"/>
         </a:buClr>
         <a:buFont typeface="Arial"/>
-        <a:defRPr b="0" i="0" sz="1400" u="none" cap="none" strike="noStrike">
+        <a:defRPr sz="1400" b="0" i="0" u="none" strike="noStrike" cap="none">
           <a:solidFill>
             <a:srgbClr val="000000"/>
           </a:solidFill>
@@ -7439,7 +7519,7 @@
           <a:sym typeface="Arial"/>
         </a:defRPr>
       </a:lvl3pPr>
-      <a:lvl4pPr lvl="3" marR="0" rtl="0" algn="l">
+      <a:lvl4pPr marR="0" lvl="3" algn="l" rtl="0">
         <a:lnSpc>
           <a:spcPct val="100000"/>
         </a:lnSpc>
@@ -7453,7 +7533,7 @@
           <a:srgbClr val="000000"/>
         </a:buClr>
         <a:buFont typeface="Arial"/>
-        <a:defRPr b="0" i="0" sz="1400" u="none" cap="none" strike="noStrike">
+        <a:defRPr sz="1400" b="0" i="0" u="none" strike="noStrike" cap="none">
           <a:solidFill>
             <a:srgbClr val="000000"/>
           </a:solidFill>
@@ -7463,7 +7543,7 @@
           <a:sym typeface="Arial"/>
         </a:defRPr>
       </a:lvl4pPr>
-      <a:lvl5pPr lvl="4" marR="0" rtl="0" algn="l">
+      <a:lvl5pPr marR="0" lvl="4" algn="l" rtl="0">
         <a:lnSpc>
           <a:spcPct val="100000"/>
         </a:lnSpc>
@@ -7477,7 +7557,7 @@
           <a:srgbClr val="000000"/>
         </a:buClr>
         <a:buFont typeface="Arial"/>
-        <a:defRPr b="0" i="0" sz="1400" u="none" cap="none" strike="noStrike">
+        <a:defRPr sz="1400" b="0" i="0" u="none" strike="noStrike" cap="none">
           <a:solidFill>
             <a:srgbClr val="000000"/>
           </a:solidFill>
@@ -7487,7 +7567,7 @@
           <a:sym typeface="Arial"/>
         </a:defRPr>
       </a:lvl5pPr>
-      <a:lvl6pPr lvl="5" marR="0" rtl="0" algn="l">
+      <a:lvl6pPr marR="0" lvl="5" algn="l" rtl="0">
         <a:lnSpc>
           <a:spcPct val="100000"/>
         </a:lnSpc>
@@ -7501,7 +7581,7 @@
           <a:srgbClr val="000000"/>
         </a:buClr>
         <a:buFont typeface="Arial"/>
-        <a:defRPr b="0" i="0" sz="1400" u="none" cap="none" strike="noStrike">
+        <a:defRPr sz="1400" b="0" i="0" u="none" strike="noStrike" cap="none">
           <a:solidFill>
             <a:srgbClr val="000000"/>
           </a:solidFill>
@@ -7511,7 +7591,7 @@
           <a:sym typeface="Arial"/>
         </a:defRPr>
       </a:lvl6pPr>
-      <a:lvl7pPr lvl="6" marR="0" rtl="0" algn="l">
+      <a:lvl7pPr marR="0" lvl="6" algn="l" rtl="0">
         <a:lnSpc>
           <a:spcPct val="100000"/>
         </a:lnSpc>
@@ -7525,7 +7605,7 @@
           <a:srgbClr val="000000"/>
         </a:buClr>
         <a:buFont typeface="Arial"/>
-        <a:defRPr b="0" i="0" sz="1400" u="none" cap="none" strike="noStrike">
+        <a:defRPr sz="1400" b="0" i="0" u="none" strike="noStrike" cap="none">
           <a:solidFill>
             <a:srgbClr val="000000"/>
           </a:solidFill>
@@ -7535,7 +7615,7 @@
           <a:sym typeface="Arial"/>
         </a:defRPr>
       </a:lvl7pPr>
-      <a:lvl8pPr lvl="7" marR="0" rtl="0" algn="l">
+      <a:lvl8pPr marR="0" lvl="7" algn="l" rtl="0">
         <a:lnSpc>
           <a:spcPct val="100000"/>
         </a:lnSpc>
@@ -7549,7 +7629,7 @@
           <a:srgbClr val="000000"/>
         </a:buClr>
         <a:buFont typeface="Arial"/>
-        <a:defRPr b="0" i="0" sz="1400" u="none" cap="none" strike="noStrike">
+        <a:defRPr sz="1400" b="0" i="0" u="none" strike="noStrike" cap="none">
           <a:solidFill>
             <a:srgbClr val="000000"/>
           </a:solidFill>
@@ -7559,7 +7639,7 @@
           <a:sym typeface="Arial"/>
         </a:defRPr>
       </a:lvl8pPr>
-      <a:lvl9pPr lvl="8" marR="0" rtl="0" algn="l">
+      <a:lvl9pPr marR="0" lvl="8" algn="l" rtl="0">
         <a:lnSpc>
           <a:spcPct val="100000"/>
         </a:lnSpc>
@@ -7573,7 +7653,7 @@
           <a:srgbClr val="000000"/>
         </a:buClr>
         <a:buFont typeface="Arial"/>
-        <a:defRPr b="0" i="0" sz="1400" u="none" cap="none" strike="noStrike">
+        <a:defRPr sz="1400" b="0" i="0" u="none" strike="noStrike" cap="none">
           <a:solidFill>
             <a:srgbClr val="000000"/>
           </a:solidFill>
@@ -7589,11 +7669,11 @@
 </file>
 
 <file path=ppt/slides/slide1.xml><?xml version="1.0" encoding="utf-8"?>
-<p:sld xmlns:a="http://schemas.openxmlformats.org/drawingml/2006/main" xmlns:r="http://schemas.openxmlformats.org/officeDocument/2006/relationships" xmlns:mc="http://schemas.openxmlformats.org/markup-compatibility/2006" xmlns:mv="urn:schemas-microsoft-com:mac:vml" xmlns:p="http://schemas.openxmlformats.org/presentationml/2006/main" xmlns:c="http://schemas.openxmlformats.org/drawingml/2006/chart" xmlns:dgm="http://schemas.openxmlformats.org/drawingml/2006/diagram" xmlns:o="urn:schemas-microsoft-com:office:office" xmlns:v="urn:schemas-microsoft-com:vml" xmlns:pvml="urn:schemas-microsoft-com:office:powerpoint" xmlns:com="http://schemas.openxmlformats.org/drawingml/2006/compatibility" xmlns:p14="http://schemas.microsoft.com/office/powerpoint/2010/main" xmlns:p15="http://schemas.microsoft.com/office/powerpoint/2012/main" xmlns:ahyp="http://schemas.microsoft.com/office/drawing/2018/hyperlinkcolor">
+<p:sld xmlns:a="http://schemas.openxmlformats.org/drawingml/2006/main" xmlns:r="http://schemas.openxmlformats.org/officeDocument/2006/relationships" xmlns:p="http://schemas.openxmlformats.org/presentationml/2006/main">
   <p:cSld>
     <p:spTree>
       <p:nvGrpSpPr>
-        <p:cNvPr id="85" name="Shape 85"/>
+        <p:cNvPr id="1" name="Shape 85"/>
         <p:cNvGrpSpPr/>
         <p:nvPr/>
       </p:nvGrpSpPr>
@@ -7608,7 +7688,9 @@
       <p:sp>
         <p:nvSpPr>
           <p:cNvPr id="86" name="Google Shape;86;p13"/>
-          <p:cNvSpPr txBox="1"/>
+          <p:cNvSpPr txBox="1">
+            <a:spLocks noGrp="1"/>
+          </p:cNvSpPr>
           <p:nvPr>
             <p:ph type="ctrTitle"/>
           </p:nvPr>
@@ -7623,12 +7705,12 @@
           </a:prstGeom>
         </p:spPr>
         <p:txBody>
-          <a:bodyPr anchorCtr="0" anchor="t" bIns="91425" lIns="91425" spcFirstLastPara="1" rIns="91425" wrap="square" tIns="91425">
+          <a:bodyPr spcFirstLastPara="1" wrap="square" lIns="91425" tIns="91425" rIns="91425" bIns="91425" anchor="t" anchorCtr="0">
             <a:normAutofit/>
           </a:bodyPr>
           <a:lstStyle/>
           <a:p>
-            <a:pPr indent="0" lvl="0" marL="0" rtl="0" algn="l">
+            <a:pPr marL="0" lvl="0" indent="0" algn="l" rtl="0">
               <a:spcBef>
                 <a:spcPts val="0"/>
               </a:spcBef>
@@ -7642,45 +7724,6 @@
               <a:t>Exploring &amp; Visualizing of World bank Co2 Emission dataset</a:t>
             </a:r>
             <a:endParaRPr sz="2688"/>
-          </a:p>
-        </p:txBody>
-      </p:sp>
-      <p:sp>
-        <p:nvSpPr>
-          <p:cNvPr id="87" name="Google Shape;87;p13"/>
-          <p:cNvSpPr txBox="1"/>
-          <p:nvPr>
-            <p:ph idx="1" type="subTitle"/>
-          </p:nvPr>
-        </p:nvSpPr>
-        <p:spPr>
-          <a:xfrm>
-            <a:off x="729627" y="3172900"/>
-            <a:ext cx="7688100" cy="541200"/>
-          </a:xfrm>
-          <a:prstGeom prst="rect">
-            <a:avLst/>
-          </a:prstGeom>
-        </p:spPr>
-        <p:txBody>
-          <a:bodyPr anchorCtr="0" anchor="t" bIns="91425" lIns="91425" spcFirstLastPara="1" rIns="91425" wrap="square" tIns="91425">
-            <a:normAutofit/>
-          </a:bodyPr>
-          <a:lstStyle/>
-          <a:p>
-            <a:pPr indent="0" lvl="0" marL="0" rtl="0" algn="l">
-              <a:spcBef>
-                <a:spcPts val="0"/>
-              </a:spcBef>
-              <a:spcAft>
-                <a:spcPts val="0"/>
-              </a:spcAft>
-              <a:buNone/>
-            </a:pPr>
-            <a:r>
-              <a:t/>
-            </a:r>
-            <a:endParaRPr/>
           </a:p>
         </p:txBody>
       </p:sp>
@@ -7693,11 +7736,11 @@
 </file>
 
 <file path=ppt/slides/slide2.xml><?xml version="1.0" encoding="utf-8"?>
-<p:sld xmlns:a="http://schemas.openxmlformats.org/drawingml/2006/main" xmlns:r="http://schemas.openxmlformats.org/officeDocument/2006/relationships" xmlns:mc="http://schemas.openxmlformats.org/markup-compatibility/2006" xmlns:mv="urn:schemas-microsoft-com:mac:vml" xmlns:p="http://schemas.openxmlformats.org/presentationml/2006/main" xmlns:c="http://schemas.openxmlformats.org/drawingml/2006/chart" xmlns:dgm="http://schemas.openxmlformats.org/drawingml/2006/diagram" xmlns:o="urn:schemas-microsoft-com:office:office" xmlns:v="urn:schemas-microsoft-com:vml" xmlns:pvml="urn:schemas-microsoft-com:office:powerpoint" xmlns:com="http://schemas.openxmlformats.org/drawingml/2006/compatibility" xmlns:p14="http://schemas.microsoft.com/office/powerpoint/2010/main" xmlns:p15="http://schemas.microsoft.com/office/powerpoint/2012/main" xmlns:ahyp="http://schemas.microsoft.com/office/drawing/2018/hyperlinkcolor">
+<p:sld xmlns:a="http://schemas.openxmlformats.org/drawingml/2006/main" xmlns:r="http://schemas.openxmlformats.org/officeDocument/2006/relationships" xmlns:p="http://schemas.openxmlformats.org/presentationml/2006/main">
   <p:cSld>
     <p:spTree>
       <p:nvGrpSpPr>
-        <p:cNvPr id="91" name="Shape 91"/>
+        <p:cNvPr id="1" name="Shape 91"/>
         <p:cNvGrpSpPr/>
         <p:nvPr/>
       </p:nvGrpSpPr>
@@ -7712,7 +7755,9 @@
       <p:sp>
         <p:nvSpPr>
           <p:cNvPr id="92" name="Google Shape;92;p14"/>
-          <p:cNvSpPr txBox="1"/>
+          <p:cNvSpPr txBox="1">
+            <a:spLocks noGrp="1"/>
+          </p:cNvSpPr>
           <p:nvPr>
             <p:ph type="title"/>
           </p:nvPr>
@@ -7727,12 +7772,12 @@
           </a:prstGeom>
         </p:spPr>
         <p:txBody>
-          <a:bodyPr anchorCtr="0" anchor="t" bIns="91425" lIns="91425" spcFirstLastPara="1" rIns="91425" wrap="square" tIns="91425">
+          <a:bodyPr spcFirstLastPara="1" wrap="square" lIns="91425" tIns="91425" rIns="91425" bIns="91425" anchor="t" anchorCtr="0">
             <a:normAutofit fontScale="90000"/>
           </a:bodyPr>
           <a:lstStyle/>
           <a:p>
-            <a:pPr indent="0" lvl="0" marL="0" rtl="0" algn="l">
+            <a:pPr marL="0" lvl="0" indent="0" algn="l" rtl="0">
               <a:spcBef>
                 <a:spcPts val="0"/>
               </a:spcBef>
@@ -7752,9 +7797,11 @@
       <p:sp>
         <p:nvSpPr>
           <p:cNvPr id="93" name="Google Shape;93;p14"/>
-          <p:cNvSpPr txBox="1"/>
+          <p:cNvSpPr txBox="1">
+            <a:spLocks noGrp="1"/>
+          </p:cNvSpPr>
           <p:nvPr>
-            <p:ph idx="1" type="body"/>
+            <p:ph type="body" idx="1"/>
           </p:nvPr>
         </p:nvSpPr>
         <p:spPr>
@@ -7767,12 +7814,12 @@
           </a:prstGeom>
         </p:spPr>
         <p:txBody>
-          <a:bodyPr anchorCtr="0" anchor="t" bIns="91425" lIns="91425" spcFirstLastPara="1" rIns="91425" wrap="square" tIns="91425">
+          <a:bodyPr spcFirstLastPara="1" wrap="square" lIns="91425" tIns="91425" rIns="91425" bIns="91425" anchor="t" anchorCtr="0">
             <a:normAutofit/>
           </a:bodyPr>
           <a:lstStyle/>
           <a:p>
-            <a:pPr indent="-311150" lvl="0" marL="457200" rtl="0" algn="l">
+            <a:pPr marL="457200" lvl="0" indent="-311150" algn="l" rtl="0">
               <a:lnSpc>
                 <a:spcPct val="150000"/>
               </a:lnSpc>
@@ -7787,28 +7834,12 @@
             </a:pPr>
             <a:r>
               <a:rPr lang="en"/>
-              <a:t>After cleaning and adding meta data, dataset contains over 13342 </a:t>
-            </a:r>
-            <a:r>
-              <a:rPr lang="en"/>
-              <a:t>observation</a:t>
-            </a:r>
-            <a:r>
-              <a:rPr lang="en"/>
-              <a:t> and 11 </a:t>
-            </a:r>
-            <a:r>
-              <a:rPr lang="en"/>
-              <a:t>different</a:t>
-            </a:r>
-            <a:r>
-              <a:rPr lang="en"/>
-              <a:t> columns. </a:t>
+              <a:t>After cleaning and adding meta data, dataset contains over 13342 observation and 11 different columns. </a:t>
             </a:r>
             <a:endParaRPr/>
           </a:p>
           <a:p>
-            <a:pPr indent="-311150" lvl="0" marL="457200" rtl="0" algn="l">
+            <a:pPr marL="457200" lvl="0" indent="-311150" algn="l" rtl="0">
               <a:lnSpc>
                 <a:spcPct val="150000"/>
               </a:lnSpc>
@@ -7823,16 +7854,12 @@
             </a:pPr>
             <a:r>
               <a:rPr lang="en"/>
-              <a:t>Each </a:t>
-            </a:r>
-            <a:r>
-              <a:rPr lang="en"/>
-              <a:t>country data spreading across 1960-2018.</a:t>
+              <a:t>Each country data spreading across 1960-2018.</a:t>
             </a:r>
             <a:endParaRPr/>
           </a:p>
           <a:p>
-            <a:pPr indent="-311150" lvl="0" marL="457200" rtl="0" algn="l">
+            <a:pPr marL="457200" lvl="0" indent="-311150" algn="l" rtl="0">
               <a:lnSpc>
                 <a:spcPct val="150000"/>
               </a:lnSpc>
@@ -7862,11 +7889,11 @@
 </file>
 
 <file path=ppt/slides/slide3.xml><?xml version="1.0" encoding="utf-8"?>
-<p:sld xmlns:a="http://schemas.openxmlformats.org/drawingml/2006/main" xmlns:r="http://schemas.openxmlformats.org/officeDocument/2006/relationships" xmlns:mc="http://schemas.openxmlformats.org/markup-compatibility/2006" xmlns:mv="urn:schemas-microsoft-com:mac:vml" xmlns:p="http://schemas.openxmlformats.org/presentationml/2006/main" xmlns:c="http://schemas.openxmlformats.org/drawingml/2006/chart" xmlns:dgm="http://schemas.openxmlformats.org/drawingml/2006/diagram" xmlns:o="urn:schemas-microsoft-com:office:office" xmlns:v="urn:schemas-microsoft-com:vml" xmlns:pvml="urn:schemas-microsoft-com:office:powerpoint" xmlns:com="http://schemas.openxmlformats.org/drawingml/2006/compatibility" xmlns:p14="http://schemas.microsoft.com/office/powerpoint/2010/main" xmlns:p15="http://schemas.microsoft.com/office/powerpoint/2012/main" xmlns:ahyp="http://schemas.microsoft.com/office/drawing/2018/hyperlinkcolor">
+<p:sld xmlns:a="http://schemas.openxmlformats.org/drawingml/2006/main" xmlns:r="http://schemas.openxmlformats.org/officeDocument/2006/relationships" xmlns:p="http://schemas.openxmlformats.org/presentationml/2006/main">
   <p:cSld>
     <p:spTree>
       <p:nvGrpSpPr>
-        <p:cNvPr id="97" name="Shape 97"/>
+        <p:cNvPr id="1" name="Shape 97"/>
         <p:cNvGrpSpPr/>
         <p:nvPr/>
       </p:nvGrpSpPr>
@@ -7881,7 +7908,9 @@
       <p:sp>
         <p:nvSpPr>
           <p:cNvPr id="98" name="Google Shape;98;p15"/>
-          <p:cNvSpPr txBox="1"/>
+          <p:cNvSpPr txBox="1">
+            <a:spLocks noGrp="1"/>
+          </p:cNvSpPr>
           <p:nvPr>
             <p:ph type="title"/>
           </p:nvPr>
@@ -7896,12 +7925,12 @@
           </a:prstGeom>
         </p:spPr>
         <p:txBody>
-          <a:bodyPr anchorCtr="0" anchor="t" bIns="91425" lIns="91425" spcFirstLastPara="1" rIns="91425" wrap="square" tIns="91425">
+          <a:bodyPr spcFirstLastPara="1" wrap="square" lIns="91425" tIns="91425" rIns="91425" bIns="91425" anchor="t" anchorCtr="0">
             <a:noAutofit/>
           </a:bodyPr>
           <a:lstStyle/>
           <a:p>
-            <a:pPr indent="0" lvl="0" marL="0" rtl="0" algn="l">
+            <a:pPr marL="0" lvl="0" indent="0" algn="l" rtl="0">
               <a:spcBef>
                 <a:spcPts val="0"/>
               </a:spcBef>
@@ -7916,45 +7945,6 @@
               <a:t>Which countries have the highest CO2 emissions per capita in 2015?</a:t>
             </a:r>
             <a:endParaRPr sz="1740"/>
-          </a:p>
-        </p:txBody>
-      </p:sp>
-      <p:sp>
-        <p:nvSpPr>
-          <p:cNvPr id="99" name="Google Shape;99;p15"/>
-          <p:cNvSpPr txBox="1"/>
-          <p:nvPr>
-            <p:ph idx="1" type="body"/>
-          </p:nvPr>
-        </p:nvSpPr>
-        <p:spPr>
-          <a:xfrm>
-            <a:off x="729450" y="2078875"/>
-            <a:ext cx="7688700" cy="2261100"/>
-          </a:xfrm>
-          <a:prstGeom prst="rect">
-            <a:avLst/>
-          </a:prstGeom>
-        </p:spPr>
-        <p:txBody>
-          <a:bodyPr anchorCtr="0" anchor="t" bIns="91425" lIns="91425" spcFirstLastPara="1" rIns="91425" wrap="square" tIns="91425">
-            <a:normAutofit/>
-          </a:bodyPr>
-          <a:lstStyle/>
-          <a:p>
-            <a:pPr indent="0" lvl="0" marL="0" rtl="0" algn="l">
-              <a:spcBef>
-                <a:spcPts val="0"/>
-              </a:spcBef>
-              <a:spcAft>
-                <a:spcPts val="1200"/>
-              </a:spcAft>
-              <a:buNone/>
-            </a:pPr>
-            <a:r>
-              <a:t/>
-            </a:r>
-            <a:endParaRPr/>
           </a:p>
         </p:txBody>
       </p:sp>
@@ -7995,11 +7985,11 @@
 </file>
 
 <file path=ppt/slides/slide4.xml><?xml version="1.0" encoding="utf-8"?>
-<p:sld xmlns:a="http://schemas.openxmlformats.org/drawingml/2006/main" xmlns:r="http://schemas.openxmlformats.org/officeDocument/2006/relationships" xmlns:mc="http://schemas.openxmlformats.org/markup-compatibility/2006" xmlns:mv="urn:schemas-microsoft-com:mac:vml" xmlns:p="http://schemas.openxmlformats.org/presentationml/2006/main" xmlns:c="http://schemas.openxmlformats.org/drawingml/2006/chart" xmlns:dgm="http://schemas.openxmlformats.org/drawingml/2006/diagram" xmlns:o="urn:schemas-microsoft-com:office:office" xmlns:v="urn:schemas-microsoft-com:vml" xmlns:pvml="urn:schemas-microsoft-com:office:powerpoint" xmlns:com="http://schemas.openxmlformats.org/drawingml/2006/compatibility" xmlns:p14="http://schemas.microsoft.com/office/powerpoint/2010/main" xmlns:p15="http://schemas.microsoft.com/office/powerpoint/2012/main" xmlns:ahyp="http://schemas.microsoft.com/office/drawing/2018/hyperlinkcolor">
+<p:sld xmlns:a="http://schemas.openxmlformats.org/drawingml/2006/main" xmlns:r="http://schemas.openxmlformats.org/officeDocument/2006/relationships" xmlns:p="http://schemas.openxmlformats.org/presentationml/2006/main">
   <p:cSld>
     <p:spTree>
       <p:nvGrpSpPr>
-        <p:cNvPr id="104" name="Shape 104"/>
+        <p:cNvPr id="1" name="Shape 104"/>
         <p:cNvGrpSpPr/>
         <p:nvPr/>
       </p:nvGrpSpPr>
@@ -8014,7 +8004,9 @@
       <p:sp>
         <p:nvSpPr>
           <p:cNvPr id="105" name="Google Shape;105;p16"/>
-          <p:cNvSpPr txBox="1"/>
+          <p:cNvSpPr txBox="1">
+            <a:spLocks noGrp="1"/>
+          </p:cNvSpPr>
           <p:nvPr>
             <p:ph type="title"/>
           </p:nvPr>
@@ -8029,12 +8021,12 @@
           </a:prstGeom>
         </p:spPr>
         <p:txBody>
-          <a:bodyPr anchorCtr="0" anchor="t" bIns="91425" lIns="91425" spcFirstLastPara="1" rIns="91425" wrap="square" tIns="91425">
+          <a:bodyPr spcFirstLastPara="1" wrap="square" lIns="91425" tIns="91425" rIns="91425" bIns="91425" anchor="t" anchorCtr="0">
             <a:normAutofit fontScale="90000"/>
           </a:bodyPr>
           <a:lstStyle/>
           <a:p>
-            <a:pPr indent="0" lvl="0" marL="0" rtl="0" algn="l">
+            <a:pPr marL="0" lvl="0" indent="0" algn="l" rtl="0">
               <a:spcBef>
                 <a:spcPts val="0"/>
               </a:spcBef>
@@ -8055,7 +8047,7 @@
             <a:endParaRPr sz="1740"/>
           </a:p>
           <a:p>
-            <a:pPr indent="0" lvl="0" marL="0" rtl="0" algn="l">
+            <a:pPr marL="0" lvl="0" indent="0" algn="l" rtl="0">
               <a:spcBef>
                 <a:spcPts val="0"/>
               </a:spcBef>
@@ -8064,48 +8056,6 @@
               </a:spcAft>
               <a:buNone/>
             </a:pPr>
-            <a:r>
-              <a:t/>
-            </a:r>
-            <a:endParaRPr/>
-          </a:p>
-        </p:txBody>
-      </p:sp>
-      <p:sp>
-        <p:nvSpPr>
-          <p:cNvPr id="106" name="Google Shape;106;p16"/>
-          <p:cNvSpPr txBox="1"/>
-          <p:nvPr>
-            <p:ph idx="1" type="body"/>
-          </p:nvPr>
-        </p:nvSpPr>
-        <p:spPr>
-          <a:xfrm>
-            <a:off x="729450" y="2078875"/>
-            <a:ext cx="7688700" cy="2261100"/>
-          </a:xfrm>
-          <a:prstGeom prst="rect">
-            <a:avLst/>
-          </a:prstGeom>
-        </p:spPr>
-        <p:txBody>
-          <a:bodyPr anchorCtr="0" anchor="t" bIns="91425" lIns="91425" spcFirstLastPara="1" rIns="91425" wrap="square" tIns="91425">
-            <a:normAutofit/>
-          </a:bodyPr>
-          <a:lstStyle/>
-          <a:p>
-            <a:pPr indent="0" lvl="0" marL="0" rtl="0" algn="l">
-              <a:spcBef>
-                <a:spcPts val="0"/>
-              </a:spcBef>
-              <a:spcAft>
-                <a:spcPts val="1200"/>
-              </a:spcAft>
-              <a:buNone/>
-            </a:pPr>
-            <a:r>
-              <a:t/>
-            </a:r>
             <a:endParaRPr/>
           </a:p>
         </p:txBody>
@@ -8147,11 +8097,11 @@
 </file>
 
 <file path=ppt/slides/slide5.xml><?xml version="1.0" encoding="utf-8"?>
-<p:sld xmlns:a="http://schemas.openxmlformats.org/drawingml/2006/main" xmlns:r="http://schemas.openxmlformats.org/officeDocument/2006/relationships" xmlns:mc="http://schemas.openxmlformats.org/markup-compatibility/2006" xmlns:mv="urn:schemas-microsoft-com:mac:vml" xmlns:p="http://schemas.openxmlformats.org/presentationml/2006/main" xmlns:c="http://schemas.openxmlformats.org/drawingml/2006/chart" xmlns:dgm="http://schemas.openxmlformats.org/drawingml/2006/diagram" xmlns:o="urn:schemas-microsoft-com:office:office" xmlns:v="urn:schemas-microsoft-com:vml" xmlns:pvml="urn:schemas-microsoft-com:office:powerpoint" xmlns:com="http://schemas.openxmlformats.org/drawingml/2006/compatibility" xmlns:p14="http://schemas.microsoft.com/office/powerpoint/2010/main" xmlns:p15="http://schemas.microsoft.com/office/powerpoint/2012/main" xmlns:ahyp="http://schemas.microsoft.com/office/drawing/2018/hyperlinkcolor">
+<p:sld xmlns:a="http://schemas.openxmlformats.org/drawingml/2006/main" xmlns:r="http://schemas.openxmlformats.org/officeDocument/2006/relationships" xmlns:p="http://schemas.openxmlformats.org/presentationml/2006/main">
   <p:cSld>
     <p:spTree>
       <p:nvGrpSpPr>
-        <p:cNvPr id="111" name="Shape 111"/>
+        <p:cNvPr id="1" name="Shape 111"/>
         <p:cNvGrpSpPr/>
         <p:nvPr/>
       </p:nvGrpSpPr>
@@ -8166,7 +8116,9 @@
       <p:sp>
         <p:nvSpPr>
           <p:cNvPr id="112" name="Google Shape;112;p17"/>
-          <p:cNvSpPr txBox="1"/>
+          <p:cNvSpPr txBox="1">
+            <a:spLocks noGrp="1"/>
+          </p:cNvSpPr>
           <p:nvPr>
             <p:ph type="title"/>
           </p:nvPr>
@@ -8181,12 +8133,12 @@
           </a:prstGeom>
         </p:spPr>
         <p:txBody>
-          <a:bodyPr anchorCtr="0" anchor="t" bIns="91425" lIns="91425" spcFirstLastPara="1" rIns="91425" wrap="square" tIns="91425">
+          <a:bodyPr spcFirstLastPara="1" wrap="square" lIns="91425" tIns="91425" rIns="91425" bIns="91425" anchor="t" anchorCtr="0">
             <a:normAutofit fontScale="90000"/>
           </a:bodyPr>
           <a:lstStyle/>
           <a:p>
-            <a:pPr indent="0" lvl="0" marL="0" rtl="0" algn="l">
+            <a:pPr marL="0" lvl="0" indent="0" algn="l" rtl="0">
               <a:spcBef>
                 <a:spcPts val="0"/>
               </a:spcBef>
@@ -8198,45 +8150,6 @@
             <a:r>
               <a:rPr lang="en"/>
               <a:t>Co2 Emission changes over year</a:t>
-            </a:r>
-            <a:endParaRPr/>
-          </a:p>
-        </p:txBody>
-      </p:sp>
-      <p:sp>
-        <p:nvSpPr>
-          <p:cNvPr id="113" name="Google Shape;113;p17"/>
-          <p:cNvSpPr txBox="1"/>
-          <p:nvPr>
-            <p:ph idx="1" type="body"/>
-          </p:nvPr>
-        </p:nvSpPr>
-        <p:spPr>
-          <a:xfrm>
-            <a:off x="729450" y="2078875"/>
-            <a:ext cx="7688700" cy="2261100"/>
-          </a:xfrm>
-          <a:prstGeom prst="rect">
-            <a:avLst/>
-          </a:prstGeom>
-        </p:spPr>
-        <p:txBody>
-          <a:bodyPr anchorCtr="0" anchor="t" bIns="91425" lIns="91425" spcFirstLastPara="1" rIns="91425" wrap="square" tIns="91425">
-            <a:normAutofit/>
-          </a:bodyPr>
-          <a:lstStyle/>
-          <a:p>
-            <a:pPr indent="0" lvl="0" marL="0" rtl="0" algn="l">
-              <a:spcBef>
-                <a:spcPts val="0"/>
-              </a:spcBef>
-              <a:spcAft>
-                <a:spcPts val="1200"/>
-              </a:spcAft>
-              <a:buNone/>
-            </a:pPr>
-            <a:r>
-              <a:t/>
             </a:r>
             <a:endParaRPr/>
           </a:p>
@@ -8279,11 +8192,11 @@
 </file>
 
 <file path=ppt/slides/slide6.xml><?xml version="1.0" encoding="utf-8"?>
-<p:sld xmlns:a="http://schemas.openxmlformats.org/drawingml/2006/main" xmlns:r="http://schemas.openxmlformats.org/officeDocument/2006/relationships" xmlns:mc="http://schemas.openxmlformats.org/markup-compatibility/2006" xmlns:mv="urn:schemas-microsoft-com:mac:vml" xmlns:p="http://schemas.openxmlformats.org/presentationml/2006/main" xmlns:c="http://schemas.openxmlformats.org/drawingml/2006/chart" xmlns:dgm="http://schemas.openxmlformats.org/drawingml/2006/diagram" xmlns:o="urn:schemas-microsoft-com:office:office" xmlns:v="urn:schemas-microsoft-com:vml" xmlns:pvml="urn:schemas-microsoft-com:office:powerpoint" xmlns:com="http://schemas.openxmlformats.org/drawingml/2006/compatibility" xmlns:p14="http://schemas.microsoft.com/office/powerpoint/2010/main" xmlns:p15="http://schemas.microsoft.com/office/powerpoint/2012/main" xmlns:ahyp="http://schemas.microsoft.com/office/drawing/2018/hyperlinkcolor">
+<p:sld xmlns:a="http://schemas.openxmlformats.org/drawingml/2006/main" xmlns:r="http://schemas.openxmlformats.org/officeDocument/2006/relationships" xmlns:p="http://schemas.openxmlformats.org/presentationml/2006/main">
   <p:cSld>
     <p:spTree>
       <p:nvGrpSpPr>
-        <p:cNvPr id="118" name="Shape 118"/>
+        <p:cNvPr id="1" name="Shape 118"/>
         <p:cNvGrpSpPr/>
         <p:nvPr/>
       </p:nvGrpSpPr>
@@ -8298,7 +8211,9 @@
       <p:sp>
         <p:nvSpPr>
           <p:cNvPr id="119" name="Google Shape;119;p18"/>
-          <p:cNvSpPr txBox="1"/>
+          <p:cNvSpPr txBox="1">
+            <a:spLocks noGrp="1"/>
+          </p:cNvSpPr>
           <p:nvPr>
             <p:ph type="title"/>
           </p:nvPr>
@@ -8313,12 +8228,12 @@
           </a:prstGeom>
         </p:spPr>
         <p:txBody>
-          <a:bodyPr anchorCtr="0" anchor="t" bIns="91425" lIns="91425" spcFirstLastPara="1" rIns="91425" wrap="square" tIns="91425">
+          <a:bodyPr spcFirstLastPara="1" wrap="square" lIns="91425" tIns="91425" rIns="91425" bIns="91425" anchor="t" anchorCtr="0">
             <a:normAutofit fontScale="90000"/>
           </a:bodyPr>
           <a:lstStyle/>
           <a:p>
-            <a:pPr indent="0" lvl="0" marL="0" rtl="0" algn="l">
+            <a:pPr marL="0" lvl="0" indent="0" algn="l" rtl="0">
               <a:spcBef>
                 <a:spcPts val="0"/>
               </a:spcBef>
@@ -8330,45 +8245,6 @@
             <a:r>
               <a:rPr lang="en"/>
               <a:t>Co2 Emission based on region</a:t>
-            </a:r>
-            <a:endParaRPr/>
-          </a:p>
-        </p:txBody>
-      </p:sp>
-      <p:sp>
-        <p:nvSpPr>
-          <p:cNvPr id="120" name="Google Shape;120;p18"/>
-          <p:cNvSpPr txBox="1"/>
-          <p:nvPr>
-            <p:ph idx="1" type="body"/>
-          </p:nvPr>
-        </p:nvSpPr>
-        <p:spPr>
-          <a:xfrm>
-            <a:off x="729450" y="2078875"/>
-            <a:ext cx="7688700" cy="2261100"/>
-          </a:xfrm>
-          <a:prstGeom prst="rect">
-            <a:avLst/>
-          </a:prstGeom>
-        </p:spPr>
-        <p:txBody>
-          <a:bodyPr anchorCtr="0" anchor="t" bIns="91425" lIns="91425" spcFirstLastPara="1" rIns="91425" wrap="square" tIns="91425">
-            <a:normAutofit/>
-          </a:bodyPr>
-          <a:lstStyle/>
-          <a:p>
-            <a:pPr indent="0" lvl="0" marL="0" rtl="0" algn="l">
-              <a:spcBef>
-                <a:spcPts val="0"/>
-              </a:spcBef>
-              <a:spcAft>
-                <a:spcPts val="1200"/>
-              </a:spcAft>
-              <a:buNone/>
-            </a:pPr>
-            <a:r>
-              <a:t/>
             </a:r>
             <a:endParaRPr/>
           </a:p>
@@ -8411,7 +8287,7 @@
 </file>
 
 <file path=ppt/theme/theme1.xml><?xml version="1.0" encoding="utf-8"?>
-<a:theme xmlns:a="http://schemas.openxmlformats.org/drawingml/2006/main" xmlns:r="http://schemas.openxmlformats.org/officeDocument/2006/relationships" name="Streamline">
+<a:theme xmlns:a="http://schemas.openxmlformats.org/drawingml/2006/main" name="Streamline">
   <a:themeElements>
     <a:clrScheme name="Streamline">
       <a:dk1>
@@ -8686,11 +8562,13 @@
       </a:bgFillStyleLst>
     </a:fmtScheme>
   </a:themeElements>
+  <a:objectDefaults/>
+  <a:extraClrSchemeLst/>
 </a:theme>
 </file>
 
 <file path=ppt/theme/theme2.xml><?xml version="1.0" encoding="utf-8"?>
-<a:theme xmlns:a="http://schemas.openxmlformats.org/drawingml/2006/main" xmlns:r="http://schemas.openxmlformats.org/officeDocument/2006/relationships">
+<a:theme xmlns:a="http://schemas.openxmlformats.org/drawingml/2006/main">
   <a:themeElements>
     <a:clrScheme name="Default">
       <a:dk1>
@@ -8965,5 +8843,7 @@
       </a:bgFillStyleLst>
     </a:fmtScheme>
   </a:themeElements>
+  <a:objectDefaults/>
+  <a:extraClrSchemeLst/>
 </a:theme>
 </file>